--- a/isoya20170727_ver1.pptx
+++ b/isoya20170727_ver1.pptx
@@ -13,7 +13,7 @@
   <p:sldIdLst>
     <p:sldId id="256" r:id="rId5"/>
     <p:sldId id="257" r:id="rId6"/>
-    <p:sldId id="258" r:id="rId7"/>
+    <p:sldId id="269" r:id="rId7"/>
     <p:sldId id="259" r:id="rId8"/>
     <p:sldId id="260" r:id="rId9"/>
     <p:sldId id="261" r:id="rId10"/>
@@ -206,7 +206,7 @@
           <a:p>
             <a:fld id="{AA986740-1D04-9644-8EB2-ABE63C5260B8}" type="datetimeFigureOut">
               <a:rPr kumimoji="1" lang="ja-JP" altLang="en-US" smtClean="0"/>
-              <a:t>2017/07/03</a:t>
+              <a:t>2017/07/04</a:t>
             </a:fld>
             <a:endParaRPr kumimoji="1" lang="ja-JP" altLang="en-US"/>
           </a:p>
@@ -372,7 +372,7 @@
           <a:p>
             <a:fld id="{F12908B7-7D3A-8A43-9CC4-E8F00ECE6624}" type="datetimeFigureOut">
               <a:rPr kumimoji="1" lang="ja-JP" altLang="en-US" smtClean="0"/>
-              <a:t>2017/07/03</a:t>
+              <a:t>2017/07/04</a:t>
             </a:fld>
             <a:endParaRPr kumimoji="1" lang="ja-JP" altLang="en-US"/>
           </a:p>
@@ -3860,21 +3860,21 @@
                 <a:latin typeface="+mj-ea"/>
                 <a:cs typeface="Helvetica"/>
               </a:rPr>
-              <a:t>衝突破壊の重要性</a:t>
-            </a:r>
-            <a:r>
-              <a:rPr kumimoji="1" lang="en-US" altLang="ja-JP" dirty="0">
+              <a:t>衝突破壊の</a:t>
+            </a:r>
+            <a:r>
+              <a:rPr kumimoji="1" lang="ja-JP" altLang="en-US" dirty="0" smtClean="0">
                 <a:latin typeface="+mj-ea"/>
                 <a:cs typeface="Helvetica"/>
               </a:rPr>
-              <a:t> </a:t>
+              <a:t>重要性</a:t>
             </a:r>
             <a:r>
               <a:rPr kumimoji="1" lang="en-US" altLang="ja-JP" dirty="0" smtClean="0">
                 <a:latin typeface="+mj-ea"/>
                 <a:cs typeface="Helvetica"/>
               </a:rPr>
-              <a:t>:</a:t>
+              <a:t/>
             </a:r>
             <a:br>
               <a:rPr kumimoji="1" lang="en-US" altLang="ja-JP" dirty="0" smtClean="0">
@@ -4599,11 +4599,7 @@
           <a:p>
             <a:r>
               <a:rPr lang="ja-JP" altLang="en-US" dirty="0" smtClean="0"/>
-              <a:t>夏の学校</a:t>
-            </a:r>
-            <a:r>
-              <a:rPr lang="ja-JP" altLang="en-US" dirty="0" smtClean="0"/>
-              <a:t>　星形成・惑星系分科会</a:t>
+              <a:t>夏の学校　星形成・惑星系分科会</a:t>
             </a:r>
             <a:endParaRPr lang="en-US" dirty="0"/>
           </a:p>
@@ -4696,25 +4692,6 @@
       </p:sp>
       <p:sp>
         <p:nvSpPr>
-          <p:cNvPr id="3" name="コンテンツ プレースホルダー 2"/>
-          <p:cNvSpPr>
-            <a:spLocks noGrp="1"/>
-          </p:cNvSpPr>
-          <p:nvPr>
-            <p:ph idx="1"/>
-          </p:nvPr>
-        </p:nvSpPr>
-        <p:spPr/>
-        <p:txBody>
-          <a:bodyPr/>
-          <a:lstStyle/>
-          <a:p>
-            <a:endParaRPr kumimoji="1" lang="ja-JP" altLang="en-US"/>
-          </a:p>
-        </p:txBody>
-      </p:sp>
-      <p:sp>
-        <p:nvSpPr>
           <p:cNvPr id="4" name="日付プレースホルダー 3"/>
           <p:cNvSpPr>
             <a:spLocks noGrp="1"/>
@@ -4786,10 +4763,969 @@
           </a:p>
         </p:txBody>
       </p:sp>
+      <p:pic>
+        <p:nvPicPr>
+          <p:cNvPr id="17" name="図 16" descr="rikanenpyo_fig2.jpg"/>
+          <p:cNvPicPr>
+            <a:picLocks noChangeAspect="1"/>
+          </p:cNvPicPr>
+          <p:nvPr/>
+        </p:nvPicPr>
+        <p:blipFill>
+          <a:blip r:embed="rId2">
+            <a:extLst>
+              <a:ext uri="{28A0092B-C50C-407E-A947-70E740481C1C}">
+                <a14:useLocalDpi xmlns:a14="http://schemas.microsoft.com/office/drawing/2010/main" val="0"/>
+              </a:ext>
+            </a:extLst>
+          </a:blip>
+          <a:stretch>
+            <a:fillRect/>
+          </a:stretch>
+        </p:blipFill>
+        <p:spPr>
+          <a:xfrm>
+            <a:off x="5995850" y="1219775"/>
+            <a:ext cx="2991730" cy="4831644"/>
+          </a:xfrm>
+          <a:prstGeom prst="rect">
+            <a:avLst/>
+          </a:prstGeom>
+        </p:spPr>
+      </p:pic>
+      <p:sp>
+        <p:nvSpPr>
+          <p:cNvPr id="7" name="テキスト ボックス 6"/>
+          <p:cNvSpPr txBox="1"/>
+          <p:nvPr/>
+        </p:nvSpPr>
+        <p:spPr>
+          <a:xfrm>
+            <a:off x="281726" y="809801"/>
+            <a:ext cx="6160661" cy="461665"/>
+          </a:xfrm>
+          <a:prstGeom prst="rect">
+            <a:avLst/>
+          </a:prstGeom>
+          <a:noFill/>
+        </p:spPr>
+        <p:txBody>
+          <a:bodyPr wrap="none" rtlCol="0">
+            <a:spAutoFit/>
+          </a:bodyPr>
+          <a:lstStyle/>
+          <a:p>
+            <a:pPr marL="342900" indent="-342900">
+              <a:buFont typeface="Arial"/>
+              <a:buChar char="•"/>
+            </a:pPr>
+            <a:r>
+              <a:rPr kumimoji="1" lang="ja-JP" altLang="en-US" sz="2400" dirty="0" smtClean="0"/>
+              <a:t>現在の地球型惑星形成理論（標準モデル）</a:t>
+            </a:r>
+            <a:endParaRPr kumimoji="1" lang="en-US" altLang="ja-JP" sz="2400" dirty="0" smtClean="0"/>
+          </a:p>
+        </p:txBody>
+      </p:sp>
+      <p:grpSp>
+        <p:nvGrpSpPr>
+          <p:cNvPr id="9" name="図形グループ 8"/>
+          <p:cNvGrpSpPr/>
+          <p:nvPr/>
+        </p:nvGrpSpPr>
+        <p:grpSpPr>
+          <a:xfrm>
+            <a:off x="394766" y="2714475"/>
+            <a:ext cx="5775940" cy="738664"/>
+            <a:chOff x="267847" y="1347235"/>
+            <a:chExt cx="5775940" cy="738664"/>
+          </a:xfrm>
+        </p:grpSpPr>
+        <p:sp>
+          <p:nvSpPr>
+            <p:cNvPr id="10" name="テキスト ボックス 9"/>
+            <p:cNvSpPr txBox="1"/>
+            <p:nvPr/>
+          </p:nvSpPr>
+          <p:spPr>
+            <a:xfrm>
+              <a:off x="267847" y="1347235"/>
+              <a:ext cx="5775940" cy="369332"/>
+            </a:xfrm>
+            <a:prstGeom prst="rect">
+              <a:avLst/>
+            </a:prstGeom>
+            <a:noFill/>
+          </p:spPr>
+          <p:txBody>
+            <a:bodyPr wrap="none" rtlCol="0">
+              <a:spAutoFit/>
+            </a:bodyPr>
+            <a:lstStyle/>
+            <a:p>
+              <a:pPr marL="342900" indent="-342900">
+                <a:buFont typeface="+mj-ea"/>
+                <a:buAutoNum type="circleNumDbPlain" startAt="2"/>
+              </a:pPr>
+              <a:r>
+                <a:rPr lang="ja-JP" altLang="en-US" b="1" dirty="0" smtClean="0">
+                  <a:latin typeface="+mn-ea"/>
+                  <a:cs typeface="ヒラギノ角ゴ Pro W3"/>
+                </a:rPr>
+                <a:t>ダスト</a:t>
+              </a:r>
+              <a:r>
+                <a:rPr lang="ja-JP" altLang="en-US" dirty="0" smtClean="0">
+                  <a:latin typeface="+mn-ea"/>
+                  <a:cs typeface="ヒラギノ角ゴ Pro W3"/>
+                </a:rPr>
+                <a:t>（</a:t>
+              </a:r>
+              <a:r>
+                <a:rPr lang="en-US" altLang="ja-JP" dirty="0" smtClean="0">
+                  <a:latin typeface="+mn-ea"/>
+                  <a:cs typeface="Helvetica"/>
+                </a:rPr>
+                <a:t>~0.1-10μm</a:t>
+              </a:r>
+              <a:r>
+                <a:rPr lang="ja-JP" altLang="en-US" dirty="0" smtClean="0">
+                  <a:latin typeface="+mn-ea"/>
+                  <a:cs typeface="ヒラギノ角ゴ Pro W3"/>
+                </a:rPr>
+                <a:t>）</a:t>
+              </a:r>
+              <a:r>
+                <a:rPr lang="en-US" altLang="ja-JP" dirty="0" smtClean="0">
+                  <a:latin typeface="+mn-ea"/>
+                  <a:cs typeface="ヒラギノ角ゴ Pro W3"/>
+                </a:rPr>
+                <a:t>→</a:t>
+              </a:r>
+              <a:r>
+                <a:rPr lang="ja-JP" altLang="en-US" dirty="0" smtClean="0">
+                  <a:latin typeface="+mn-ea"/>
+                  <a:cs typeface="ヒラギノ角ゴ Pro W3"/>
+                </a:rPr>
+                <a:t>　</a:t>
+              </a:r>
+              <a:r>
+                <a:rPr lang="ja-JP" altLang="en-US" b="1" dirty="0" smtClean="0">
+                  <a:latin typeface="+mn-ea"/>
+                  <a:cs typeface="ヒラギノ角ゴ Pro W3"/>
+                </a:rPr>
+                <a:t>微惑星</a:t>
+              </a:r>
+              <a:r>
+                <a:rPr lang="ja-JP" altLang="en-US" dirty="0" smtClean="0">
+                  <a:latin typeface="+mn-ea"/>
+                  <a:cs typeface="ヒラギノ角ゴ Pro W3"/>
+                </a:rPr>
+                <a:t>（</a:t>
+              </a:r>
+              <a:r>
+                <a:rPr lang="en-US" altLang="ja-JP" dirty="0" smtClean="0">
+                  <a:latin typeface="+mn-ea"/>
+                  <a:cs typeface="Helvetica"/>
+                </a:rPr>
+                <a:t>~1-1000km</a:t>
+              </a:r>
+              <a:r>
+                <a:rPr lang="ja-JP" altLang="en-US" dirty="0" smtClean="0">
+                  <a:latin typeface="+mn-ea"/>
+                  <a:cs typeface="ヒラギノ角ゴ Pro W3"/>
+                </a:rPr>
+                <a:t>）</a:t>
+              </a:r>
+              <a:endParaRPr kumimoji="1" lang="ja-JP" altLang="en-US" dirty="0">
+                <a:latin typeface="+mn-ea"/>
+                <a:cs typeface="ヒラギノ角ゴ Pro W3"/>
+              </a:endParaRPr>
+            </a:p>
+          </p:txBody>
+        </p:sp>
+        <p:sp>
+          <p:nvSpPr>
+            <p:cNvPr id="11" name="テキスト ボックス 10"/>
+            <p:cNvSpPr txBox="1"/>
+            <p:nvPr/>
+          </p:nvSpPr>
+          <p:spPr>
+            <a:xfrm>
+              <a:off x="692851" y="1716567"/>
+              <a:ext cx="620971" cy="369332"/>
+            </a:xfrm>
+            <a:prstGeom prst="rect">
+              <a:avLst/>
+            </a:prstGeom>
+            <a:noFill/>
+          </p:spPr>
+          <p:txBody>
+            <a:bodyPr wrap="none" rtlCol="0">
+              <a:spAutoFit/>
+            </a:bodyPr>
+            <a:lstStyle/>
+            <a:p>
+              <a:r>
+                <a:rPr kumimoji="1" lang="en-US" altLang="ja-JP" dirty="0" smtClean="0">
+                  <a:solidFill>
+                    <a:srgbClr val="000000"/>
+                  </a:solidFill>
+                  <a:latin typeface="Helvetica"/>
+                  <a:cs typeface="Helvetica"/>
+                </a:rPr>
+                <a:t>dust</a:t>
+              </a:r>
+              <a:endParaRPr kumimoji="1" lang="ja-JP" altLang="en-US" dirty="0">
+                <a:solidFill>
+                  <a:srgbClr val="000000"/>
+                </a:solidFill>
+                <a:latin typeface="Helvetica"/>
+                <a:cs typeface="Helvetica"/>
+              </a:endParaRPr>
+            </a:p>
+          </p:txBody>
+        </p:sp>
+        <p:sp>
+          <p:nvSpPr>
+            <p:cNvPr id="12" name="テキスト ボックス 11"/>
+            <p:cNvSpPr txBox="1"/>
+            <p:nvPr/>
+          </p:nvSpPr>
+          <p:spPr>
+            <a:xfrm>
+              <a:off x="3208950" y="1716567"/>
+              <a:ext cx="1480619" cy="369332"/>
+            </a:xfrm>
+            <a:prstGeom prst="rect">
+              <a:avLst/>
+            </a:prstGeom>
+            <a:noFill/>
+          </p:spPr>
+          <p:txBody>
+            <a:bodyPr wrap="none" rtlCol="0">
+              <a:spAutoFit/>
+            </a:bodyPr>
+            <a:lstStyle/>
+            <a:p>
+              <a:r>
+                <a:rPr kumimoji="1" lang="en-US" altLang="ja-JP" dirty="0" smtClean="0">
+                  <a:solidFill>
+                    <a:srgbClr val="000000"/>
+                  </a:solidFill>
+                  <a:latin typeface="Helvetica"/>
+                  <a:cs typeface="Helvetica"/>
+                </a:rPr>
+                <a:t>planetesimal</a:t>
+              </a:r>
+              <a:endParaRPr kumimoji="1" lang="ja-JP" altLang="en-US" dirty="0">
+                <a:solidFill>
+                  <a:srgbClr val="000000"/>
+                </a:solidFill>
+                <a:latin typeface="Helvetica"/>
+                <a:cs typeface="Helvetica"/>
+              </a:endParaRPr>
+            </a:p>
+          </p:txBody>
+        </p:sp>
+      </p:grpSp>
+      <p:grpSp>
+        <p:nvGrpSpPr>
+          <p:cNvPr id="28" name="図形グループ 27"/>
+          <p:cNvGrpSpPr/>
+          <p:nvPr/>
+        </p:nvGrpSpPr>
+        <p:grpSpPr>
+          <a:xfrm>
+            <a:off x="401364" y="3628190"/>
+            <a:ext cx="4903907" cy="738664"/>
+            <a:chOff x="198898" y="3628190"/>
+            <a:chExt cx="4903907" cy="738664"/>
+          </a:xfrm>
+        </p:grpSpPr>
+        <p:sp>
+          <p:nvSpPr>
+            <p:cNvPr id="8" name="テキスト ボックス 7"/>
+            <p:cNvSpPr txBox="1"/>
+            <p:nvPr/>
+          </p:nvSpPr>
+          <p:spPr>
+            <a:xfrm>
+              <a:off x="198898" y="3628190"/>
+              <a:ext cx="4903907" cy="369332"/>
+            </a:xfrm>
+            <a:prstGeom prst="rect">
+              <a:avLst/>
+            </a:prstGeom>
+            <a:noFill/>
+          </p:spPr>
+          <p:txBody>
+            <a:bodyPr wrap="none" rtlCol="0">
+              <a:spAutoFit/>
+            </a:bodyPr>
+            <a:lstStyle/>
+            <a:p>
+              <a:pPr marL="342900" indent="-342900">
+                <a:buFont typeface="+mj-ea"/>
+                <a:buAutoNum type="circleNumDbPlain" startAt="3"/>
+              </a:pPr>
+              <a:r>
+                <a:rPr lang="ja-JP" altLang="en-US" b="1" dirty="0" smtClean="0">
+                  <a:solidFill>
+                    <a:srgbClr val="000000"/>
+                  </a:solidFill>
+                  <a:latin typeface="+mn-ea"/>
+                  <a:cs typeface="ヒラギノ角ゴ Pro W3"/>
+                </a:rPr>
+                <a:t>微</a:t>
+              </a:r>
+              <a:r>
+                <a:rPr lang="ja-JP" altLang="en-US" b="1" dirty="0" smtClean="0">
+                  <a:solidFill>
+                    <a:srgbClr val="000000"/>
+                  </a:solidFill>
+                  <a:latin typeface="+mn-ea"/>
+                  <a:cs typeface="ヒラギノ角ゴ Pro W3"/>
+                </a:rPr>
+                <a:t>惑星</a:t>
+              </a:r>
+              <a:r>
+                <a:rPr lang="ja-JP" altLang="en-US" dirty="0" smtClean="0">
+                  <a:solidFill>
+                    <a:srgbClr val="000000"/>
+                  </a:solidFill>
+                  <a:latin typeface="+mn-ea"/>
+                  <a:cs typeface="ヒラギノ角ゴ Pro W3"/>
+                </a:rPr>
+                <a:t>　</a:t>
+              </a:r>
+              <a:r>
+                <a:rPr lang="en-US" altLang="ja-JP" dirty="0" smtClean="0">
+                  <a:solidFill>
+                    <a:srgbClr val="000000"/>
+                  </a:solidFill>
+                  <a:latin typeface="+mn-ea"/>
+                  <a:cs typeface="ヒラギノ角ゴ Pro W3"/>
+                </a:rPr>
+                <a:t>→</a:t>
+              </a:r>
+              <a:r>
+                <a:rPr lang="ja-JP" altLang="en-US" dirty="0" smtClean="0">
+                  <a:solidFill>
+                    <a:srgbClr val="000000"/>
+                  </a:solidFill>
+                  <a:latin typeface="+mn-ea"/>
+                  <a:cs typeface="ヒラギノ角ゴ Pro W3"/>
+                </a:rPr>
+                <a:t>　</a:t>
+              </a:r>
+              <a:r>
+                <a:rPr lang="ja-JP" altLang="en-US" b="1" dirty="0" smtClean="0">
+                  <a:solidFill>
+                    <a:srgbClr val="000000"/>
+                  </a:solidFill>
+                  <a:latin typeface="+mn-ea"/>
+                  <a:cs typeface="ヒラギノ角ゴ Pro W3"/>
+                </a:rPr>
+                <a:t>原始惑星</a:t>
+              </a:r>
+              <a:r>
+                <a:rPr lang="ja-JP" altLang="en-US" dirty="0" smtClean="0">
+                  <a:solidFill>
+                    <a:srgbClr val="000000"/>
+                  </a:solidFill>
+                  <a:latin typeface="+mn-ea"/>
+                  <a:cs typeface="ヒラギノ角ゴ Pro W3"/>
+                </a:rPr>
+                <a:t>（</a:t>
+              </a:r>
+              <a:r>
+                <a:rPr lang="en-US" altLang="ja-JP" dirty="0" smtClean="0">
+                  <a:solidFill>
+                    <a:srgbClr val="000000"/>
+                  </a:solidFill>
+                  <a:latin typeface="+mn-ea"/>
+                  <a:cs typeface="Helvetica"/>
+                </a:rPr>
+                <a:t>~1000-5000km</a:t>
+              </a:r>
+              <a:r>
+                <a:rPr lang="ja-JP" altLang="en-US" dirty="0" smtClean="0">
+                  <a:solidFill>
+                    <a:srgbClr val="000000"/>
+                  </a:solidFill>
+                  <a:latin typeface="+mn-ea"/>
+                  <a:cs typeface="Helvetica"/>
+                </a:rPr>
+                <a:t>）</a:t>
+              </a:r>
+              <a:endParaRPr lang="ja-JP" altLang="en-US" dirty="0">
+                <a:solidFill>
+                  <a:srgbClr val="000000"/>
+                </a:solidFill>
+                <a:latin typeface="+mn-ea"/>
+                <a:cs typeface="ヒラギノ角ゴ Pro W3"/>
+              </a:endParaRPr>
+            </a:p>
+          </p:txBody>
+        </p:sp>
+        <p:sp>
+          <p:nvSpPr>
+            <p:cNvPr id="15" name="テキスト ボックス 14"/>
+            <p:cNvSpPr txBox="1"/>
+            <p:nvPr/>
+          </p:nvSpPr>
+          <p:spPr>
+            <a:xfrm>
+              <a:off x="1969455" y="3997522"/>
+              <a:ext cx="954370" cy="369332"/>
+            </a:xfrm>
+            <a:prstGeom prst="rect">
+              <a:avLst/>
+            </a:prstGeom>
+            <a:noFill/>
+          </p:spPr>
+          <p:txBody>
+            <a:bodyPr wrap="none" rtlCol="0">
+              <a:spAutoFit/>
+            </a:bodyPr>
+            <a:lstStyle/>
+            <a:p>
+              <a:r>
+                <a:rPr kumimoji="1" lang="en-US" altLang="ja-JP" dirty="0" smtClean="0">
+                  <a:solidFill>
+                    <a:srgbClr val="000000"/>
+                  </a:solidFill>
+                  <a:latin typeface="Helvetica"/>
+                  <a:cs typeface="Helvetica"/>
+                </a:rPr>
+                <a:t>embryo</a:t>
+              </a:r>
+              <a:endParaRPr kumimoji="1" lang="ja-JP" altLang="en-US" dirty="0">
+                <a:solidFill>
+                  <a:srgbClr val="000000"/>
+                </a:solidFill>
+                <a:latin typeface="Helvetica"/>
+                <a:cs typeface="Helvetica"/>
+              </a:endParaRPr>
+            </a:p>
+          </p:txBody>
+        </p:sp>
+      </p:grpSp>
+      <p:grpSp>
+        <p:nvGrpSpPr>
+          <p:cNvPr id="27" name="図形グループ 26"/>
+          <p:cNvGrpSpPr/>
+          <p:nvPr/>
+        </p:nvGrpSpPr>
+        <p:grpSpPr>
+          <a:xfrm>
+            <a:off x="401026" y="4551626"/>
+            <a:ext cx="4839786" cy="738664"/>
+            <a:chOff x="198560" y="4689660"/>
+            <a:chExt cx="4839786" cy="738664"/>
+          </a:xfrm>
+        </p:grpSpPr>
+        <p:sp>
+          <p:nvSpPr>
+            <p:cNvPr id="13" name="テキスト ボックス 12"/>
+            <p:cNvSpPr txBox="1"/>
+            <p:nvPr/>
+          </p:nvSpPr>
+          <p:spPr>
+            <a:xfrm>
+              <a:off x="198560" y="4689660"/>
+              <a:ext cx="4839786" cy="369332"/>
+            </a:xfrm>
+            <a:prstGeom prst="rect">
+              <a:avLst/>
+            </a:prstGeom>
+            <a:noFill/>
+          </p:spPr>
+          <p:txBody>
+            <a:bodyPr wrap="none" rtlCol="0">
+              <a:spAutoFit/>
+            </a:bodyPr>
+            <a:lstStyle/>
+            <a:p>
+              <a:pPr marL="342900" indent="-342900">
+                <a:buFont typeface="+mj-ea"/>
+                <a:buAutoNum type="circleNumDbPlain" startAt="4"/>
+              </a:pPr>
+              <a:r>
+                <a:rPr lang="ja-JP" altLang="en-US" b="1" dirty="0" smtClean="0">
+                  <a:latin typeface="+mn-ea"/>
+                  <a:cs typeface="ヒラギノ角ゴ Pro W3"/>
+                </a:rPr>
+                <a:t>原始</a:t>
+              </a:r>
+              <a:r>
+                <a:rPr lang="ja-JP" altLang="en-US" b="1" dirty="0" smtClean="0">
+                  <a:latin typeface="+mn-ea"/>
+                  <a:cs typeface="ヒラギノ角ゴ Pro W3"/>
+                </a:rPr>
+                <a:t>惑星</a:t>
+              </a:r>
+              <a:r>
+                <a:rPr lang="ja-JP" altLang="en-US" dirty="0" smtClean="0">
+                  <a:latin typeface="+mn-ea"/>
+                  <a:cs typeface="ヒラギノ角ゴ Pro W3"/>
+                </a:rPr>
+                <a:t>　</a:t>
+              </a:r>
+              <a:r>
+                <a:rPr lang="en-US" altLang="ja-JP" dirty="0" smtClean="0">
+                  <a:latin typeface="+mn-ea"/>
+                  <a:cs typeface="ヒラギノ角ゴ Pro W3"/>
+                </a:rPr>
+                <a:t>→</a:t>
+              </a:r>
+              <a:r>
+                <a:rPr lang="ja-JP" altLang="en-US" dirty="0" smtClean="0">
+                  <a:latin typeface="+mn-ea"/>
+                  <a:cs typeface="ヒラギノ角ゴ Pro W3"/>
+                </a:rPr>
+                <a:t>　</a:t>
+              </a:r>
+              <a:r>
+                <a:rPr lang="ja-JP" altLang="en-US" b="1" dirty="0" smtClean="0">
+                  <a:latin typeface="+mn-ea"/>
+                  <a:cs typeface="ヒラギノ角ゴ Pro W3"/>
+                </a:rPr>
+                <a:t>地球型惑星</a:t>
+              </a:r>
+              <a:r>
+                <a:rPr lang="ja-JP" altLang="en-US" dirty="0" smtClean="0">
+                  <a:latin typeface="+mn-ea"/>
+                  <a:cs typeface="ヒラギノ角ゴ Pro W3"/>
+                </a:rPr>
+                <a:t>（</a:t>
+              </a:r>
+              <a:r>
+                <a:rPr lang="en-US" altLang="ja-JP" dirty="0" smtClean="0">
+                  <a:latin typeface="+mn-ea"/>
+                  <a:cs typeface="Helvetica"/>
+                </a:rPr>
+                <a:t>~10000km</a:t>
+              </a:r>
+              <a:r>
+                <a:rPr lang="ja-JP" altLang="en-US" dirty="0" smtClean="0">
+                  <a:latin typeface="+mn-ea"/>
+                  <a:cs typeface="ヒラギノ角ゴ Pro W3"/>
+                </a:rPr>
+                <a:t>）</a:t>
+              </a:r>
+              <a:endParaRPr lang="ja-JP" altLang="en-US" dirty="0">
+                <a:latin typeface="+mn-ea"/>
+                <a:cs typeface="ヒラギノ角ゴ Pro W3"/>
+              </a:endParaRPr>
+            </a:p>
+          </p:txBody>
+        </p:sp>
+        <p:sp>
+          <p:nvSpPr>
+            <p:cNvPr id="16" name="テキスト ボックス 15"/>
+            <p:cNvSpPr txBox="1"/>
+            <p:nvPr/>
+          </p:nvSpPr>
+          <p:spPr>
+            <a:xfrm>
+              <a:off x="2400951" y="5058992"/>
+              <a:ext cx="813594" cy="369332"/>
+            </a:xfrm>
+            <a:prstGeom prst="rect">
+              <a:avLst/>
+            </a:prstGeom>
+            <a:noFill/>
+          </p:spPr>
+          <p:txBody>
+            <a:bodyPr wrap="none" rtlCol="0">
+              <a:spAutoFit/>
+            </a:bodyPr>
+            <a:lstStyle/>
+            <a:p>
+              <a:r>
+                <a:rPr kumimoji="1" lang="en-US" altLang="ja-JP" dirty="0" smtClean="0">
+                  <a:latin typeface="Helvetica"/>
+                  <a:cs typeface="Helvetica"/>
+                </a:rPr>
+                <a:t>planet</a:t>
+              </a:r>
+              <a:endParaRPr kumimoji="1" lang="ja-JP" altLang="en-US" dirty="0">
+                <a:latin typeface="Helvetica"/>
+                <a:cs typeface="Helvetica"/>
+              </a:endParaRPr>
+            </a:p>
+          </p:txBody>
+        </p:sp>
+      </p:grpSp>
+      <p:sp>
+        <p:nvSpPr>
+          <p:cNvPr id="22" name="テキスト ボックス 21"/>
+          <p:cNvSpPr txBox="1"/>
+          <p:nvPr/>
+        </p:nvSpPr>
+        <p:spPr>
+          <a:xfrm>
+            <a:off x="6038205" y="6023813"/>
+            <a:ext cx="3038971" cy="430887"/>
+          </a:xfrm>
+          <a:prstGeom prst="rect">
+            <a:avLst/>
+          </a:prstGeom>
+          <a:noFill/>
+        </p:spPr>
+        <p:txBody>
+          <a:bodyPr wrap="square" rtlCol="0">
+            <a:spAutoFit/>
+          </a:bodyPr>
+          <a:lstStyle/>
+          <a:p>
+            <a:r>
+              <a:rPr lang="en-US" altLang="ja-JP" sz="1100" dirty="0">
+                <a:latin typeface="Helvetica"/>
+                <a:cs typeface="Helvetica"/>
+              </a:rPr>
+              <a:t>http://</a:t>
+            </a:r>
+            <a:r>
+              <a:rPr lang="en-US" altLang="ja-JP" sz="1100" dirty="0" err="1">
+                <a:latin typeface="Helvetica"/>
+                <a:cs typeface="Helvetica"/>
+              </a:rPr>
+              <a:t>www.rikanenpyo.jp</a:t>
+            </a:r>
+            <a:r>
+              <a:rPr lang="en-US" altLang="ja-JP" sz="1100" dirty="0">
+                <a:latin typeface="Helvetica"/>
+                <a:cs typeface="Helvetica"/>
+              </a:rPr>
+              <a:t>/top/</a:t>
+            </a:r>
+            <a:r>
+              <a:rPr lang="en-US" altLang="ja-JP" sz="1100" dirty="0" err="1">
+                <a:latin typeface="Helvetica"/>
+                <a:cs typeface="Helvetica"/>
+              </a:rPr>
+              <a:t>tokusyuu</a:t>
+            </a:r>
+            <a:r>
+              <a:rPr lang="en-US" altLang="ja-JP" sz="1100" dirty="0">
+                <a:latin typeface="Helvetica"/>
+                <a:cs typeface="Helvetica"/>
+              </a:rPr>
+              <a:t>/toku2/</a:t>
+            </a:r>
+            <a:r>
+              <a:rPr lang="en-US" altLang="ja-JP" sz="1100" dirty="0" err="1">
+                <a:latin typeface="Helvetica"/>
+                <a:cs typeface="Helvetica"/>
+              </a:rPr>
+              <a:t>index.html</a:t>
+            </a:r>
+            <a:endParaRPr kumimoji="1" lang="ja-JP" altLang="en-US" sz="1100" dirty="0">
+              <a:latin typeface="Helvetica"/>
+              <a:cs typeface="Helvetica"/>
+            </a:endParaRPr>
+          </a:p>
+        </p:txBody>
+      </p:sp>
+      <p:sp>
+        <p:nvSpPr>
+          <p:cNvPr id="23" name="テキスト ボックス 22"/>
+          <p:cNvSpPr txBox="1"/>
+          <p:nvPr/>
+        </p:nvSpPr>
+        <p:spPr>
+          <a:xfrm>
+            <a:off x="451653" y="5949602"/>
+            <a:ext cx="4794390" cy="369332"/>
+          </a:xfrm>
+          <a:prstGeom prst="rect">
+            <a:avLst/>
+          </a:prstGeom>
+          <a:noFill/>
+        </p:spPr>
+        <p:txBody>
+          <a:bodyPr wrap="none" rtlCol="0">
+            <a:spAutoFit/>
+          </a:bodyPr>
+          <a:lstStyle/>
+          <a:p>
+            <a:r>
+              <a:rPr kumimoji="1" lang="ja-JP" altLang="en-US" dirty="0" smtClean="0"/>
+              <a:t>火星サイズの原始惑星が衝突合体を繰り返す</a:t>
+            </a:r>
+            <a:endParaRPr kumimoji="1" lang="ja-JP" altLang="en-US" dirty="0"/>
+          </a:p>
+        </p:txBody>
+      </p:sp>
+      <p:sp>
+        <p:nvSpPr>
+          <p:cNvPr id="24" name="テキスト ボックス 23"/>
+          <p:cNvSpPr txBox="1"/>
+          <p:nvPr/>
+        </p:nvSpPr>
+        <p:spPr>
+          <a:xfrm>
+            <a:off x="3510277" y="1271466"/>
+            <a:ext cx="2314568" cy="369332"/>
+          </a:xfrm>
+          <a:prstGeom prst="rect">
+            <a:avLst/>
+          </a:prstGeom>
+          <a:noFill/>
+        </p:spPr>
+        <p:txBody>
+          <a:bodyPr wrap="none" rtlCol="0">
+            <a:spAutoFit/>
+          </a:bodyPr>
+          <a:lstStyle/>
+          <a:p>
+            <a:r>
+              <a:rPr kumimoji="1" lang="en-US" altLang="ja-JP" dirty="0" smtClean="0">
+                <a:latin typeface="Helvetica"/>
+                <a:cs typeface="Helvetica"/>
+              </a:rPr>
+              <a:t>Hayashi et al. (1985)</a:t>
+            </a:r>
+            <a:endParaRPr kumimoji="1" lang="ja-JP" altLang="en-US" dirty="0">
+              <a:latin typeface="Helvetica"/>
+              <a:cs typeface="Helvetica"/>
+            </a:endParaRPr>
+          </a:p>
+        </p:txBody>
+      </p:sp>
+      <p:grpSp>
+        <p:nvGrpSpPr>
+          <p:cNvPr id="30" name="図形グループ 29"/>
+          <p:cNvGrpSpPr/>
+          <p:nvPr/>
+        </p:nvGrpSpPr>
+        <p:grpSpPr>
+          <a:xfrm>
+            <a:off x="401026" y="1776040"/>
+            <a:ext cx="2813591" cy="738664"/>
+            <a:chOff x="198560" y="1776040"/>
+            <a:chExt cx="2813591" cy="738664"/>
+          </a:xfrm>
+        </p:grpSpPr>
+        <p:sp>
+          <p:nvSpPr>
+            <p:cNvPr id="25" name="テキスト ボックス 24"/>
+            <p:cNvSpPr txBox="1"/>
+            <p:nvPr/>
+          </p:nvSpPr>
+          <p:spPr>
+            <a:xfrm>
+              <a:off x="198560" y="1776040"/>
+              <a:ext cx="2813591" cy="369332"/>
+            </a:xfrm>
+            <a:prstGeom prst="rect">
+              <a:avLst/>
+            </a:prstGeom>
+            <a:noFill/>
+          </p:spPr>
+          <p:txBody>
+            <a:bodyPr wrap="none" rtlCol="0">
+              <a:spAutoFit/>
+            </a:bodyPr>
+            <a:lstStyle/>
+            <a:p>
+              <a:pPr marL="342900" indent="-342900">
+                <a:buFont typeface="+mj-ea"/>
+                <a:buAutoNum type="circleNumDbPlain"/>
+              </a:pPr>
+              <a:r>
+                <a:rPr kumimoji="1" lang="ja-JP" altLang="en-US" b="1" dirty="0" smtClean="0">
+                  <a:latin typeface="+mn-ea"/>
+                </a:rPr>
+                <a:t>原始惑星系円盤</a:t>
+              </a:r>
+              <a:r>
+                <a:rPr kumimoji="1" lang="ja-JP" altLang="en-US" dirty="0" smtClean="0">
+                  <a:latin typeface="+mn-ea"/>
+                </a:rPr>
+                <a:t>が形成</a:t>
+              </a:r>
+              <a:endParaRPr kumimoji="1" lang="ja-JP" altLang="en-US" dirty="0">
+                <a:latin typeface="+mn-ea"/>
+              </a:endParaRPr>
+            </a:p>
+          </p:txBody>
+        </p:sp>
+        <p:sp>
+          <p:nvSpPr>
+            <p:cNvPr id="26" name="テキスト ボックス 25"/>
+            <p:cNvSpPr txBox="1"/>
+            <p:nvPr/>
+          </p:nvSpPr>
+          <p:spPr>
+            <a:xfrm>
+              <a:off x="451653" y="2145372"/>
+              <a:ext cx="2146742" cy="369332"/>
+            </a:xfrm>
+            <a:prstGeom prst="rect">
+              <a:avLst/>
+            </a:prstGeom>
+            <a:noFill/>
+          </p:spPr>
+          <p:txBody>
+            <a:bodyPr wrap="none" rtlCol="0">
+              <a:spAutoFit/>
+            </a:bodyPr>
+            <a:lstStyle/>
+            <a:p>
+              <a:r>
+                <a:rPr kumimoji="1" lang="en-US" altLang="ja-JP" dirty="0" err="1" smtClean="0">
+                  <a:latin typeface="Helvetica"/>
+                  <a:cs typeface="Helvetica"/>
+                </a:rPr>
+                <a:t>protoplanetary</a:t>
+              </a:r>
+              <a:r>
+                <a:rPr kumimoji="1" lang="en-US" altLang="ja-JP" dirty="0" smtClean="0">
+                  <a:latin typeface="Helvetica"/>
+                  <a:cs typeface="Helvetica"/>
+                </a:rPr>
+                <a:t> disk</a:t>
+              </a:r>
+              <a:endParaRPr kumimoji="1" lang="ja-JP" altLang="en-US" dirty="0">
+                <a:latin typeface="Helvetica"/>
+                <a:cs typeface="Helvetica"/>
+              </a:endParaRPr>
+            </a:p>
+          </p:txBody>
+        </p:sp>
+      </p:grpSp>
+      <p:grpSp>
+        <p:nvGrpSpPr>
+          <p:cNvPr id="32" name="図形グループ 31"/>
+          <p:cNvGrpSpPr/>
+          <p:nvPr/>
+        </p:nvGrpSpPr>
+        <p:grpSpPr>
+          <a:xfrm>
+            <a:off x="451653" y="5445707"/>
+            <a:ext cx="3767397" cy="369332"/>
+            <a:chOff x="398389" y="5445707"/>
+            <a:chExt cx="3767397" cy="369332"/>
+          </a:xfrm>
+        </p:grpSpPr>
+        <p:sp>
+          <p:nvSpPr>
+            <p:cNvPr id="21" name="テキスト ボックス 20"/>
+            <p:cNvSpPr txBox="1"/>
+            <p:nvPr/>
+          </p:nvSpPr>
+          <p:spPr>
+            <a:xfrm>
+              <a:off x="2134461" y="5445707"/>
+              <a:ext cx="2031325" cy="369332"/>
+            </a:xfrm>
+            <a:prstGeom prst="rect">
+              <a:avLst/>
+            </a:prstGeom>
+            <a:noFill/>
+            <a:ln>
+              <a:solidFill>
+                <a:srgbClr val="FF0000"/>
+              </a:solidFill>
+            </a:ln>
+          </p:spPr>
+          <p:txBody>
+            <a:bodyPr wrap="none" rtlCol="0">
+              <a:spAutoFit/>
+            </a:bodyPr>
+            <a:lstStyle/>
+            <a:p>
+              <a:r>
+                <a:rPr kumimoji="1" lang="ja-JP" altLang="en-US" dirty="0" smtClean="0"/>
+                <a:t>巨大衝突ステージ</a:t>
+              </a:r>
+              <a:endParaRPr kumimoji="1" lang="ja-JP" altLang="en-US" dirty="0"/>
+            </a:p>
+          </p:txBody>
+        </p:sp>
+        <p:sp>
+          <p:nvSpPr>
+            <p:cNvPr id="31" name="テキスト ボックス 30"/>
+            <p:cNvSpPr txBox="1"/>
+            <p:nvPr/>
+          </p:nvSpPr>
+          <p:spPr>
+            <a:xfrm>
+              <a:off x="398389" y="5445707"/>
+              <a:ext cx="1800493" cy="369332"/>
+            </a:xfrm>
+            <a:prstGeom prst="rect">
+              <a:avLst/>
+            </a:prstGeom>
+            <a:noFill/>
+          </p:spPr>
+          <p:txBody>
+            <a:bodyPr wrap="none" rtlCol="0">
+              <a:spAutoFit/>
+            </a:bodyPr>
+            <a:lstStyle/>
+            <a:p>
+              <a:r>
+                <a:rPr kumimoji="1" lang="ja-JP" altLang="en-US" dirty="0" smtClean="0"/>
+                <a:t>最終段階の</a:t>
+              </a:r>
+              <a:r>
+                <a:rPr kumimoji="1" lang="en-US" altLang="ja-JP" dirty="0" smtClean="0">
+                  <a:latin typeface="+mn-ea"/>
+                </a:rPr>
+                <a:t>④</a:t>
+              </a:r>
+              <a:r>
+                <a:rPr kumimoji="1" lang="ja-JP" altLang="en-US" dirty="0" smtClean="0">
+                  <a:latin typeface="+mn-ea"/>
+                </a:rPr>
+                <a:t>を</a:t>
+              </a:r>
+              <a:endParaRPr kumimoji="1" lang="ja-JP" altLang="en-US" dirty="0">
+                <a:latin typeface="+mn-ea"/>
+              </a:endParaRPr>
+            </a:p>
+          </p:txBody>
+        </p:sp>
+      </p:grpSp>
+      <p:sp>
+        <p:nvSpPr>
+          <p:cNvPr id="33" name="テキスト ボックス 32"/>
+          <p:cNvSpPr txBox="1"/>
+          <p:nvPr/>
+        </p:nvSpPr>
+        <p:spPr>
+          <a:xfrm>
+            <a:off x="4167324" y="5445707"/>
+            <a:ext cx="877163" cy="369332"/>
+          </a:xfrm>
+          <a:prstGeom prst="rect">
+            <a:avLst/>
+          </a:prstGeom>
+          <a:noFill/>
+        </p:spPr>
+        <p:txBody>
+          <a:bodyPr wrap="none" rtlCol="0">
+            <a:spAutoFit/>
+          </a:bodyPr>
+          <a:lstStyle/>
+          <a:p>
+            <a:r>
+              <a:rPr kumimoji="1" lang="ja-JP" altLang="en-US" dirty="0" smtClean="0"/>
+              <a:t>と呼ぶ</a:t>
+            </a:r>
+            <a:endParaRPr kumimoji="1" lang="ja-JP" altLang="en-US" dirty="0"/>
+          </a:p>
+        </p:txBody>
+      </p:sp>
     </p:spTree>
     <p:extLst>
       <p:ext uri="{BB962C8B-B14F-4D97-AF65-F5344CB8AC3E}">
-        <p14:creationId xmlns:p14="http://schemas.microsoft.com/office/powerpoint/2010/main" val="4060862088"/>
+        <p14:creationId xmlns:p14="http://schemas.microsoft.com/office/powerpoint/2010/main" val="125103048"/>
       </p:ext>
     </p:extLst>
   </p:cSld>
@@ -4825,6 +5761,109 @@
       </p:grpSpPr>
       <p:sp>
         <p:nvSpPr>
+          <p:cNvPr id="13" name="テキスト ボックス 12"/>
+          <p:cNvSpPr txBox="1"/>
+          <p:nvPr/>
+        </p:nvSpPr>
+        <p:spPr>
+          <a:xfrm>
+            <a:off x="521457" y="5446580"/>
+            <a:ext cx="4389208" cy="646331"/>
+          </a:xfrm>
+          <a:prstGeom prst="rect">
+            <a:avLst/>
+          </a:prstGeom>
+          <a:noFill/>
+        </p:spPr>
+        <p:txBody>
+          <a:bodyPr wrap="square" rtlCol="0">
+            <a:spAutoFit/>
+          </a:bodyPr>
+          <a:lstStyle/>
+          <a:p>
+            <a:r>
+              <a:rPr kumimoji="1" lang="ja-JP" altLang="en-US" dirty="0" smtClean="0"/>
+              <a:t>つまり巨大衝突ステージでは、衝突合体と衝突破壊</a:t>
+            </a:r>
+            <a:endParaRPr kumimoji="1" lang="ja-JP" altLang="en-US" dirty="0"/>
+          </a:p>
+        </p:txBody>
+      </p:sp>
+      <p:sp>
+        <p:nvSpPr>
+          <p:cNvPr id="16" name="テキスト ボックス 15"/>
+          <p:cNvSpPr txBox="1"/>
+          <p:nvPr/>
+        </p:nvSpPr>
+        <p:spPr>
+          <a:xfrm>
+            <a:off x="521457" y="3524552"/>
+            <a:ext cx="4643210" cy="646331"/>
+          </a:xfrm>
+          <a:prstGeom prst="rect">
+            <a:avLst/>
+          </a:prstGeom>
+          <a:noFill/>
+        </p:spPr>
+        <p:txBody>
+          <a:bodyPr wrap="square" rtlCol="0">
+            <a:spAutoFit/>
+          </a:bodyPr>
+          <a:lstStyle/>
+          <a:p>
+            <a:r>
+              <a:rPr kumimoji="1" lang="ja-JP" altLang="en-US" dirty="0" smtClean="0"/>
+              <a:t>といったケースがあることが、観測と数値計算から示唆されている</a:t>
+            </a:r>
+            <a:endParaRPr kumimoji="1" lang="ja-JP" altLang="en-US" dirty="0"/>
+          </a:p>
+        </p:txBody>
+      </p:sp>
+      <p:sp>
+        <p:nvSpPr>
+          <p:cNvPr id="10" name="テキスト ボックス 9"/>
+          <p:cNvSpPr txBox="1"/>
+          <p:nvPr/>
+        </p:nvSpPr>
+        <p:spPr>
+          <a:xfrm>
+            <a:off x="3343999" y="3801551"/>
+            <a:ext cx="2084074" cy="369332"/>
+          </a:xfrm>
+          <a:prstGeom prst="rect">
+            <a:avLst/>
+          </a:prstGeom>
+          <a:noFill/>
+        </p:spPr>
+        <p:txBody>
+          <a:bodyPr wrap="none" rtlCol="0">
+            <a:spAutoFit/>
+          </a:bodyPr>
+          <a:lstStyle/>
+          <a:p>
+            <a:r>
+              <a:rPr kumimoji="1" lang="en-US" altLang="ja-JP" dirty="0" err="1" smtClean="0">
+                <a:latin typeface="Helvetica"/>
+                <a:cs typeface="Helvetica"/>
+              </a:rPr>
+              <a:t>Genda</a:t>
+            </a:r>
+            <a:r>
+              <a:rPr kumimoji="1" lang="en-US" altLang="ja-JP" dirty="0" smtClean="0">
+                <a:latin typeface="Helvetica"/>
+                <a:cs typeface="Helvetica"/>
+              </a:rPr>
+              <a:t> et al., 2015</a:t>
+            </a:r>
+            <a:endParaRPr kumimoji="1" lang="ja-JP" altLang="en-US" dirty="0">
+              <a:latin typeface="Helvetica"/>
+              <a:cs typeface="Helvetica"/>
+            </a:endParaRPr>
+          </a:p>
+        </p:txBody>
+      </p:sp>
+      <p:sp>
+        <p:nvSpPr>
           <p:cNvPr id="2" name="タイトル 1"/>
           <p:cNvSpPr>
             <a:spLocks noGrp="1"/>
@@ -4845,25 +5884,6 @@
               <a:t>イントロダクション</a:t>
             </a:r>
             <a:endParaRPr kumimoji="1" lang="ja-JP" altLang="en-US" dirty="0"/>
-          </a:p>
-        </p:txBody>
-      </p:sp>
-      <p:sp>
-        <p:nvSpPr>
-          <p:cNvPr id="3" name="コンテンツ プレースホルダー 2"/>
-          <p:cNvSpPr>
-            <a:spLocks noGrp="1"/>
-          </p:cNvSpPr>
-          <p:nvPr>
-            <p:ph idx="1"/>
-          </p:nvPr>
-        </p:nvSpPr>
-        <p:spPr/>
-        <p:txBody>
-          <a:bodyPr/>
-          <a:lstStyle/>
-          <a:p>
-            <a:endParaRPr kumimoji="1" lang="ja-JP" altLang="en-US"/>
           </a:p>
         </p:txBody>
       </p:sp>
@@ -4937,6 +5957,363 @@
               <a:t>4</a:t>
             </a:fld>
             <a:endParaRPr lang="en-US"/>
+          </a:p>
+        </p:txBody>
+      </p:sp>
+      <p:sp>
+        <p:nvSpPr>
+          <p:cNvPr id="8" name="テキスト ボックス 7"/>
+          <p:cNvSpPr txBox="1"/>
+          <p:nvPr/>
+        </p:nvSpPr>
+        <p:spPr>
+          <a:xfrm>
+            <a:off x="322313" y="987639"/>
+            <a:ext cx="5404043" cy="369332"/>
+          </a:xfrm>
+          <a:prstGeom prst="rect">
+            <a:avLst/>
+          </a:prstGeom>
+          <a:noFill/>
+        </p:spPr>
+        <p:txBody>
+          <a:bodyPr wrap="none" rtlCol="0">
+            <a:spAutoFit/>
+          </a:bodyPr>
+          <a:lstStyle/>
+          <a:p>
+            <a:pPr marL="285750" indent="-285750">
+              <a:buFont typeface="Arial"/>
+              <a:buChar char="•"/>
+            </a:pPr>
+            <a:r>
+              <a:rPr kumimoji="1" lang="ja-JP" altLang="en-US" dirty="0" smtClean="0"/>
+              <a:t>一方、太陽系外で起こる巨大衝突ステージでは、</a:t>
+            </a:r>
+            <a:endParaRPr kumimoji="1" lang="ja-JP" altLang="en-US" dirty="0"/>
+          </a:p>
+        </p:txBody>
+      </p:sp>
+      <p:sp>
+        <p:nvSpPr>
+          <p:cNvPr id="11" name="テキスト ボックス 10"/>
+          <p:cNvSpPr txBox="1"/>
+          <p:nvPr/>
+        </p:nvSpPr>
+        <p:spPr>
+          <a:xfrm>
+            <a:off x="521458" y="1555186"/>
+            <a:ext cx="4906615" cy="646331"/>
+          </a:xfrm>
+          <a:prstGeom prst="rect">
+            <a:avLst/>
+          </a:prstGeom>
+          <a:noFill/>
+        </p:spPr>
+        <p:txBody>
+          <a:bodyPr wrap="square" rtlCol="0">
+            <a:spAutoFit/>
+          </a:bodyPr>
+          <a:lstStyle/>
+          <a:p>
+            <a:pPr marL="342900" indent="-342900">
+              <a:buFont typeface="+mj-lt"/>
+              <a:buAutoNum type="arabicPeriod"/>
+            </a:pPr>
+            <a:r>
+              <a:rPr kumimoji="1" lang="ja-JP" altLang="en-US" dirty="0">
+                <a:latin typeface="+mn-ea"/>
+              </a:rPr>
+              <a:t>原始</a:t>
+            </a:r>
+            <a:r>
+              <a:rPr kumimoji="1" lang="ja-JP" altLang="en-US" dirty="0" smtClean="0">
+                <a:latin typeface="+mn-ea"/>
+              </a:rPr>
+              <a:t>惑星</a:t>
+            </a:r>
+            <a:r>
+              <a:rPr kumimoji="1" lang="ja-JP" altLang="en-US" dirty="0" smtClean="0">
+                <a:latin typeface="+mn-ea"/>
+              </a:rPr>
+              <a:t>同士が衝突する際の破片が地球型惑星領域に放出される</a:t>
+            </a:r>
+            <a:endParaRPr kumimoji="1" lang="en-US" altLang="ja-JP" dirty="0" smtClean="0">
+              <a:latin typeface="+mn-ea"/>
+            </a:endParaRPr>
+          </a:p>
+        </p:txBody>
+      </p:sp>
+      <p:sp>
+        <p:nvSpPr>
+          <p:cNvPr id="12" name="テキスト ボックス 11"/>
+          <p:cNvSpPr txBox="1"/>
+          <p:nvPr/>
+        </p:nvSpPr>
+        <p:spPr>
+          <a:xfrm>
+            <a:off x="521458" y="2324223"/>
+            <a:ext cx="4906615" cy="1200329"/>
+          </a:xfrm>
+          <a:prstGeom prst="rect">
+            <a:avLst/>
+          </a:prstGeom>
+          <a:noFill/>
+        </p:spPr>
+        <p:txBody>
+          <a:bodyPr wrap="square" rtlCol="0">
+            <a:spAutoFit/>
+          </a:bodyPr>
+          <a:lstStyle/>
+          <a:p>
+            <a:pPr marL="342900" indent="-342900">
+              <a:buFont typeface="+mj-lt"/>
+              <a:buAutoNum type="arabicPeriod" startAt="2"/>
+            </a:pPr>
+            <a:r>
+              <a:rPr kumimoji="1" lang="ja-JP" altLang="en-US" dirty="0" smtClean="0">
+                <a:latin typeface="+mn-ea"/>
+              </a:rPr>
+              <a:t>一連の衝突によって破片が供給され続け、暖かいデブリ円盤（地球型惑星領域に存在するデブリ円盤</a:t>
+            </a:r>
+            <a:r>
+              <a:rPr kumimoji="1" lang="en-US" altLang="ja-JP" dirty="0" smtClean="0">
+                <a:latin typeface="+mn-ea"/>
+              </a:rPr>
+              <a:t> ; T &gt; 150K</a:t>
+            </a:r>
+            <a:r>
+              <a:rPr kumimoji="1" lang="ja-JP" altLang="en-US" dirty="0" smtClean="0">
+                <a:latin typeface="+mn-ea"/>
+              </a:rPr>
+              <a:t>）が形成される</a:t>
+            </a:r>
+            <a:endParaRPr kumimoji="1" lang="ja-JP" altLang="en-US" dirty="0">
+              <a:latin typeface="+mn-ea"/>
+            </a:endParaRPr>
+          </a:p>
+        </p:txBody>
+      </p:sp>
+      <p:sp>
+        <p:nvSpPr>
+          <p:cNvPr id="19" name="テキスト ボックス 18"/>
+          <p:cNvSpPr txBox="1"/>
+          <p:nvPr/>
+        </p:nvSpPr>
+        <p:spPr>
+          <a:xfrm>
+            <a:off x="4967216" y="5261914"/>
+            <a:ext cx="921713" cy="369332"/>
+          </a:xfrm>
+          <a:prstGeom prst="rect">
+            <a:avLst/>
+          </a:prstGeom>
+          <a:noFill/>
+        </p:spPr>
+        <p:txBody>
+          <a:bodyPr wrap="none" rtlCol="0">
+            <a:spAutoFit/>
+          </a:bodyPr>
+          <a:lstStyle/>
+          <a:p>
+            <a:r>
+              <a:rPr kumimoji="1" lang="ja-JP" altLang="en-US" dirty="0" smtClean="0">
+                <a:latin typeface="+mn-ea"/>
+              </a:rPr>
+              <a:t>約</a:t>
+            </a:r>
+            <a:r>
+              <a:rPr kumimoji="1" lang="en-US" altLang="ja-JP" dirty="0" smtClean="0">
+                <a:latin typeface="+mn-ea"/>
+              </a:rPr>
+              <a:t>10%</a:t>
+            </a:r>
+            <a:endParaRPr kumimoji="1" lang="ja-JP" altLang="en-US" dirty="0">
+              <a:latin typeface="+mn-ea"/>
+            </a:endParaRPr>
+          </a:p>
+        </p:txBody>
+      </p:sp>
+      <p:pic>
+        <p:nvPicPr>
+          <p:cNvPr id="22" name="図 21" descr="betaPictoris.tiff"/>
+          <p:cNvPicPr>
+            <a:picLocks noChangeAspect="1"/>
+          </p:cNvPicPr>
+          <p:nvPr/>
+        </p:nvPicPr>
+        <p:blipFill>
+          <a:blip r:embed="rId2">
+            <a:extLst>
+              <a:ext uri="{28A0092B-C50C-407E-A947-70E740481C1C}">
+                <a14:useLocalDpi xmlns:a14="http://schemas.microsoft.com/office/drawing/2010/main" val="0"/>
+              </a:ext>
+            </a:extLst>
+          </a:blip>
+          <a:stretch>
+            <a:fillRect/>
+          </a:stretch>
+        </p:blipFill>
+        <p:spPr>
+          <a:xfrm>
+            <a:off x="5622875" y="1455121"/>
+            <a:ext cx="3416182" cy="3398928"/>
+          </a:xfrm>
+          <a:prstGeom prst="rect">
+            <a:avLst/>
+          </a:prstGeom>
+        </p:spPr>
+      </p:pic>
+      <p:sp>
+        <p:nvSpPr>
+          <p:cNvPr id="23" name="テキスト ボックス 22"/>
+          <p:cNvSpPr txBox="1"/>
+          <p:nvPr/>
+        </p:nvSpPr>
+        <p:spPr>
+          <a:xfrm>
+            <a:off x="5886282" y="4873481"/>
+            <a:ext cx="2878938" cy="307777"/>
+          </a:xfrm>
+          <a:prstGeom prst="rect">
+            <a:avLst/>
+          </a:prstGeom>
+          <a:noFill/>
+        </p:spPr>
+        <p:txBody>
+          <a:bodyPr wrap="none" rtlCol="0">
+            <a:spAutoFit/>
+          </a:bodyPr>
+          <a:lstStyle/>
+          <a:p>
+            <a:r>
+              <a:rPr kumimoji="1" lang="en-US" altLang="ja-JP" sz="1400" dirty="0" smtClean="0">
+                <a:latin typeface="Helvetica"/>
+                <a:cs typeface="Helvetica"/>
+              </a:rPr>
+              <a:t>credit : </a:t>
+            </a:r>
+            <a:r>
+              <a:rPr lang="en-US" altLang="ja-JP" sz="1400" dirty="0" smtClean="0">
+                <a:latin typeface="Helvetica"/>
+                <a:cs typeface="Helvetica"/>
+              </a:rPr>
+              <a:t>ESO</a:t>
+            </a:r>
+            <a:r>
+              <a:rPr lang="en-US" altLang="ja-JP" sz="1400" dirty="0">
+                <a:latin typeface="Helvetica"/>
+                <a:cs typeface="Helvetica"/>
+              </a:rPr>
+              <a:t>/A.-M. Lagrange et al.</a:t>
+            </a:r>
+            <a:endParaRPr kumimoji="1" lang="ja-JP" altLang="en-US" sz="1400" dirty="0">
+              <a:latin typeface="Helvetica"/>
+              <a:cs typeface="Helvetica"/>
+            </a:endParaRPr>
+          </a:p>
+        </p:txBody>
+      </p:sp>
+      <p:sp>
+        <p:nvSpPr>
+          <p:cNvPr id="24" name="テキスト ボックス 23"/>
+          <p:cNvSpPr txBox="1"/>
+          <p:nvPr/>
+        </p:nvSpPr>
+        <p:spPr>
+          <a:xfrm>
+            <a:off x="6077185" y="1076243"/>
+            <a:ext cx="2595670" cy="369332"/>
+          </a:xfrm>
+          <a:prstGeom prst="rect">
+            <a:avLst/>
+          </a:prstGeom>
+          <a:noFill/>
+        </p:spPr>
+        <p:txBody>
+          <a:bodyPr wrap="none" rtlCol="0">
+            <a:spAutoFit/>
+          </a:bodyPr>
+          <a:lstStyle/>
+          <a:p>
+            <a:r>
+              <a:rPr kumimoji="1" lang="en-US" altLang="ja-JP" dirty="0" smtClean="0">
+                <a:latin typeface="Helvetica"/>
+                <a:cs typeface="Helvetica"/>
+              </a:rPr>
+              <a:t>β </a:t>
+            </a:r>
+            <a:r>
+              <a:rPr kumimoji="1" lang="en-US" altLang="ja-JP" dirty="0" err="1" smtClean="0">
+                <a:latin typeface="Helvetica"/>
+                <a:cs typeface="Helvetica"/>
+              </a:rPr>
+              <a:t>Pictoris</a:t>
+            </a:r>
+            <a:r>
+              <a:rPr kumimoji="1" lang="en-US" altLang="ja-JP" dirty="0" smtClean="0">
+                <a:latin typeface="Helvetica"/>
+                <a:cs typeface="Helvetica"/>
+              </a:rPr>
+              <a:t> </a:t>
+            </a:r>
+            <a:r>
+              <a:rPr kumimoji="1" lang="ja-JP" altLang="en-US" dirty="0" smtClean="0">
+                <a:latin typeface="Helvetica"/>
+                <a:cs typeface="Helvetica"/>
+              </a:rPr>
+              <a:t>のデブリ円盤</a:t>
+            </a:r>
+            <a:endParaRPr kumimoji="1" lang="ja-JP" altLang="en-US" dirty="0">
+              <a:latin typeface="Helvetica"/>
+              <a:cs typeface="Helvetica"/>
+            </a:endParaRPr>
+          </a:p>
+        </p:txBody>
+      </p:sp>
+      <p:sp>
+        <p:nvSpPr>
+          <p:cNvPr id="25" name="テキスト ボックス 24"/>
+          <p:cNvSpPr txBox="1"/>
+          <p:nvPr/>
+        </p:nvSpPr>
+        <p:spPr>
+          <a:xfrm>
+            <a:off x="521457" y="4798956"/>
+            <a:ext cx="4570482" cy="369332"/>
+          </a:xfrm>
+          <a:prstGeom prst="rect">
+            <a:avLst/>
+          </a:prstGeom>
+          <a:noFill/>
+        </p:spPr>
+        <p:txBody>
+          <a:bodyPr wrap="none" rtlCol="0">
+            <a:spAutoFit/>
+          </a:bodyPr>
+          <a:lstStyle/>
+          <a:p>
+            <a:r>
+              <a:rPr kumimoji="1" lang="ja-JP" altLang="en-US" dirty="0" smtClean="0"/>
+              <a:t>原始惑星</a:t>
+            </a:r>
+            <a:r>
+              <a:rPr kumimoji="1" lang="en-US" altLang="ja-JP" dirty="0" smtClean="0"/>
+              <a:t>→</a:t>
+            </a:r>
+            <a:r>
+              <a:rPr kumimoji="1" lang="ja-JP" altLang="en-US" dirty="0" smtClean="0"/>
+              <a:t>暖かいデブリ円盤</a:t>
+            </a:r>
+            <a:r>
+              <a:rPr kumimoji="1" lang="en-US" altLang="ja-JP" dirty="0" smtClean="0"/>
+              <a:t>→</a:t>
+            </a:r>
+            <a:r>
+              <a:rPr kumimoji="1" lang="ja-JP" altLang="en-US" dirty="0" smtClean="0"/>
+              <a:t>地球型惑星</a:t>
+            </a:r>
+            <a:endParaRPr kumimoji="1" lang="ja-JP" altLang="en-US" dirty="0"/>
           </a:p>
         </p:txBody>
       </p:sp>
@@ -5004,25 +6381,6 @@
       </p:sp>
       <p:sp>
         <p:nvSpPr>
-          <p:cNvPr id="3" name="コンテンツ プレースホルダー 2"/>
-          <p:cNvSpPr>
-            <a:spLocks noGrp="1"/>
-          </p:cNvSpPr>
-          <p:nvPr>
-            <p:ph idx="1"/>
-          </p:nvPr>
-        </p:nvSpPr>
-        <p:spPr/>
-        <p:txBody>
-          <a:bodyPr/>
-          <a:lstStyle/>
-          <a:p>
-            <a:endParaRPr kumimoji="1" lang="ja-JP" altLang="en-US"/>
-          </a:p>
-        </p:txBody>
-      </p:sp>
-      <p:sp>
-        <p:nvSpPr>
           <p:cNvPr id="4" name="日付プレースホルダー 3"/>
           <p:cNvSpPr>
             <a:spLocks noGrp="1"/>
@@ -5091,6 +6449,36 @@
               <a:t>5</a:t>
             </a:fld>
             <a:endParaRPr lang="en-US"/>
+          </a:p>
+        </p:txBody>
+      </p:sp>
+      <p:sp>
+        <p:nvSpPr>
+          <p:cNvPr id="7" name="テキスト ボックス 6"/>
+          <p:cNvSpPr txBox="1"/>
+          <p:nvPr/>
+        </p:nvSpPr>
+        <p:spPr>
+          <a:xfrm>
+            <a:off x="893704" y="1119481"/>
+            <a:ext cx="3167021" cy="369332"/>
+          </a:xfrm>
+          <a:prstGeom prst="rect">
+            <a:avLst/>
+          </a:prstGeom>
+          <a:noFill/>
+        </p:spPr>
+        <p:txBody>
+          <a:bodyPr wrap="none" rtlCol="0">
+            <a:spAutoFit/>
+          </a:bodyPr>
+          <a:lstStyle/>
+          <a:p>
+            <a:r>
+              <a:rPr kumimoji="1" lang="ja-JP" altLang="en-US" dirty="0" smtClean="0"/>
+              <a:t>巨大衝突ステージにおいて、</a:t>
+            </a:r>
+            <a:endParaRPr kumimoji="1" lang="ja-JP" altLang="en-US" dirty="0"/>
           </a:p>
         </p:txBody>
       </p:sp>

--- a/isoya20170727_ver1.pptx
+++ b/isoya20170727_ver1.pptx
@@ -5,10 +5,10 @@
     <p:sldMasterId id="2147493455" r:id="rId4"/>
   </p:sldMasterIdLst>
   <p:notesMasterIdLst>
-    <p:notesMasterId r:id="rId20"/>
+    <p:notesMasterId r:id="rId22"/>
   </p:notesMasterIdLst>
   <p:handoutMasterIdLst>
-    <p:handoutMasterId r:id="rId21"/>
+    <p:handoutMasterId r:id="rId23"/>
   </p:handoutMasterIdLst>
   <p:sldIdLst>
     <p:sldId id="256" r:id="rId5"/>
@@ -25,7 +25,9 @@
     <p:sldId id="265" r:id="rId16"/>
     <p:sldId id="269" r:id="rId17"/>
     <p:sldId id="266" r:id="rId18"/>
-    <p:sldId id="267" r:id="rId19"/>
+    <p:sldId id="274" r:id="rId19"/>
+    <p:sldId id="275" r:id="rId20"/>
+    <p:sldId id="267" r:id="rId21"/>
   </p:sldIdLst>
   <p:sldSz cx="9144000" cy="6858000" type="screen4x3"/>
   <p:notesSz cx="6858000" cy="9144000"/>
@@ -209,7 +211,7 @@
           <a:p>
             <a:fld id="{AA986740-1D04-9644-8EB2-ABE63C5260B8}" type="datetimeFigureOut">
               <a:rPr kumimoji="1" lang="ja-JP" altLang="en-US" smtClean="0"/>
-              <a:t>2017/07/05</a:t>
+              <a:t>2017/07/06</a:t>
             </a:fld>
             <a:endParaRPr kumimoji="1" lang="ja-JP" altLang="en-US"/>
           </a:p>
@@ -375,7 +377,7 @@
           <a:p>
             <a:fld id="{F12908B7-7D3A-8A43-9CC4-E8F00ECE6624}" type="datetimeFigureOut">
               <a:rPr kumimoji="1" lang="ja-JP" altLang="en-US" smtClean="0"/>
-              <a:t>2017/07/05</a:t>
+              <a:t>2017/07/06</a:t>
             </a:fld>
             <a:endParaRPr kumimoji="1" lang="ja-JP" altLang="en-US"/>
           </a:p>
@@ -674,6 +676,522 @@
     </a:lvl9pPr>
   </p:notesStyle>
 </p:notesMaster>
+</file>
+
+<file path=ppt/notesSlides/notesSlide1.xml><?xml version="1.0" encoding="utf-8"?>
+<p:notes xmlns:a="http://schemas.openxmlformats.org/drawingml/2006/main" xmlns:r="http://schemas.openxmlformats.org/officeDocument/2006/relationships" xmlns:p="http://schemas.openxmlformats.org/presentationml/2006/main">
+  <p:cSld>
+    <p:spTree>
+      <p:nvGrpSpPr>
+        <p:cNvPr id="1" name=""/>
+        <p:cNvGrpSpPr/>
+        <p:nvPr/>
+      </p:nvGrpSpPr>
+      <p:grpSpPr>
+        <a:xfrm>
+          <a:off x="0" y="0"/>
+          <a:ext cx="0" cy="0"/>
+          <a:chOff x="0" y="0"/>
+          <a:chExt cx="0" cy="0"/>
+        </a:xfrm>
+      </p:grpSpPr>
+      <p:sp>
+        <p:nvSpPr>
+          <p:cNvPr id="2" name="スライド イメージ プレースホルダー 1"/>
+          <p:cNvSpPr>
+            <a:spLocks noGrp="1" noRot="1" noChangeAspect="1"/>
+          </p:cNvSpPr>
+          <p:nvPr>
+            <p:ph type="sldImg"/>
+          </p:nvPr>
+        </p:nvSpPr>
+        <p:spPr/>
+      </p:sp>
+      <p:sp>
+        <p:nvSpPr>
+          <p:cNvPr id="3" name="ノート プレースホルダー 2"/>
+          <p:cNvSpPr>
+            <a:spLocks noGrp="1"/>
+          </p:cNvSpPr>
+          <p:nvPr>
+            <p:ph type="body" idx="1"/>
+          </p:nvPr>
+        </p:nvSpPr>
+        <p:spPr/>
+        <p:txBody>
+          <a:bodyPr/>
+          <a:lstStyle/>
+          <a:p>
+            <a:endParaRPr kumimoji="1" lang="ja-JP" altLang="en-US"/>
+          </a:p>
+          <a:p>
+            <a:r>
+              <a:rPr kumimoji="1" lang="ja-JP" altLang="en-US"/>
+              <a:t>----- 会議メモ (2017/07/06 15:26) -----</a:t>
+            </a:r>
+          </a:p>
+          <a:p>
+            <a:r>
+              <a:rPr kumimoji="1" lang="ja-JP" altLang="en-US"/>
+              <a:t>共同研究者書く</a:t>
+            </a:r>
+          </a:p>
+          <a:p>
+            <a:endParaRPr kumimoji="1" lang="ja-JP" altLang="en-US"/>
+          </a:p>
+        </p:txBody>
+      </p:sp>
+      <p:sp>
+        <p:nvSpPr>
+          <p:cNvPr id="4" name="スライド番号プレースホルダー 3"/>
+          <p:cNvSpPr>
+            <a:spLocks noGrp="1"/>
+          </p:cNvSpPr>
+          <p:nvPr>
+            <p:ph type="sldNum" sz="quarter" idx="10"/>
+          </p:nvPr>
+        </p:nvSpPr>
+        <p:spPr/>
+        <p:txBody>
+          <a:bodyPr/>
+          <a:lstStyle/>
+          <a:p>
+            <a:fld id="{DDB99C1B-F731-D44F-AD61-7B35FB4EB514}" type="slidenum">
+              <a:rPr kumimoji="1" lang="ja-JP" altLang="en-US" smtClean="0"/>
+              <a:t>1</a:t>
+            </a:fld>
+            <a:endParaRPr kumimoji="1" lang="ja-JP" altLang="en-US"/>
+          </a:p>
+        </p:txBody>
+      </p:sp>
+    </p:spTree>
+    <p:extLst>
+      <p:ext uri="{BB962C8B-B14F-4D97-AF65-F5344CB8AC3E}">
+        <p14:creationId xmlns:p14="http://schemas.microsoft.com/office/powerpoint/2010/main" val="281692082"/>
+      </p:ext>
+    </p:extLst>
+  </p:cSld>
+  <p:clrMapOvr>
+    <a:masterClrMapping/>
+  </p:clrMapOvr>
+</p:notes>
+</file>
+
+<file path=ppt/notesSlides/notesSlide2.xml><?xml version="1.0" encoding="utf-8"?>
+<p:notes xmlns:a="http://schemas.openxmlformats.org/drawingml/2006/main" xmlns:r="http://schemas.openxmlformats.org/officeDocument/2006/relationships" xmlns:p="http://schemas.openxmlformats.org/presentationml/2006/main">
+  <p:cSld>
+    <p:spTree>
+      <p:nvGrpSpPr>
+        <p:cNvPr id="1" name=""/>
+        <p:cNvGrpSpPr/>
+        <p:nvPr/>
+      </p:nvGrpSpPr>
+      <p:grpSpPr>
+        <a:xfrm>
+          <a:off x="0" y="0"/>
+          <a:ext cx="0" cy="0"/>
+          <a:chOff x="0" y="0"/>
+          <a:chExt cx="0" cy="0"/>
+        </a:xfrm>
+      </p:grpSpPr>
+      <p:sp>
+        <p:nvSpPr>
+          <p:cNvPr id="2" name="スライド イメージ プレースホルダー 1"/>
+          <p:cNvSpPr>
+            <a:spLocks noGrp="1" noRot="1" noChangeAspect="1"/>
+          </p:cNvSpPr>
+          <p:nvPr>
+            <p:ph type="sldImg"/>
+          </p:nvPr>
+        </p:nvSpPr>
+        <p:spPr/>
+      </p:sp>
+      <p:sp>
+        <p:nvSpPr>
+          <p:cNvPr id="3" name="ノート プレースホルダー 2"/>
+          <p:cNvSpPr>
+            <a:spLocks noGrp="1"/>
+          </p:cNvSpPr>
+          <p:nvPr>
+            <p:ph type="body" idx="1"/>
+          </p:nvPr>
+        </p:nvSpPr>
+        <p:spPr/>
+        <p:txBody>
+          <a:bodyPr/>
+          <a:lstStyle/>
+          <a:p>
+            <a:endParaRPr kumimoji="1" lang="ja-JP" altLang="en-US"/>
+          </a:p>
+          <a:p>
+            <a:r>
+              <a:rPr kumimoji="1" lang="ja-JP" altLang="en-US"/>
+              <a:t>----- 会議メモ (2017/07/06 15:26) -----</a:t>
+            </a:r>
+          </a:p>
+          <a:p>
+            <a:r>
+              <a:rPr kumimoji="1" lang="ja-JP" altLang="en-US"/>
+              <a:t>火星サイズ書く</a:t>
+            </a:r>
+          </a:p>
+          <a:p>
+            <a:r>
+              <a:rPr kumimoji="1" lang="ja-JP" altLang="en-US"/>
+              <a:t>→に巨大衝突</a:t>
+            </a:r>
+          </a:p>
+        </p:txBody>
+      </p:sp>
+      <p:sp>
+        <p:nvSpPr>
+          <p:cNvPr id="4" name="スライド番号プレースホルダー 3"/>
+          <p:cNvSpPr>
+            <a:spLocks noGrp="1"/>
+          </p:cNvSpPr>
+          <p:nvPr>
+            <p:ph type="sldNum" sz="quarter" idx="10"/>
+          </p:nvPr>
+        </p:nvSpPr>
+        <p:spPr/>
+        <p:txBody>
+          <a:bodyPr/>
+          <a:lstStyle/>
+          <a:p>
+            <a:fld id="{DDB99C1B-F731-D44F-AD61-7B35FB4EB514}" type="slidenum">
+              <a:rPr kumimoji="1" lang="ja-JP" altLang="en-US" smtClean="0"/>
+              <a:t>2</a:t>
+            </a:fld>
+            <a:endParaRPr kumimoji="1" lang="ja-JP" altLang="en-US"/>
+          </a:p>
+        </p:txBody>
+      </p:sp>
+    </p:spTree>
+    <p:extLst>
+      <p:ext uri="{BB962C8B-B14F-4D97-AF65-F5344CB8AC3E}">
+        <p14:creationId xmlns:p14="http://schemas.microsoft.com/office/powerpoint/2010/main" val="3093502506"/>
+      </p:ext>
+    </p:extLst>
+  </p:cSld>
+  <p:clrMapOvr>
+    <a:masterClrMapping/>
+  </p:clrMapOvr>
+</p:notes>
+</file>
+
+<file path=ppt/notesSlides/notesSlide3.xml><?xml version="1.0" encoding="utf-8"?>
+<p:notes xmlns:a="http://schemas.openxmlformats.org/drawingml/2006/main" xmlns:r="http://schemas.openxmlformats.org/officeDocument/2006/relationships" xmlns:p="http://schemas.openxmlformats.org/presentationml/2006/main">
+  <p:cSld>
+    <p:spTree>
+      <p:nvGrpSpPr>
+        <p:cNvPr id="1" name=""/>
+        <p:cNvGrpSpPr/>
+        <p:nvPr/>
+      </p:nvGrpSpPr>
+      <p:grpSpPr>
+        <a:xfrm>
+          <a:off x="0" y="0"/>
+          <a:ext cx="0" cy="0"/>
+          <a:chOff x="0" y="0"/>
+          <a:chExt cx="0" cy="0"/>
+        </a:xfrm>
+      </p:grpSpPr>
+      <p:sp>
+        <p:nvSpPr>
+          <p:cNvPr id="2" name="スライド イメージ プレースホルダー 1"/>
+          <p:cNvSpPr>
+            <a:spLocks noGrp="1" noRot="1" noChangeAspect="1"/>
+          </p:cNvSpPr>
+          <p:nvPr>
+            <p:ph type="sldImg"/>
+          </p:nvPr>
+        </p:nvSpPr>
+        <p:spPr/>
+      </p:sp>
+      <p:sp>
+        <p:nvSpPr>
+          <p:cNvPr id="3" name="ノート プレースホルダー 2"/>
+          <p:cNvSpPr>
+            <a:spLocks noGrp="1"/>
+          </p:cNvSpPr>
+          <p:nvPr>
+            <p:ph type="body" idx="1"/>
+          </p:nvPr>
+        </p:nvSpPr>
+        <p:spPr/>
+        <p:txBody>
+          <a:bodyPr/>
+          <a:lstStyle/>
+          <a:p>
+            <a:endParaRPr kumimoji="1" lang="ja-JP" altLang="en-US"/>
+          </a:p>
+          <a:p>
+            <a:r>
+              <a:rPr kumimoji="1" lang="ja-JP" altLang="en-US"/>
+              <a:t>----- 会議メモ (2017/07/06 15:26) -----</a:t>
+            </a:r>
+          </a:p>
+          <a:p>
+            <a:r>
+              <a:rPr kumimoji="1" lang="ja-JP" altLang="en-US"/>
+              <a:t>ザヘッド</a:t>
+            </a:r>
+          </a:p>
+          <a:p>
+            <a:endParaRPr kumimoji="1" lang="ja-JP" altLang="en-US"/>
+          </a:p>
+          <a:p>
+            <a:r>
+              <a:rPr kumimoji="1" lang="ja-JP" altLang="en-US"/>
+              <a:t>cold disk</a:t>
+            </a:r>
+          </a:p>
+        </p:txBody>
+      </p:sp>
+      <p:sp>
+        <p:nvSpPr>
+          <p:cNvPr id="4" name="スライド番号プレースホルダー 3"/>
+          <p:cNvSpPr>
+            <a:spLocks noGrp="1"/>
+          </p:cNvSpPr>
+          <p:nvPr>
+            <p:ph type="sldNum" sz="quarter" idx="10"/>
+          </p:nvPr>
+        </p:nvSpPr>
+        <p:spPr/>
+        <p:txBody>
+          <a:bodyPr/>
+          <a:lstStyle/>
+          <a:p>
+            <a:fld id="{DDB99C1B-F731-D44F-AD61-7B35FB4EB514}" type="slidenum">
+              <a:rPr kumimoji="1" lang="ja-JP" altLang="en-US" smtClean="0"/>
+              <a:t>3</a:t>
+            </a:fld>
+            <a:endParaRPr kumimoji="1" lang="ja-JP" altLang="en-US"/>
+          </a:p>
+        </p:txBody>
+      </p:sp>
+    </p:spTree>
+    <p:extLst>
+      <p:ext uri="{BB962C8B-B14F-4D97-AF65-F5344CB8AC3E}">
+        <p14:creationId xmlns:p14="http://schemas.microsoft.com/office/powerpoint/2010/main" val="2134693591"/>
+      </p:ext>
+    </p:extLst>
+  </p:cSld>
+  <p:clrMapOvr>
+    <a:masterClrMapping/>
+  </p:clrMapOvr>
+</p:notes>
+</file>
+
+<file path=ppt/notesSlides/notesSlide4.xml><?xml version="1.0" encoding="utf-8"?>
+<p:notes xmlns:a="http://schemas.openxmlformats.org/drawingml/2006/main" xmlns:r="http://schemas.openxmlformats.org/officeDocument/2006/relationships" xmlns:p="http://schemas.openxmlformats.org/presentationml/2006/main">
+  <p:cSld>
+    <p:spTree>
+      <p:nvGrpSpPr>
+        <p:cNvPr id="1" name=""/>
+        <p:cNvGrpSpPr/>
+        <p:nvPr/>
+      </p:nvGrpSpPr>
+      <p:grpSpPr>
+        <a:xfrm>
+          <a:off x="0" y="0"/>
+          <a:ext cx="0" cy="0"/>
+          <a:chOff x="0" y="0"/>
+          <a:chExt cx="0" cy="0"/>
+        </a:xfrm>
+      </p:grpSpPr>
+      <p:sp>
+        <p:nvSpPr>
+          <p:cNvPr id="2" name="スライド イメージ プレースホルダー 1"/>
+          <p:cNvSpPr>
+            <a:spLocks noGrp="1" noRot="1" noChangeAspect="1"/>
+          </p:cNvSpPr>
+          <p:nvPr>
+            <p:ph type="sldImg"/>
+          </p:nvPr>
+        </p:nvSpPr>
+        <p:spPr/>
+      </p:sp>
+      <p:sp>
+        <p:nvSpPr>
+          <p:cNvPr id="3" name="ノート プレースホルダー 2"/>
+          <p:cNvSpPr>
+            <a:spLocks noGrp="1"/>
+          </p:cNvSpPr>
+          <p:nvPr>
+            <p:ph type="body" idx="1"/>
+          </p:nvPr>
+        </p:nvSpPr>
+        <p:spPr/>
+        <p:txBody>
+          <a:bodyPr/>
+          <a:lstStyle/>
+          <a:p>
+            <a:endParaRPr kumimoji="1" lang="ja-JP" altLang="en-US"/>
+          </a:p>
+          <a:p>
+            <a:r>
+              <a:rPr kumimoji="1" lang="ja-JP" altLang="en-US"/>
+              <a:t>----- 会議メモ (2017/07/06 15:26) -----</a:t>
+            </a:r>
+          </a:p>
+          <a:p>
+            <a:r>
+              <a:rPr kumimoji="1" lang="ja-JP" altLang="en-US"/>
+              <a:t>μmサイズ</a:t>
+            </a:r>
+          </a:p>
+          <a:p>
+            <a:r>
+              <a:rPr kumimoji="1" lang="ja-JP" altLang="en-US"/>
+              <a:t>詳しくかかなくてもいいかも</a:t>
+            </a:r>
+          </a:p>
+        </p:txBody>
+      </p:sp>
+      <p:sp>
+        <p:nvSpPr>
+          <p:cNvPr id="4" name="スライド番号プレースホルダー 3"/>
+          <p:cNvSpPr>
+            <a:spLocks noGrp="1"/>
+          </p:cNvSpPr>
+          <p:nvPr>
+            <p:ph type="sldNum" sz="quarter" idx="10"/>
+          </p:nvPr>
+        </p:nvSpPr>
+        <p:spPr/>
+        <p:txBody>
+          <a:bodyPr/>
+          <a:lstStyle/>
+          <a:p>
+            <a:fld id="{DDB99C1B-F731-D44F-AD61-7B35FB4EB514}" type="slidenum">
+              <a:rPr kumimoji="1" lang="ja-JP" altLang="en-US" smtClean="0"/>
+              <a:t>4</a:t>
+            </a:fld>
+            <a:endParaRPr kumimoji="1" lang="ja-JP" altLang="en-US"/>
+          </a:p>
+        </p:txBody>
+      </p:sp>
+    </p:spTree>
+    <p:extLst>
+      <p:ext uri="{BB962C8B-B14F-4D97-AF65-F5344CB8AC3E}">
+        <p14:creationId xmlns:p14="http://schemas.microsoft.com/office/powerpoint/2010/main" val="2922915273"/>
+      </p:ext>
+    </p:extLst>
+  </p:cSld>
+  <p:clrMapOvr>
+    <a:masterClrMapping/>
+  </p:clrMapOvr>
+</p:notes>
+</file>
+
+<file path=ppt/notesSlides/notesSlide5.xml><?xml version="1.0" encoding="utf-8"?>
+<p:notes xmlns:a="http://schemas.openxmlformats.org/drawingml/2006/main" xmlns:r="http://schemas.openxmlformats.org/officeDocument/2006/relationships" xmlns:p="http://schemas.openxmlformats.org/presentationml/2006/main">
+  <p:cSld>
+    <p:spTree>
+      <p:nvGrpSpPr>
+        <p:cNvPr id="1" name=""/>
+        <p:cNvGrpSpPr/>
+        <p:nvPr/>
+      </p:nvGrpSpPr>
+      <p:grpSpPr>
+        <a:xfrm>
+          <a:off x="0" y="0"/>
+          <a:ext cx="0" cy="0"/>
+          <a:chOff x="0" y="0"/>
+          <a:chExt cx="0" cy="0"/>
+        </a:xfrm>
+      </p:grpSpPr>
+      <p:sp>
+        <p:nvSpPr>
+          <p:cNvPr id="2" name="スライド イメージ プレースホルダー 1"/>
+          <p:cNvSpPr>
+            <a:spLocks noGrp="1" noRot="1" noChangeAspect="1"/>
+          </p:cNvSpPr>
+          <p:nvPr>
+            <p:ph type="sldImg"/>
+          </p:nvPr>
+        </p:nvSpPr>
+        <p:spPr/>
+      </p:sp>
+      <p:sp>
+        <p:nvSpPr>
+          <p:cNvPr id="3" name="ノート プレースホルダー 2"/>
+          <p:cNvSpPr>
+            <a:spLocks noGrp="1"/>
+          </p:cNvSpPr>
+          <p:nvPr>
+            <p:ph type="body" idx="1"/>
+          </p:nvPr>
+        </p:nvSpPr>
+        <p:spPr/>
+        <p:txBody>
+          <a:bodyPr/>
+          <a:lstStyle/>
+          <a:p>
+            <a:endParaRPr kumimoji="1" lang="ja-JP" altLang="en-US"/>
+          </a:p>
+          <a:p>
+            <a:r>
+              <a:rPr kumimoji="1" lang="ja-JP" altLang="en-US"/>
+              <a:t>----- 会議メモ (2017/07/06 15:26) -----</a:t>
+            </a:r>
+          </a:p>
+          <a:p>
+            <a:r>
+              <a:rPr kumimoji="1" lang="ja-JP" altLang="en-US"/>
+              <a:t>最終　惑星むずかしい</a:t>
+            </a:r>
+          </a:p>
+          <a:p>
+            <a:endParaRPr kumimoji="1" lang="ja-JP" altLang="en-US"/>
+          </a:p>
+          <a:p>
+            <a:endParaRPr kumimoji="1" lang="ja-JP" altLang="en-US"/>
+          </a:p>
+          <a:p>
+            <a:r>
+              <a:rPr kumimoji="1" lang="ja-JP" altLang="en-US"/>
+              <a:t>小さいものも追いたい</a:t>
+            </a:r>
+          </a:p>
+        </p:txBody>
+      </p:sp>
+      <p:sp>
+        <p:nvSpPr>
+          <p:cNvPr id="4" name="スライド番号プレースホルダー 3"/>
+          <p:cNvSpPr>
+            <a:spLocks noGrp="1"/>
+          </p:cNvSpPr>
+          <p:nvPr>
+            <p:ph type="sldNum" sz="quarter" idx="10"/>
+          </p:nvPr>
+        </p:nvSpPr>
+        <p:spPr/>
+        <p:txBody>
+          <a:bodyPr/>
+          <a:lstStyle/>
+          <a:p>
+            <a:fld id="{DDB99C1B-F731-D44F-AD61-7B35FB4EB514}" type="slidenum">
+              <a:rPr kumimoji="1" lang="ja-JP" altLang="en-US" smtClean="0"/>
+              <a:t>5</a:t>
+            </a:fld>
+            <a:endParaRPr kumimoji="1" lang="ja-JP" altLang="en-US"/>
+          </a:p>
+        </p:txBody>
+      </p:sp>
+    </p:spTree>
+    <p:extLst>
+      <p:ext uri="{BB962C8B-B14F-4D97-AF65-F5344CB8AC3E}">
+        <p14:creationId xmlns:p14="http://schemas.microsoft.com/office/powerpoint/2010/main" val="2018943536"/>
+      </p:ext>
+    </p:extLst>
+  </p:cSld>
+  <p:clrMapOvr>
+    <a:masterClrMapping/>
+  </p:clrMapOvr>
+</p:notes>
 </file>
 
 <file path=ppt/slideLayouts/slideLayout1.xml><?xml version="1.0" encoding="utf-8"?>
@@ -3828,8 +4346,8 @@
         </p:nvSpPr>
         <p:spPr>
           <a:xfrm>
-            <a:off x="0" y="708470"/>
-            <a:ext cx="9144000" cy="1644845"/>
+            <a:off x="0" y="708471"/>
+            <a:ext cx="9144000" cy="1627232"/>
           </a:xfrm>
         </p:spPr>
         <p:txBody>
@@ -3863,14 +4381,7 @@
                 <a:latin typeface="+mj-ea"/>
                 <a:cs typeface="Helvetica"/>
               </a:rPr>
-              <a:t>衝突破壊の</a:t>
-            </a:r>
-            <a:r>
-              <a:rPr kumimoji="1" lang="ja-JP" altLang="en-US" dirty="0" smtClean="0">
-                <a:latin typeface="+mj-ea"/>
-                <a:cs typeface="Helvetica"/>
-              </a:rPr>
-              <a:t>重要性</a:t>
+              <a:t>衝突破壊の重要性</a:t>
             </a:r>
             <a:endParaRPr kumimoji="1" lang="ja-JP" altLang="en-US" sz="3100" dirty="0">
               <a:latin typeface="+mj-ea"/>
@@ -3891,8 +4402,8 @@
         </p:nvSpPr>
         <p:spPr>
           <a:xfrm>
-            <a:off x="1380938" y="3185258"/>
-            <a:ext cx="6400800" cy="914373"/>
+            <a:off x="429091" y="3040716"/>
+            <a:ext cx="8204287" cy="914373"/>
           </a:xfrm>
         </p:spPr>
         <p:txBody>
@@ -3910,17 +4421,7 @@
                 <a:latin typeface="+mj-ea"/>
                 <a:ea typeface="+mj-ea"/>
               </a:rPr>
-              <a:t>名古屋大学大学院理学</a:t>
-            </a:r>
-            <a:r>
-              <a:rPr kumimoji="1" lang="ja-JP" altLang="en-US" sz="2000" dirty="0" smtClean="0">
-                <a:solidFill>
-                  <a:schemeClr val="tx1"/>
-                </a:solidFill>
-                <a:latin typeface="+mj-ea"/>
-                <a:ea typeface="+mj-ea"/>
-              </a:rPr>
-              <a:t>研究科</a:t>
+              <a:t>名古屋大学大学院理学研究科</a:t>
             </a:r>
             <a:r>
               <a:rPr kumimoji="1" lang="en-US" altLang="ja-JP" sz="2000" dirty="0">
@@ -3940,7 +4441,7 @@
                 <a:latin typeface="+mj-ea"/>
                 <a:ea typeface="+mj-ea"/>
               </a:rPr>
-              <a:t>理論</a:t>
+              <a:t>理論宇宙物理学</a:t>
             </a:r>
             <a:r>
               <a:rPr kumimoji="1" lang="ja-JP" altLang="en-US" sz="2000" dirty="0" smtClean="0">
@@ -3950,18 +4451,92 @@
                 <a:latin typeface="+mj-ea"/>
                 <a:ea typeface="+mj-ea"/>
               </a:rPr>
-              <a:t>宇宙物理学研究室</a:t>
-            </a:r>
-            <a:endParaRPr kumimoji="1" lang="en-US" altLang="ja-JP" sz="2000" dirty="0" smtClean="0">
+              <a:t>研究室</a:t>
+            </a:r>
+            <a:r>
+              <a:rPr kumimoji="1" lang="en-US" altLang="ja-JP" sz="2000" dirty="0">
+                <a:solidFill>
+                  <a:schemeClr val="tx1"/>
+                </a:solidFill>
+                <a:latin typeface="+mj-ea"/>
+                <a:ea typeface="+mj-ea"/>
+              </a:rPr>
+              <a:t> </a:t>
+            </a:r>
+            <a:r>
+              <a:rPr kumimoji="1" lang="en-US" altLang="ja-JP" sz="2000" dirty="0" smtClean="0">
+                <a:solidFill>
+                  <a:schemeClr val="tx1"/>
+                </a:solidFill>
+                <a:latin typeface="+mj-ea"/>
+              </a:rPr>
+              <a:t>M</a:t>
+            </a:r>
+            <a:r>
+              <a:rPr kumimoji="1" lang="en-US" altLang="ja-JP" sz="2000" dirty="0">
+                <a:solidFill>
+                  <a:schemeClr val="tx1"/>
+                </a:solidFill>
+                <a:latin typeface="+mj-ea"/>
+              </a:rPr>
+              <a:t>1</a:t>
+            </a:r>
+            <a:r>
+              <a:rPr kumimoji="1" lang="en-US" altLang="ja-JP" sz="2000" dirty="0" smtClean="0">
+                <a:solidFill>
+                  <a:schemeClr val="tx1"/>
+                </a:solidFill>
+                <a:latin typeface="+mj-ea"/>
+              </a:rPr>
+              <a:t> </a:t>
+            </a:r>
+            <a:r>
+              <a:rPr kumimoji="1" lang="ja-JP" altLang="en-US" sz="2000" dirty="0" smtClean="0">
+                <a:solidFill>
+                  <a:schemeClr val="tx1"/>
+                </a:solidFill>
+                <a:latin typeface="+mj-ea"/>
+              </a:rPr>
+              <a:t>磯谷和</a:t>
+            </a:r>
+            <a:r>
+              <a:rPr kumimoji="1" lang="ja-JP" altLang="en-US" sz="2000" dirty="0">
+                <a:solidFill>
+                  <a:schemeClr val="tx1"/>
+                </a:solidFill>
+                <a:latin typeface="+mj-ea"/>
+              </a:rPr>
+              <a:t>秀</a:t>
+            </a:r>
+            <a:endParaRPr kumimoji="1" lang="en-US" altLang="ja-JP" sz="2000" dirty="0">
               <a:solidFill>
                 <a:schemeClr val="tx1"/>
               </a:solidFill>
               <a:latin typeface="+mj-ea"/>
-              <a:ea typeface="+mj-ea"/>
             </a:endParaRPr>
           </a:p>
           <a:p>
             <a:pPr algn="r"/>
+            <a:r>
+              <a:rPr kumimoji="1" lang="ja-JP" altLang="ja-JP" sz="2000" dirty="0" smtClean="0">
+                <a:solidFill>
+                  <a:schemeClr val="tx1"/>
+                </a:solidFill>
+                <a:latin typeface="+mj-ea"/>
+                <a:ea typeface="+mj-ea"/>
+              </a:rPr>
+              <a:t>　</a:t>
+            </a:r>
+            <a:r>
+              <a:rPr kumimoji="1" lang="ja-JP" altLang="en-US" sz="2000" dirty="0" smtClean="0">
+                <a:solidFill>
+                  <a:schemeClr val="tx1"/>
+                </a:solidFill>
+                <a:latin typeface="+mj-ea"/>
+                <a:ea typeface="+mj-ea"/>
+              </a:rPr>
+              <a:t>共同研究者</a:t>
+            </a:r>
             <a:r>
               <a:rPr kumimoji="1" lang="en-US" altLang="ja-JP" sz="2000" dirty="0" smtClean="0">
                 <a:solidFill>
@@ -3970,7 +4545,7 @@
                 <a:latin typeface="+mj-ea"/>
                 <a:ea typeface="+mj-ea"/>
               </a:rPr>
-              <a:t>M1 </a:t>
+              <a:t> </a:t>
             </a:r>
             <a:r>
               <a:rPr kumimoji="1" lang="ja-JP" altLang="en-US" sz="2000" dirty="0" smtClean="0">
@@ -3980,7 +4555,7 @@
                 <a:latin typeface="+mj-ea"/>
                 <a:ea typeface="+mj-ea"/>
               </a:rPr>
-              <a:t>磯谷和秀</a:t>
+              <a:t>小林浩</a:t>
             </a:r>
             <a:endParaRPr kumimoji="1" lang="ja-JP" altLang="en-US" sz="2000" dirty="0">
               <a:solidFill>
@@ -3992,36 +4567,6 @@
           </a:p>
         </p:txBody>
       </p:sp>
-      <p:pic>
-        <p:nvPicPr>
-          <p:cNvPr id="6" name="図 5" descr="377523main_a-planetImpact-full.jpg"/>
-          <p:cNvPicPr>
-            <a:picLocks noChangeAspect="1"/>
-          </p:cNvPicPr>
-          <p:nvPr/>
-        </p:nvPicPr>
-        <p:blipFill>
-          <a:blip r:embed="rId2">
-            <a:extLst>
-              <a:ext uri="{28A0092B-C50C-407E-A947-70E740481C1C}">
-                <a14:useLocalDpi xmlns:a14="http://schemas.microsoft.com/office/drawing/2010/main" val="0"/>
-              </a:ext>
-            </a:extLst>
-          </a:blip>
-          <a:stretch>
-            <a:fillRect/>
-          </a:stretch>
-        </p:blipFill>
-        <p:spPr>
-          <a:xfrm>
-            <a:off x="910745" y="4174148"/>
-            <a:ext cx="2732936" cy="2186349"/>
-          </a:xfrm>
-          <a:prstGeom prst="rect">
-            <a:avLst/>
-          </a:prstGeom>
-        </p:spPr>
-      </p:pic>
       <p:sp>
         <p:nvSpPr>
           <p:cNvPr id="7" name="テキスト ボックス 6"/>
@@ -4030,7 +4575,7 @@
         </p:nvSpPr>
         <p:spPr>
           <a:xfrm>
-            <a:off x="394763" y="2335703"/>
+            <a:off x="394763" y="2370025"/>
             <a:ext cx="8366393" cy="523220"/>
           </a:xfrm>
           <a:prstGeom prst="rect">
@@ -4075,8 +4620,8 @@
         </p:nvSpPr>
         <p:spPr>
           <a:xfrm>
-            <a:off x="6049458" y="6522184"/>
-            <a:ext cx="2878763" cy="307777"/>
+            <a:off x="5175204" y="6211078"/>
+            <a:ext cx="2379778" cy="307777"/>
           </a:xfrm>
           <a:prstGeom prst="rect">
             <a:avLst/>
@@ -4094,7 +4639,7 @@
                 <a:latin typeface="Helvetica"/>
                 <a:cs typeface="Helvetica"/>
               </a:rPr>
-              <a:t>Image Credit : NASA</a:t>
+              <a:t>Credit : NASA</a:t>
             </a:r>
             <a:r>
               <a:rPr lang="en-US" altLang="ja-JP" sz="1400" dirty="0">
@@ -4132,7 +4677,7 @@
         </p:blipFill>
         <p:spPr>
           <a:xfrm>
-            <a:off x="4416754" y="4174148"/>
+            <a:off x="4416754" y="4024729"/>
             <a:ext cx="3886842" cy="2186349"/>
           </a:xfrm>
           <a:prstGeom prst="rect">
@@ -4140,6 +4685,72 @@
           </a:prstGeom>
         </p:spPr>
       </p:pic>
+      <p:pic>
+        <p:nvPicPr>
+          <p:cNvPr id="4" name="図 3" descr="an-artists-rendering-of-what-the-environment-around-pleiades-star-hd-23514-might-look-like-as-two-planets-collide.jpg"/>
+          <p:cNvPicPr>
+            <a:picLocks noChangeAspect="1"/>
+          </p:cNvPicPr>
+          <p:nvPr/>
+        </p:nvPicPr>
+        <p:blipFill>
+          <a:blip r:embed="rId4">
+            <a:extLst>
+              <a:ext uri="{28A0092B-C50C-407E-A947-70E740481C1C}">
+                <a14:useLocalDpi xmlns:a14="http://schemas.microsoft.com/office/drawing/2010/main" val="0"/>
+              </a:ext>
+            </a:extLst>
+          </a:blip>
+          <a:stretch>
+            <a:fillRect/>
+          </a:stretch>
+        </p:blipFill>
+        <p:spPr>
+          <a:xfrm>
+            <a:off x="938671" y="4026015"/>
+            <a:ext cx="2825219" cy="2185063"/>
+          </a:xfrm>
+          <a:prstGeom prst="rect">
+            <a:avLst/>
+          </a:prstGeom>
+        </p:spPr>
+      </p:pic>
+      <p:sp>
+        <p:nvSpPr>
+          <p:cNvPr id="5" name="テキスト ボックス 4"/>
+          <p:cNvSpPr txBox="1"/>
+          <p:nvPr/>
+        </p:nvSpPr>
+        <p:spPr>
+          <a:xfrm>
+            <a:off x="570565" y="6214407"/>
+            <a:ext cx="3560703" cy="307777"/>
+          </a:xfrm>
+          <a:prstGeom prst="rect">
+            <a:avLst/>
+          </a:prstGeom>
+          <a:noFill/>
+        </p:spPr>
+        <p:txBody>
+          <a:bodyPr wrap="none" rtlCol="0">
+            <a:spAutoFit/>
+          </a:bodyPr>
+          <a:lstStyle/>
+          <a:p>
+            <a:r>
+              <a:rPr kumimoji="1" lang="en-US" altLang="ja-JP" sz="1400" dirty="0" smtClean="0">
+                <a:latin typeface="Helvetica"/>
+                <a:cs typeface="Helvetica"/>
+              </a:rPr>
+              <a:t>Credit : Gemini Observatory/Lynette Cook</a:t>
+            </a:r>
+            <a:endParaRPr kumimoji="1" lang="ja-JP" altLang="en-US" sz="1400" dirty="0">
+              <a:latin typeface="Helvetica"/>
+              <a:cs typeface="Helvetica"/>
+            </a:endParaRPr>
+          </a:p>
+        </p:txBody>
+      </p:sp>
     </p:spTree>
     <p:extLst>
       <p:ext uri="{BB962C8B-B14F-4D97-AF65-F5344CB8AC3E}">
@@ -5757,25 +6368,6 @@
       </p:sp>
       <p:sp>
         <p:nvSpPr>
-          <p:cNvPr id="3" name="コンテンツ プレースホルダー 2"/>
-          <p:cNvSpPr>
-            <a:spLocks noGrp="1"/>
-          </p:cNvSpPr>
-          <p:nvPr>
-            <p:ph idx="1"/>
-          </p:nvPr>
-        </p:nvSpPr>
-        <p:spPr/>
-        <p:txBody>
-          <a:bodyPr/>
-          <a:lstStyle/>
-          <a:p>
-            <a:endParaRPr kumimoji="1" lang="ja-JP" altLang="en-US"/>
-          </a:p>
-        </p:txBody>
-      </p:sp>
-      <p:sp>
-        <p:nvSpPr>
           <p:cNvPr id="4" name="日付プレースホルダー 3"/>
           <p:cNvSpPr>
             <a:spLocks noGrp="1"/>
@@ -5847,6 +6439,36 @@
           </a:p>
         </p:txBody>
       </p:sp>
+      <p:pic>
+        <p:nvPicPr>
+          <p:cNvPr id="9" name="図 8" descr="Ohtsuki_figa_and_Nbodytest_6run.pdf"/>
+          <p:cNvPicPr>
+            <a:picLocks noChangeAspect="1"/>
+          </p:cNvPicPr>
+          <p:nvPr/>
+        </p:nvPicPr>
+        <p:blipFill>
+          <a:blip r:embed="rId2">
+            <a:extLst>
+              <a:ext uri="{28A0092B-C50C-407E-A947-70E740481C1C}">
+                <a14:useLocalDpi xmlns:a14="http://schemas.microsoft.com/office/drawing/2010/main" val="0"/>
+              </a:ext>
+            </a:extLst>
+          </a:blip>
+          <a:stretch>
+            <a:fillRect/>
+          </a:stretch>
+        </p:blipFill>
+        <p:spPr>
+          <a:xfrm>
+            <a:off x="1458148" y="1468130"/>
+            <a:ext cx="6462889" cy="4446037"/>
+          </a:xfrm>
+          <a:prstGeom prst="rect">
+            <a:avLst/>
+          </a:prstGeom>
+        </p:spPr>
+      </p:pic>
     </p:spTree>
     <p:extLst>
       <p:ext uri="{BB962C8B-B14F-4D97-AF65-F5344CB8AC3E}">
@@ -5902,21 +6524,24 @@
           <a:lstStyle/>
           <a:p>
             <a:r>
-              <a:rPr kumimoji="1" lang="ja-JP" altLang="en-US" dirty="0" smtClean="0"/>
-              <a:t>統計的手法のテスト</a:t>
-            </a:r>
-            <a:endParaRPr kumimoji="1" lang="ja-JP" altLang="en-US" dirty="0"/>
+              <a:rPr kumimoji="1" lang="en-US" altLang="ja-JP" dirty="0"/>
+              <a:t>N</a:t>
+            </a:r>
+            <a:r>
+              <a:rPr kumimoji="1" lang="ja-JP" altLang="en-US" dirty="0"/>
+              <a:t>体計算のテスト</a:t>
+            </a:r>
           </a:p>
         </p:txBody>
       </p:sp>
       <p:sp>
         <p:nvSpPr>
-          <p:cNvPr id="3" name="コンテンツ プレースホルダー 2"/>
+          <p:cNvPr id="4" name="日付プレースホルダー 3"/>
           <p:cNvSpPr>
             <a:spLocks noGrp="1"/>
           </p:cNvSpPr>
           <p:nvPr>
-            <p:ph idx="1"/>
+            <p:ph type="dt" sz="half" idx="10"/>
           </p:nvPr>
         </p:nvSpPr>
         <p:spPr/>
@@ -5924,7 +6549,314 @@
           <a:bodyPr/>
           <a:lstStyle/>
           <a:p>
-            <a:endParaRPr kumimoji="1" lang="ja-JP" altLang="en-US"/>
+            <a:r>
+              <a:rPr lang="en-US" altLang="ja-JP" smtClean="0"/>
+              <a:t>2017/07/27</a:t>
+            </a:r>
+            <a:endParaRPr lang="en-US"/>
+          </a:p>
+        </p:txBody>
+      </p:sp>
+      <p:sp>
+        <p:nvSpPr>
+          <p:cNvPr id="5" name="フッター プレースホルダー 4"/>
+          <p:cNvSpPr>
+            <a:spLocks noGrp="1"/>
+          </p:cNvSpPr>
+          <p:nvPr>
+            <p:ph type="ftr" sz="quarter" idx="11"/>
+          </p:nvPr>
+        </p:nvSpPr>
+        <p:spPr/>
+        <p:txBody>
+          <a:bodyPr/>
+          <a:lstStyle/>
+          <a:p>
+            <a:r>
+              <a:rPr lang="ja-JP" altLang="en-US" smtClean="0"/>
+              <a:t>夏の学校　星形成・惑星系分科会</a:t>
+            </a:r>
+            <a:endParaRPr lang="en-US"/>
+          </a:p>
+        </p:txBody>
+      </p:sp>
+      <p:sp>
+        <p:nvSpPr>
+          <p:cNvPr id="6" name="スライド番号プレースホルダー 5"/>
+          <p:cNvSpPr>
+            <a:spLocks noGrp="1"/>
+          </p:cNvSpPr>
+          <p:nvPr>
+            <p:ph type="sldNum" sz="quarter" idx="12"/>
+          </p:nvPr>
+        </p:nvSpPr>
+        <p:spPr/>
+        <p:txBody>
+          <a:bodyPr/>
+          <a:lstStyle/>
+          <a:p>
+            <a:fld id="{2066355A-084C-D24E-9AD2-7E4FC41EA627}" type="slidenum">
+              <a:rPr lang="en-US" smtClean="0"/>
+              <a:t>15</a:t>
+            </a:fld>
+            <a:endParaRPr lang="en-US"/>
+          </a:p>
+        </p:txBody>
+      </p:sp>
+      <p:pic>
+        <p:nvPicPr>
+          <p:cNvPr id="7" name="図 6" descr="Ohtsuki_figb_and_Nbodytest_6run.pdf"/>
+          <p:cNvPicPr>
+            <a:picLocks noChangeAspect="1"/>
+          </p:cNvPicPr>
+          <p:nvPr/>
+        </p:nvPicPr>
+        <p:blipFill>
+          <a:blip r:embed="rId2">
+            <a:extLst>
+              <a:ext uri="{28A0092B-C50C-407E-A947-70E740481C1C}">
+                <a14:useLocalDpi xmlns:a14="http://schemas.microsoft.com/office/drawing/2010/main" val="0"/>
+              </a:ext>
+            </a:extLst>
+          </a:blip>
+          <a:stretch>
+            <a:fillRect/>
+          </a:stretch>
+        </p:blipFill>
+        <p:spPr>
+          <a:xfrm>
+            <a:off x="1467554" y="1457103"/>
+            <a:ext cx="6594593" cy="4542942"/>
+          </a:xfrm>
+          <a:prstGeom prst="rect">
+            <a:avLst/>
+          </a:prstGeom>
+        </p:spPr>
+      </p:pic>
+    </p:spTree>
+    <p:extLst>
+      <p:ext uri="{BB962C8B-B14F-4D97-AF65-F5344CB8AC3E}">
+        <p14:creationId xmlns:p14="http://schemas.microsoft.com/office/powerpoint/2010/main" val="41269369"/>
+      </p:ext>
+    </p:extLst>
+  </p:cSld>
+  <p:clrMapOvr>
+    <a:masterClrMapping/>
+  </p:clrMapOvr>
+  <p:timing>
+    <p:tnLst>
+      <p:par>
+        <p:cTn xmlns:p14="http://schemas.microsoft.com/office/powerpoint/2010/main" id="1" dur="indefinite" restart="never" nodeType="tmRoot"/>
+      </p:par>
+    </p:tnLst>
+  </p:timing>
+</p:sld>
+</file>
+
+<file path=ppt/slides/slide16.xml><?xml version="1.0" encoding="utf-8"?>
+<p:sld xmlns:a="http://schemas.openxmlformats.org/drawingml/2006/main" xmlns:r="http://schemas.openxmlformats.org/officeDocument/2006/relationships" xmlns:p="http://schemas.openxmlformats.org/presentationml/2006/main">
+  <p:cSld>
+    <p:spTree>
+      <p:nvGrpSpPr>
+        <p:cNvPr id="1" name=""/>
+        <p:cNvGrpSpPr/>
+        <p:nvPr/>
+      </p:nvGrpSpPr>
+      <p:grpSpPr>
+        <a:xfrm>
+          <a:off x="0" y="0"/>
+          <a:ext cx="0" cy="0"/>
+          <a:chOff x="0" y="0"/>
+          <a:chExt cx="0" cy="0"/>
+        </a:xfrm>
+      </p:grpSpPr>
+      <p:sp>
+        <p:nvSpPr>
+          <p:cNvPr id="2" name="タイトル 1"/>
+          <p:cNvSpPr>
+            <a:spLocks noGrp="1"/>
+          </p:cNvSpPr>
+          <p:nvPr>
+            <p:ph type="title"/>
+          </p:nvPr>
+        </p:nvSpPr>
+        <p:spPr/>
+        <p:txBody>
+          <a:bodyPr>
+            <a:normAutofit fontScale="90000"/>
+          </a:bodyPr>
+          <a:lstStyle/>
+          <a:p>
+            <a:r>
+              <a:rPr kumimoji="1" lang="en-US" altLang="ja-JP" dirty="0" smtClean="0"/>
+              <a:t>N</a:t>
+            </a:r>
+            <a:r>
+              <a:rPr kumimoji="1" lang="ja-JP" altLang="en-US" dirty="0" smtClean="0"/>
+              <a:t>体計算のコスト</a:t>
+            </a:r>
+            <a:endParaRPr kumimoji="1" lang="ja-JP" altLang="en-US" dirty="0"/>
+          </a:p>
+        </p:txBody>
+      </p:sp>
+      <p:sp>
+        <p:nvSpPr>
+          <p:cNvPr id="4" name="日付プレースホルダー 3"/>
+          <p:cNvSpPr>
+            <a:spLocks noGrp="1"/>
+          </p:cNvSpPr>
+          <p:nvPr>
+            <p:ph type="dt" sz="half" idx="10"/>
+          </p:nvPr>
+        </p:nvSpPr>
+        <p:spPr/>
+        <p:txBody>
+          <a:bodyPr/>
+          <a:lstStyle/>
+          <a:p>
+            <a:r>
+              <a:rPr lang="en-US" altLang="ja-JP" smtClean="0"/>
+              <a:t>2017/07/27</a:t>
+            </a:r>
+            <a:endParaRPr lang="en-US"/>
+          </a:p>
+        </p:txBody>
+      </p:sp>
+      <p:sp>
+        <p:nvSpPr>
+          <p:cNvPr id="5" name="フッター プレースホルダー 4"/>
+          <p:cNvSpPr>
+            <a:spLocks noGrp="1"/>
+          </p:cNvSpPr>
+          <p:nvPr>
+            <p:ph type="ftr" sz="quarter" idx="11"/>
+          </p:nvPr>
+        </p:nvSpPr>
+        <p:spPr/>
+        <p:txBody>
+          <a:bodyPr/>
+          <a:lstStyle/>
+          <a:p>
+            <a:r>
+              <a:rPr lang="ja-JP" altLang="en-US" smtClean="0"/>
+              <a:t>夏の学校　星形成・惑星系分科会</a:t>
+            </a:r>
+            <a:endParaRPr lang="en-US"/>
+          </a:p>
+        </p:txBody>
+      </p:sp>
+      <p:sp>
+        <p:nvSpPr>
+          <p:cNvPr id="6" name="スライド番号プレースホルダー 5"/>
+          <p:cNvSpPr>
+            <a:spLocks noGrp="1"/>
+          </p:cNvSpPr>
+          <p:nvPr>
+            <p:ph type="sldNum" sz="quarter" idx="12"/>
+          </p:nvPr>
+        </p:nvSpPr>
+        <p:spPr/>
+        <p:txBody>
+          <a:bodyPr/>
+          <a:lstStyle/>
+          <a:p>
+            <a:fld id="{2066355A-084C-D24E-9AD2-7E4FC41EA627}" type="slidenum">
+              <a:rPr lang="en-US" smtClean="0"/>
+              <a:t>16</a:t>
+            </a:fld>
+            <a:endParaRPr lang="en-US"/>
+          </a:p>
+        </p:txBody>
+      </p:sp>
+      <p:pic>
+        <p:nvPicPr>
+          <p:cNvPr id="7" name="図 6" descr="ExecutionTime_NoFrag.pdf"/>
+          <p:cNvPicPr>
+            <a:picLocks noChangeAspect="1"/>
+          </p:cNvPicPr>
+          <p:nvPr/>
+        </p:nvPicPr>
+        <p:blipFill>
+          <a:blip r:embed="rId2">
+            <a:extLst>
+              <a:ext uri="{28A0092B-C50C-407E-A947-70E740481C1C}">
+                <a14:useLocalDpi xmlns:a14="http://schemas.microsoft.com/office/drawing/2010/main" val="0"/>
+              </a:ext>
+            </a:extLst>
+          </a:blip>
+          <a:stretch>
+            <a:fillRect/>
+          </a:stretch>
+        </p:blipFill>
+        <p:spPr>
+          <a:xfrm>
+            <a:off x="1411111" y="1426323"/>
+            <a:ext cx="6415852" cy="4504747"/>
+          </a:xfrm>
+          <a:prstGeom prst="rect">
+            <a:avLst/>
+          </a:prstGeom>
+        </p:spPr>
+      </p:pic>
+    </p:spTree>
+    <p:extLst>
+      <p:ext uri="{BB962C8B-B14F-4D97-AF65-F5344CB8AC3E}">
+        <p14:creationId xmlns:p14="http://schemas.microsoft.com/office/powerpoint/2010/main" val="4122983436"/>
+      </p:ext>
+    </p:extLst>
+  </p:cSld>
+  <p:clrMapOvr>
+    <a:masterClrMapping/>
+  </p:clrMapOvr>
+  <p:timing>
+    <p:tnLst>
+      <p:par>
+        <p:cTn xmlns:p14="http://schemas.microsoft.com/office/powerpoint/2010/main" id="1" dur="indefinite" restart="never" nodeType="tmRoot"/>
+      </p:par>
+    </p:tnLst>
+  </p:timing>
+</p:sld>
+</file>
+
+<file path=ppt/slides/slide17.xml><?xml version="1.0" encoding="utf-8"?>
+<p:sld xmlns:a="http://schemas.openxmlformats.org/drawingml/2006/main" xmlns:r="http://schemas.openxmlformats.org/officeDocument/2006/relationships" xmlns:p="http://schemas.openxmlformats.org/presentationml/2006/main">
+  <p:cSld>
+    <p:spTree>
+      <p:nvGrpSpPr>
+        <p:cNvPr id="1" name=""/>
+        <p:cNvGrpSpPr/>
+        <p:nvPr/>
+      </p:nvGrpSpPr>
+      <p:grpSpPr>
+        <a:xfrm>
+          <a:off x="0" y="0"/>
+          <a:ext cx="0" cy="0"/>
+          <a:chOff x="0" y="0"/>
+          <a:chExt cx="0" cy="0"/>
+        </a:xfrm>
+      </p:grpSpPr>
+      <p:sp>
+        <p:nvSpPr>
+          <p:cNvPr id="2" name="タイトル 1"/>
+          <p:cNvSpPr>
+            <a:spLocks noGrp="1"/>
+          </p:cNvSpPr>
+          <p:nvPr>
+            <p:ph type="title"/>
+          </p:nvPr>
+        </p:nvSpPr>
+        <p:spPr/>
+        <p:txBody>
+          <a:bodyPr>
+            <a:normAutofit fontScale="90000"/>
+          </a:bodyPr>
+          <a:lstStyle/>
+          <a:p>
+            <a:r>
+              <a:rPr kumimoji="1" lang="ja-JP" altLang="en-US" dirty="0" smtClean="0"/>
+              <a:t>統計的手法のテスト</a:t>
+            </a:r>
+            <a:endParaRPr kumimoji="1" lang="ja-JP" altLang="en-US" dirty="0"/>
           </a:p>
         </p:txBody>
       </p:sp>
@@ -5995,7 +6927,7 @@
           <a:p>
             <a:fld id="{2066355A-084C-D24E-9AD2-7E4FC41EA627}" type="slidenum">
               <a:rPr lang="en-US" smtClean="0"/>
-              <a:t>15</a:t>
+              <a:t>17</a:t>
             </a:fld>
             <a:endParaRPr lang="en-US"/>
           </a:p>
@@ -6268,60 +7200,12 @@
         </p:nvGrpSpPr>
         <p:grpSpPr>
           <a:xfrm>
-            <a:off x="6201435" y="1727038"/>
-            <a:ext cx="3107865" cy="4390639"/>
-            <a:chOff x="6201435" y="1727038"/>
-            <a:chExt cx="3107865" cy="4390639"/>
+            <a:off x="6714151" y="2972608"/>
+            <a:ext cx="2419351" cy="3145069"/>
+            <a:chOff x="6714151" y="2972608"/>
+            <a:chExt cx="2419351" cy="3145069"/>
           </a:xfrm>
         </p:grpSpPr>
-        <p:sp>
-          <p:nvSpPr>
-            <p:cNvPr id="177" name="下矢印 176"/>
-            <p:cNvSpPr/>
-            <p:nvPr/>
-          </p:nvSpPr>
-          <p:spPr>
-            <a:xfrm>
-              <a:off x="7369711" y="2161112"/>
-              <a:ext cx="484632" cy="753327"/>
-            </a:xfrm>
-            <a:prstGeom prst="downArrow">
-              <a:avLst/>
-            </a:prstGeom>
-            <a:solidFill>
-              <a:schemeClr val="accent5">
-                <a:lumMod val="60000"/>
-                <a:lumOff val="40000"/>
-              </a:schemeClr>
-            </a:solidFill>
-            <a:ln>
-              <a:noFill/>
-            </a:ln>
-            <a:effectLst/>
-          </p:spPr>
-          <p:style>
-            <a:lnRef idx="1">
-              <a:schemeClr val="accent1"/>
-            </a:lnRef>
-            <a:fillRef idx="3">
-              <a:schemeClr val="accent1"/>
-            </a:fillRef>
-            <a:effectRef idx="2">
-              <a:schemeClr val="accent1"/>
-            </a:effectRef>
-            <a:fontRef idx="minor">
-              <a:schemeClr val="lt1"/>
-            </a:fontRef>
-          </p:style>
-          <p:txBody>
-            <a:bodyPr rtlCol="0" anchor="ctr"/>
-            <a:lstStyle/>
-            <a:p>
-              <a:pPr algn="ctr"/>
-              <a:endParaRPr kumimoji="1" lang="ja-JP" altLang="en-US" dirty="0"/>
-            </a:p>
-          </p:txBody>
-        </p:sp>
         <p:sp>
           <p:nvSpPr>
             <p:cNvPr id="176" name="下矢印 175"/>
@@ -6439,51 +7323,6 @@
         </p:sp>
         <p:sp>
           <p:nvSpPr>
-            <p:cNvPr id="181" name="テキスト ボックス 180"/>
-            <p:cNvSpPr txBox="1"/>
-            <p:nvPr/>
-          </p:nvSpPr>
-          <p:spPr>
-            <a:xfrm>
-              <a:off x="6201435" y="1727038"/>
-              <a:ext cx="3107865" cy="369332"/>
-            </a:xfrm>
-            <a:prstGeom prst="rect">
-              <a:avLst/>
-            </a:prstGeom>
-            <a:noFill/>
-          </p:spPr>
-          <p:txBody>
-            <a:bodyPr wrap="square" rtlCol="0">
-              <a:spAutoFit/>
-            </a:bodyPr>
-            <a:lstStyle/>
-            <a:p>
-              <a:r>
-                <a:rPr kumimoji="1" lang="ja-JP" altLang="en-US" dirty="0" smtClean="0"/>
-                <a:t>原始惑星系円盤誕生（</a:t>
-              </a:r>
-              <a:r>
-                <a:rPr kumimoji="1" lang="en-US" altLang="ja-JP" dirty="0">
-                  <a:latin typeface="Helvetica"/>
-                  <a:cs typeface="Helvetica"/>
-                </a:rPr>
-                <a:t>0</a:t>
-              </a:r>
-              <a:r>
-                <a:rPr kumimoji="1" lang="ja-JP" altLang="en-US" dirty="0" smtClean="0"/>
-                <a:t>歳</a:t>
-              </a:r>
-              <a:r>
-                <a:rPr kumimoji="1" lang="ja-JP" altLang="en-US" dirty="0" smtClean="0"/>
-                <a:t>）</a:t>
-              </a:r>
-              <a:endParaRPr kumimoji="1" lang="ja-JP" altLang="en-US" dirty="0"/>
-            </a:p>
-          </p:txBody>
-        </p:sp>
-        <p:sp>
-          <p:nvSpPr>
             <p:cNvPr id="166" name="テキスト ボックス 165"/>
             <p:cNvSpPr txBox="1"/>
             <p:nvPr/>
@@ -6520,8 +7359,8 @@
         </p:nvSpPr>
         <p:spPr>
           <a:xfrm>
-            <a:off x="549761" y="1150310"/>
-            <a:ext cx="6641049" cy="369332"/>
+            <a:off x="406392" y="1013022"/>
+            <a:ext cx="5827236" cy="400110"/>
           </a:xfrm>
           <a:prstGeom prst="rect">
             <a:avLst/>
@@ -6540,18 +7379,22 @@
           <a:lstStyle/>
           <a:p>
             <a:r>
-              <a:rPr kumimoji="1" lang="ja-JP" altLang="en-US" dirty="0"/>
+              <a:rPr kumimoji="1" lang="ja-JP" altLang="en-US" sz="2000" dirty="0"/>
               <a:t>巨大衝突</a:t>
             </a:r>
             <a:r>
-              <a:rPr kumimoji="1" lang="ja-JP" altLang="en-US" dirty="0" smtClean="0"/>
+              <a:rPr kumimoji="1" lang="ja-JP" altLang="en-US" sz="2000" dirty="0" smtClean="0"/>
               <a:t>ステージ</a:t>
             </a:r>
             <a:r>
-              <a:rPr kumimoji="1" lang="ja-JP" altLang="en-US" dirty="0" smtClean="0"/>
-              <a:t>：火星サイズの原始惑星が合体成長する段階</a:t>
-            </a:r>
-            <a:endParaRPr kumimoji="1" lang="ja-JP" altLang="en-US" dirty="0"/>
+              <a:rPr kumimoji="1" lang="ja-JP" altLang="en-US" sz="2000" dirty="0" smtClean="0"/>
+              <a:t>：原始</a:t>
+            </a:r>
+            <a:r>
+              <a:rPr kumimoji="1" lang="ja-JP" altLang="en-US" sz="2000" dirty="0" smtClean="0"/>
+              <a:t>惑星が合体成長する段階</a:t>
+            </a:r>
+            <a:endParaRPr kumimoji="1" lang="ja-JP" altLang="en-US" sz="2000" dirty="0"/>
           </a:p>
         </p:txBody>
       </p:sp>
@@ -6924,8 +7767,8 @@
           </p:nvSpPr>
           <p:spPr>
             <a:xfrm>
-              <a:off x="4065806" y="4516509"/>
-              <a:ext cx="1338828" cy="369332"/>
+              <a:off x="3293426" y="4516509"/>
+              <a:ext cx="2884887" cy="369332"/>
             </a:xfrm>
             <a:prstGeom prst="rect">
               <a:avLst/>
@@ -6940,7 +7783,26 @@
             <a:p>
               <a:r>
                 <a:rPr kumimoji="1" lang="ja-JP" altLang="en-US" dirty="0" smtClean="0"/>
-                <a:t>地球型惑星</a:t>
+                <a:t>地球型</a:t>
+              </a:r>
+              <a:r>
+                <a:rPr kumimoji="1" lang="ja-JP" altLang="en-US" dirty="0" smtClean="0"/>
+                <a:t>惑星</a:t>
+              </a:r>
+              <a:r>
+                <a:rPr kumimoji="1" lang="ja-JP" altLang="en-US" dirty="0" smtClean="0"/>
+                <a:t>（</a:t>
+              </a:r>
+              <a:r>
+                <a:rPr kumimoji="1" lang="en-US" altLang="ja-JP" dirty="0" smtClean="0">
+                  <a:latin typeface="Helvetica"/>
+                  <a:cs typeface="Helvetica"/>
+                </a:rPr>
+                <a:t>~10000km</a:t>
+              </a:r>
+              <a:r>
+                <a:rPr kumimoji="1" lang="ja-JP" altLang="en-US" dirty="0" smtClean="0"/>
+                <a:t>）</a:t>
               </a:r>
               <a:endParaRPr kumimoji="1" lang="ja-JP" altLang="en-US" dirty="0"/>
             </a:p>
@@ -7822,8 +8684,8 @@
           </p:nvSpPr>
           <p:spPr>
             <a:xfrm>
-              <a:off x="4148893" y="1859726"/>
-              <a:ext cx="1107996" cy="369332"/>
+              <a:off x="3565317" y="1859726"/>
+              <a:ext cx="2525676" cy="369332"/>
             </a:xfrm>
             <a:prstGeom prst="rect">
               <a:avLst/>
@@ -7838,7 +8700,26 @@
             <a:p>
               <a:r>
                 <a:rPr kumimoji="1" lang="ja-JP" altLang="en-US" dirty="0" smtClean="0"/>
-                <a:t>原始惑星</a:t>
+                <a:t>原始</a:t>
+              </a:r>
+              <a:r>
+                <a:rPr kumimoji="1" lang="ja-JP" altLang="en-US" dirty="0" smtClean="0"/>
+                <a:t>惑星</a:t>
+              </a:r>
+              <a:r>
+                <a:rPr kumimoji="1" lang="ja-JP" altLang="en-US" dirty="0" smtClean="0"/>
+                <a:t>（</a:t>
+              </a:r>
+              <a:r>
+                <a:rPr kumimoji="1" lang="en-US" altLang="ja-JP" dirty="0" smtClean="0">
+                  <a:latin typeface="Helvetica"/>
+                  <a:cs typeface="Helvetica"/>
+                </a:rPr>
+                <a:t>~1000km</a:t>
+              </a:r>
+              <a:r>
+                <a:rPr kumimoji="1" lang="ja-JP" altLang="en-US" dirty="0" smtClean="0"/>
+                <a:t>）</a:t>
               </a:r>
               <a:endParaRPr kumimoji="1" lang="ja-JP" altLang="en-US" dirty="0"/>
             </a:p>
@@ -10790,8 +11671,8 @@
           </p:nvSpPr>
           <p:spPr>
             <a:xfrm>
-              <a:off x="3867301" y="3153410"/>
-              <a:ext cx="1800493" cy="369332"/>
+              <a:off x="3919279" y="3153410"/>
+              <a:ext cx="2217411" cy="369332"/>
             </a:xfrm>
             <a:prstGeom prst="rect">
               <a:avLst/>
@@ -10806,13 +11687,155 @@
             <a:p>
               <a:r>
                 <a:rPr kumimoji="1" lang="ja-JP" altLang="en-US" dirty="0" smtClean="0"/>
-                <a:t>衝突に伴う破片</a:t>
+                <a:t>破片</a:t>
+              </a:r>
+              <a:r>
+                <a:rPr kumimoji="1" lang="ja-JP" altLang="en-US" dirty="0" smtClean="0"/>
+                <a:t>（</a:t>
+              </a:r>
+              <a:r>
+                <a:rPr kumimoji="1" lang="en-US" altLang="ja-JP" dirty="0" smtClean="0">
+                  <a:latin typeface="Helvetica"/>
+                  <a:cs typeface="Helvetica"/>
+                </a:rPr>
+                <a:t>~</a:t>
+              </a:r>
+              <a:r>
+                <a:rPr kumimoji="1" lang="en-US" altLang="ja-JP" dirty="0">
+                  <a:latin typeface="Helvetica"/>
+                  <a:cs typeface="Helvetica"/>
+                </a:rPr>
+                <a:t>1</a:t>
+              </a:r>
+              <a:r>
+                <a:rPr kumimoji="1" lang="en-US" altLang="ja-JP" dirty="0" smtClean="0">
+                  <a:latin typeface="Helvetica"/>
+                  <a:cs typeface="Helvetica"/>
+                </a:rPr>
+                <a:t>μm-1km</a:t>
+              </a:r>
+              <a:r>
+                <a:rPr kumimoji="1" lang="ja-JP" altLang="en-US" dirty="0" smtClean="0"/>
+                <a:t>）</a:t>
               </a:r>
               <a:endParaRPr kumimoji="1" lang="ja-JP" altLang="en-US" dirty="0"/>
             </a:p>
           </p:txBody>
         </p:sp>
       </p:grpSp>
+      <p:sp>
+        <p:nvSpPr>
+          <p:cNvPr id="3" name="テキスト ボックス 2"/>
+          <p:cNvSpPr txBox="1"/>
+          <p:nvPr/>
+        </p:nvSpPr>
+        <p:spPr>
+          <a:xfrm>
+            <a:off x="655730" y="1552711"/>
+            <a:ext cx="7981102" cy="369332"/>
+          </a:xfrm>
+          <a:prstGeom prst="rect">
+            <a:avLst/>
+          </a:prstGeom>
+          <a:noFill/>
+        </p:spPr>
+        <p:txBody>
+          <a:bodyPr wrap="none" rtlCol="0">
+            <a:spAutoFit/>
+          </a:bodyPr>
+          <a:lstStyle/>
+          <a:p>
+            <a:r>
+              <a:rPr kumimoji="1" lang="ja-JP" altLang="en-US" dirty="0" smtClean="0"/>
+              <a:t>太陽誕生（</a:t>
+            </a:r>
+            <a:r>
+              <a:rPr kumimoji="1" lang="en-US" altLang="ja-JP" dirty="0" smtClean="0">
+                <a:latin typeface="Helvetica"/>
+                <a:cs typeface="Helvetica"/>
+              </a:rPr>
+              <a:t>0</a:t>
+            </a:r>
+            <a:r>
+              <a:rPr kumimoji="1" lang="ja-JP" altLang="en-US" dirty="0" smtClean="0"/>
+              <a:t>歳）から</a:t>
+            </a:r>
+            <a:r>
+              <a:rPr kumimoji="1" lang="en-US" altLang="ja-JP" dirty="0">
+                <a:latin typeface="Helvetica"/>
+                <a:cs typeface="Helvetica"/>
+              </a:rPr>
+              <a:t>10</a:t>
+            </a:r>
+            <a:r>
+              <a:rPr kumimoji="1" lang="en-US" altLang="ja-JP" baseline="30000" dirty="0">
+                <a:latin typeface="Helvetica"/>
+                <a:cs typeface="Helvetica"/>
+              </a:rPr>
+              <a:t>6</a:t>
+            </a:r>
+            <a:r>
+              <a:rPr kumimoji="1" lang="en-US" altLang="ja-JP" dirty="0">
+                <a:latin typeface="Helvetica"/>
+                <a:cs typeface="Helvetica"/>
+              </a:rPr>
+              <a:t>-</a:t>
+            </a:r>
+            <a:r>
+              <a:rPr kumimoji="1" lang="en-US" altLang="ja-JP" dirty="0" smtClean="0">
+                <a:latin typeface="Helvetica"/>
+                <a:cs typeface="Helvetica"/>
+              </a:rPr>
+              <a:t>10</a:t>
+            </a:r>
+            <a:r>
+              <a:rPr kumimoji="1" lang="en-US" altLang="ja-JP" baseline="30000" dirty="0" smtClean="0">
+                <a:latin typeface="Helvetica"/>
+                <a:cs typeface="Helvetica"/>
+              </a:rPr>
+              <a:t>7</a:t>
+            </a:r>
+            <a:r>
+              <a:rPr kumimoji="1" lang="ja-JP" altLang="en-US" dirty="0" smtClean="0">
+                <a:latin typeface="Helvetica"/>
+                <a:cs typeface="Helvetica"/>
+              </a:rPr>
+              <a:t>年ほどで、火星サイズの原始惑星が形成される</a:t>
+            </a:r>
+            <a:endParaRPr kumimoji="1" lang="en-US" altLang="ja-JP" dirty="0" smtClean="0"/>
+          </a:p>
+        </p:txBody>
+      </p:sp>
+      <p:sp>
+        <p:nvSpPr>
+          <p:cNvPr id="7" name="テキスト ボックス 6"/>
+          <p:cNvSpPr txBox="1"/>
+          <p:nvPr/>
+        </p:nvSpPr>
+        <p:spPr>
+          <a:xfrm>
+            <a:off x="655730" y="2086108"/>
+            <a:ext cx="5256055" cy="369332"/>
+          </a:xfrm>
+          <a:prstGeom prst="rect">
+            <a:avLst/>
+          </a:prstGeom>
+          <a:noFill/>
+        </p:spPr>
+        <p:txBody>
+          <a:bodyPr wrap="none" rtlCol="0">
+            <a:spAutoFit/>
+          </a:bodyPr>
+          <a:lstStyle/>
+          <a:p>
+            <a:r>
+              <a:rPr kumimoji="1" lang="ja-JP" altLang="en-US" dirty="0" smtClean="0"/>
+              <a:t>衝突の際には合体だけでなく破壊も起こっている</a:t>
+            </a:r>
+            <a:endParaRPr kumimoji="1" lang="ja-JP" altLang="en-US" dirty="0"/>
+          </a:p>
+        </p:txBody>
+      </p:sp>
     </p:spTree>
     <p:extLst>
       <p:ext uri="{BB962C8B-B14F-4D97-AF65-F5344CB8AC3E}">
@@ -10912,11 +11935,7 @@
           <a:p>
             <a:r>
               <a:rPr kumimoji="1" lang="ja-JP" altLang="en-US" dirty="0" smtClean="0"/>
-              <a:t>太陽</a:t>
-            </a:r>
-            <a:r>
-              <a:rPr kumimoji="1" lang="ja-JP" altLang="en-US" dirty="0" smtClean="0"/>
-              <a:t>系外における巨大衝突ステージ</a:t>
+              <a:t>太陽系外における巨大衝突ステージ</a:t>
             </a:r>
             <a:endParaRPr kumimoji="1" lang="ja-JP" altLang="en-US" dirty="0"/>
           </a:p>
@@ -11019,11 +12038,7 @@
           <a:p>
             <a:r>
               <a:rPr kumimoji="1" lang="ja-JP" altLang="en-US" dirty="0" smtClean="0"/>
-              <a:t>一方、太陽系外で起こる巨大衝突ステージで</a:t>
-            </a:r>
-            <a:r>
-              <a:rPr kumimoji="1" lang="ja-JP" altLang="en-US" dirty="0" smtClean="0"/>
-              <a:t>は</a:t>
+              <a:t>一方、太陽系外で起こる巨大衝突ステージでは</a:t>
             </a:r>
             <a:endParaRPr kumimoji="1" lang="ja-JP" altLang="en-US" dirty="0"/>
           </a:p>
@@ -11063,14 +12078,7 @@
                 <a:latin typeface="Helvetica"/>
                 <a:cs typeface="Helvetica"/>
               </a:rPr>
-              <a:t>redit </a:t>
-            </a:r>
-            <a:r>
-              <a:rPr kumimoji="1" lang="en-US" altLang="ja-JP" sz="1400" dirty="0" smtClean="0">
-                <a:latin typeface="Helvetica"/>
-                <a:cs typeface="Helvetica"/>
-              </a:rPr>
-              <a:t>: </a:t>
+              <a:t>redit : </a:t>
             </a:r>
             <a:r>
               <a:rPr lang="en-US" altLang="ja-JP" sz="1400" dirty="0" smtClean="0">
@@ -11141,14 +12149,7 @@
                 <a:latin typeface="Helvetica"/>
                 <a:cs typeface="Helvetica"/>
               </a:rPr>
-              <a:t> @1.3</a:t>
-            </a:r>
-            <a:r>
-              <a:rPr kumimoji="1" lang="en-US" altLang="ja-JP" sz="1400" dirty="0" smtClean="0">
-                <a:latin typeface="Helvetica"/>
-                <a:cs typeface="Helvetica"/>
-              </a:rPr>
-              <a:t>μm</a:t>
+              <a:t> @1.3μm</a:t>
             </a:r>
             <a:endParaRPr kumimoji="1" lang="ja-JP" altLang="en-US" sz="1400" dirty="0">
               <a:latin typeface="Helvetica"/>
@@ -11166,7 +12167,7 @@
           <p:nvPr/>
         </p:nvPicPr>
         <p:blipFill>
-          <a:blip r:embed="rId2">
+          <a:blip r:embed="rId3">
             <a:extLst>
               <a:ext uri="{28A0092B-C50C-407E-A947-70E740481C1C}">
                 <a14:useLocalDpi xmlns:a14="http://schemas.microsoft.com/office/drawing/2010/main" val="0"/>
@@ -19921,7 +20922,7 @@
           <p:nvPr/>
         </p:nvPicPr>
         <p:blipFill>
-          <a:blip r:embed="rId3">
+          <a:blip r:embed="rId4">
             <a:extLst>
               <a:ext uri="{28A0092B-C50C-407E-A947-70E740481C1C}">
                 <a14:useLocalDpi xmlns:a14="http://schemas.microsoft.com/office/drawing/2010/main" val="0"/>
@@ -19983,14 +20984,7 @@
                 <a:latin typeface="Helvetica"/>
                 <a:cs typeface="Helvetica"/>
               </a:rPr>
-              <a:t>@0.6</a:t>
-            </a:r>
-            <a:r>
-              <a:rPr lang="en-US" altLang="ja-JP" sz="1400" dirty="0" smtClean="0">
-                <a:latin typeface="Helvetica"/>
-                <a:cs typeface="Helvetica"/>
-              </a:rPr>
-              <a:t>μm</a:t>
+              <a:t>@0.6μm</a:t>
             </a:r>
             <a:endParaRPr kumimoji="1" lang="ja-JP" altLang="en-US" sz="1400" dirty="0">
               <a:latin typeface="Helvetica"/>
@@ -20473,11 +21467,7 @@
             </a:r>
             <a:r>
               <a:rPr kumimoji="1" lang="ja-JP" altLang="en-US" dirty="0" smtClean="0"/>
-              <a:t>輻射圧</a:t>
-            </a:r>
-            <a:r>
-              <a:rPr kumimoji="1" lang="ja-JP" altLang="en-US" dirty="0" smtClean="0"/>
-              <a:t>によって円盤から取り除かれる</a:t>
+              <a:t>輻射圧によって円盤から取り除かれる</a:t>
             </a:r>
             <a:endParaRPr kumimoji="1" lang="ja-JP" altLang="en-US" dirty="0"/>
           </a:p>
@@ -20937,7 +21927,7 @@
             <p:nvPr/>
           </p:nvPicPr>
           <p:blipFill>
-            <a:blip r:embed="rId2">
+            <a:blip r:embed="rId3">
               <a:extLst>
                 <a:ext uri="{28A0092B-C50C-407E-A947-70E740481C1C}">
                   <a14:useLocalDpi xmlns:a14="http://schemas.microsoft.com/office/drawing/2010/main" val="0"/>
@@ -20982,7 +21972,7 @@
             <p:nvPr/>
           </p:nvPicPr>
           <p:blipFill>
-            <a:blip r:embed="rId3">
+            <a:blip r:embed="rId4">
               <a:extLst>
                 <a:ext uri="{28A0092B-C50C-407E-A947-70E740481C1C}">
                   <a14:useLocalDpi xmlns:a14="http://schemas.microsoft.com/office/drawing/2010/main" val="0"/>
@@ -21087,7 +22077,7 @@
             <p:nvPr/>
           </p:nvPicPr>
           <p:blipFill>
-            <a:blip r:embed="rId4">
+            <a:blip r:embed="rId5">
               <a:extLst>
                 <a:ext uri="{28A0092B-C50C-407E-A947-70E740481C1C}">
                   <a14:useLocalDpi xmlns:a14="http://schemas.microsoft.com/office/drawing/2010/main" val="0"/>
@@ -21688,6 +22678,42 @@
           </a:p>
         </p:txBody>
       </p:sp>
+      <p:sp>
+        <p:nvSpPr>
+          <p:cNvPr id="3" name="テキスト ボックス 2"/>
+          <p:cNvSpPr txBox="1"/>
+          <p:nvPr/>
+        </p:nvSpPr>
+        <p:spPr>
+          <a:xfrm>
+            <a:off x="5822275" y="3293921"/>
+            <a:ext cx="2929007" cy="369332"/>
+          </a:xfrm>
+          <a:prstGeom prst="rect">
+            <a:avLst/>
+          </a:prstGeom>
+          <a:noFill/>
+        </p:spPr>
+        <p:txBody>
+          <a:bodyPr wrap="none" rtlCol="0">
+            <a:spAutoFit/>
+          </a:bodyPr>
+          <a:lstStyle/>
+          <a:p>
+            <a:r>
+              <a:rPr kumimoji="1" lang="en-US" altLang="ja-JP" dirty="0" smtClean="0">
+                <a:latin typeface="Helvetica"/>
+                <a:cs typeface="Helvetica"/>
+              </a:rPr>
+              <a:t>Kobayashi &amp; Tanaka, 2015</a:t>
+            </a:r>
+            <a:endParaRPr kumimoji="1" lang="ja-JP" altLang="en-US" dirty="0">
+              <a:latin typeface="Helvetica"/>
+              <a:cs typeface="Helvetica"/>
+            </a:endParaRPr>
+          </a:p>
+        </p:txBody>
+      </p:sp>
     </p:spTree>
     <p:extLst>
       <p:ext uri="{BB962C8B-B14F-4D97-AF65-F5344CB8AC3E}">
@@ -21965,7 +22991,7 @@
             </a:pPr>
             <a:r>
               <a:rPr kumimoji="1" lang="ja-JP" altLang="en-US" dirty="0" smtClean="0"/>
-              <a:t>では、デブリ円盤の中に惑星が存在する／しないことを確かめる、また惑星の軌道を特定するにはどうすればよいか？</a:t>
+              <a:t>では、デブリ円盤の中に惑星が存在する／しないことを確かめるには、また惑星の軌道を特定するにはどうすればよいか？</a:t>
             </a:r>
             <a:endParaRPr kumimoji="1" lang="ja-JP" altLang="en-US" dirty="0"/>
           </a:p>
@@ -22091,13 +23117,18 @@
         </p:nvSpPr>
         <p:spPr>
           <a:xfrm>
-            <a:off x="663326" y="5171477"/>
-            <a:ext cx="7953907" cy="646331"/>
+            <a:off x="625491" y="5171477"/>
+            <a:ext cx="7953907" cy="923330"/>
           </a:xfrm>
           <a:prstGeom prst="rect">
             <a:avLst/>
           </a:prstGeom>
           <a:noFill/>
+          <a:ln>
+            <a:solidFill>
+              <a:srgbClr val="FF0000"/>
+            </a:solidFill>
+          </a:ln>
         </p:spPr>
         <p:txBody>
           <a:bodyPr wrap="square" rtlCol="0">
@@ -22107,7 +23138,7 @@
           <a:p>
             <a:r>
               <a:rPr kumimoji="1" lang="ja-JP" altLang="en-US" dirty="0" smtClean="0"/>
-              <a:t>デブリ円盤内の破片と惑星との力学的共鳴現象、そして破片の衝突破壊現象を</a:t>
+              <a:t>デブリ円盤内の破片と惑星との力学的共鳴現象、そして破片同士の衝突破壊現象を同時に扱うことができる数値計算法を開発し、衝突破壊時の破片はどのように振る舞うのかを調べる</a:t>
             </a:r>
             <a:endParaRPr kumimoji="1" lang="ja-JP" altLang="en-US" dirty="0"/>
           </a:p>
@@ -22207,25 +23238,6 @@
       </p:sp>
       <p:sp>
         <p:nvSpPr>
-          <p:cNvPr id="3" name="コンテンツ プレースホルダー 2"/>
-          <p:cNvSpPr>
-            <a:spLocks noGrp="1"/>
-          </p:cNvSpPr>
-          <p:nvPr>
-            <p:ph idx="1"/>
-          </p:nvPr>
-        </p:nvSpPr>
-        <p:spPr/>
-        <p:txBody>
-          <a:bodyPr/>
-          <a:lstStyle/>
-          <a:p>
-            <a:endParaRPr kumimoji="1" lang="ja-JP" altLang="en-US"/>
-          </a:p>
-        </p:txBody>
-      </p:sp>
-      <p:sp>
-        <p:nvSpPr>
           <p:cNvPr id="4" name="日付プレースホルダー 3"/>
           <p:cNvSpPr>
             <a:spLocks noGrp="1"/>
@@ -22293,6 +23305,1566 @@
           </a:p>
         </p:txBody>
       </p:sp>
+      <p:sp>
+        <p:nvSpPr>
+          <p:cNvPr id="9" name="テキスト ボックス 8"/>
+          <p:cNvSpPr txBox="1"/>
+          <p:nvPr/>
+        </p:nvSpPr>
+        <p:spPr>
+          <a:xfrm>
+            <a:off x="677333" y="2568222"/>
+            <a:ext cx="184666" cy="369332"/>
+          </a:xfrm>
+          <a:prstGeom prst="rect">
+            <a:avLst/>
+          </a:prstGeom>
+          <a:noFill/>
+        </p:spPr>
+        <p:txBody>
+          <a:bodyPr wrap="none" rtlCol="0">
+            <a:spAutoFit/>
+          </a:bodyPr>
+          <a:lstStyle/>
+          <a:p>
+            <a:endParaRPr kumimoji="1" lang="ja-JP" altLang="en-US" dirty="0"/>
+          </a:p>
+        </p:txBody>
+      </p:sp>
+      <p:grpSp>
+        <p:nvGrpSpPr>
+          <p:cNvPr id="22" name="図形グループ 21"/>
+          <p:cNvGrpSpPr/>
+          <p:nvPr/>
+        </p:nvGrpSpPr>
+        <p:grpSpPr>
+          <a:xfrm>
+            <a:off x="503511" y="1273560"/>
+            <a:ext cx="7252662" cy="461665"/>
+            <a:chOff x="503511" y="1990469"/>
+            <a:chExt cx="7252662" cy="461665"/>
+          </a:xfrm>
+        </p:grpSpPr>
+        <p:sp>
+          <p:nvSpPr>
+            <p:cNvPr id="19" name="テキスト ボックス 18"/>
+            <p:cNvSpPr txBox="1"/>
+            <p:nvPr/>
+          </p:nvSpPr>
+          <p:spPr>
+            <a:xfrm>
+              <a:off x="503511" y="1990469"/>
+              <a:ext cx="4763083" cy="461665"/>
+            </a:xfrm>
+            <a:prstGeom prst="rect">
+              <a:avLst/>
+            </a:prstGeom>
+            <a:noFill/>
+          </p:spPr>
+          <p:txBody>
+            <a:bodyPr wrap="square" rtlCol="0">
+              <a:spAutoFit/>
+            </a:bodyPr>
+            <a:lstStyle/>
+            <a:p>
+              <a:r>
+                <a:rPr kumimoji="1" lang="en-US" altLang="ja-JP" sz="2400" b="1" dirty="0" smtClean="0">
+                  <a:latin typeface="+mn-ea"/>
+                </a:rPr>
+                <a:t>N</a:t>
+              </a:r>
+              <a:r>
+                <a:rPr kumimoji="1" lang="ja-JP" altLang="en-US" sz="2400" b="1" dirty="0" smtClean="0">
+                  <a:latin typeface="+mn-ea"/>
+                </a:rPr>
+                <a:t>体計算（４次のエルミート法）</a:t>
+              </a:r>
+              <a:endParaRPr kumimoji="1" lang="ja-JP" altLang="en-US" sz="2400" b="1" dirty="0">
+                <a:latin typeface="+mn-ea"/>
+              </a:endParaRPr>
+            </a:p>
+          </p:txBody>
+        </p:sp>
+        <p:sp>
+          <p:nvSpPr>
+            <p:cNvPr id="20" name="テキスト ボックス 19"/>
+            <p:cNvSpPr txBox="1"/>
+            <p:nvPr/>
+          </p:nvSpPr>
+          <p:spPr>
+            <a:xfrm>
+              <a:off x="6019800" y="1990469"/>
+              <a:ext cx="1736373" cy="461665"/>
+            </a:xfrm>
+            <a:prstGeom prst="rect">
+              <a:avLst/>
+            </a:prstGeom>
+            <a:noFill/>
+          </p:spPr>
+          <p:txBody>
+            <a:bodyPr wrap="none" rtlCol="0">
+              <a:spAutoFit/>
+            </a:bodyPr>
+            <a:lstStyle/>
+            <a:p>
+              <a:r>
+                <a:rPr kumimoji="1" lang="ja-JP" altLang="en-US" sz="2400" b="1" dirty="0" smtClean="0"/>
+                <a:t>統計的計算</a:t>
+              </a:r>
+              <a:endParaRPr kumimoji="1" lang="ja-JP" altLang="en-US" sz="2400" b="1" dirty="0"/>
+            </a:p>
+          </p:txBody>
+        </p:sp>
+        <p:sp>
+          <p:nvSpPr>
+            <p:cNvPr id="21" name="テキスト ボックス 20"/>
+            <p:cNvSpPr txBox="1"/>
+            <p:nvPr/>
+          </p:nvSpPr>
+          <p:spPr>
+            <a:xfrm>
+              <a:off x="5235268" y="1990469"/>
+              <a:ext cx="492443" cy="461665"/>
+            </a:xfrm>
+            <a:prstGeom prst="rect">
+              <a:avLst/>
+            </a:prstGeom>
+            <a:noFill/>
+          </p:spPr>
+          <p:txBody>
+            <a:bodyPr wrap="none" rtlCol="0">
+              <a:spAutoFit/>
+            </a:bodyPr>
+            <a:lstStyle/>
+            <a:p>
+              <a:r>
+                <a:rPr kumimoji="1" lang="ja-JP" altLang="en-US" sz="2400" b="1" dirty="0" smtClean="0"/>
+                <a:t>＋</a:t>
+              </a:r>
+              <a:endParaRPr kumimoji="1" lang="ja-JP" altLang="en-US" sz="2400" b="1" dirty="0"/>
+            </a:p>
+          </p:txBody>
+        </p:sp>
+      </p:grpSp>
+      <p:cxnSp>
+        <p:nvCxnSpPr>
+          <p:cNvPr id="51" name="直線コネクタ 50"/>
+          <p:cNvCxnSpPr/>
+          <p:nvPr/>
+        </p:nvCxnSpPr>
+        <p:spPr>
+          <a:xfrm>
+            <a:off x="553095" y="1735226"/>
+            <a:ext cx="1270071" cy="0"/>
+          </a:xfrm>
+          <a:prstGeom prst="line">
+            <a:avLst/>
+          </a:prstGeom>
+          <a:ln>
+            <a:solidFill>
+              <a:srgbClr val="FF0000"/>
+            </a:solidFill>
+          </a:ln>
+          <a:effectLst/>
+        </p:spPr>
+        <p:style>
+          <a:lnRef idx="2">
+            <a:schemeClr val="accent1"/>
+          </a:lnRef>
+          <a:fillRef idx="0">
+            <a:schemeClr val="accent1"/>
+          </a:fillRef>
+          <a:effectRef idx="1">
+            <a:schemeClr val="accent1"/>
+          </a:effectRef>
+          <a:fontRef idx="minor">
+            <a:schemeClr val="tx1"/>
+          </a:fontRef>
+        </p:style>
+      </p:cxnSp>
+      <p:cxnSp>
+        <p:nvCxnSpPr>
+          <p:cNvPr id="55" name="直線コネクタ 54"/>
+          <p:cNvCxnSpPr/>
+          <p:nvPr/>
+        </p:nvCxnSpPr>
+        <p:spPr>
+          <a:xfrm>
+            <a:off x="6087603" y="1735225"/>
+            <a:ext cx="1619355" cy="0"/>
+          </a:xfrm>
+          <a:prstGeom prst="line">
+            <a:avLst/>
+          </a:prstGeom>
+          <a:ln>
+            <a:solidFill>
+              <a:srgbClr val="0000FF"/>
+            </a:solidFill>
+          </a:ln>
+          <a:effectLst/>
+        </p:spPr>
+        <p:style>
+          <a:lnRef idx="2">
+            <a:schemeClr val="accent1"/>
+          </a:lnRef>
+          <a:fillRef idx="0">
+            <a:schemeClr val="accent1"/>
+          </a:fillRef>
+          <a:effectRef idx="1">
+            <a:schemeClr val="accent1"/>
+          </a:effectRef>
+          <a:fontRef idx="minor">
+            <a:schemeClr val="tx1"/>
+          </a:fontRef>
+        </p:style>
+      </p:cxnSp>
+      <p:sp>
+        <p:nvSpPr>
+          <p:cNvPr id="57" name="左右矢印 56"/>
+          <p:cNvSpPr/>
+          <p:nvPr/>
+        </p:nvSpPr>
+        <p:spPr>
+          <a:xfrm>
+            <a:off x="4086768" y="2706766"/>
+            <a:ext cx="765479" cy="484632"/>
+          </a:xfrm>
+          <a:prstGeom prst="leftRightArrow">
+            <a:avLst/>
+          </a:prstGeom>
+          <a:solidFill>
+            <a:srgbClr val="FF0000"/>
+          </a:solidFill>
+          <a:ln>
+            <a:noFill/>
+          </a:ln>
+          <a:effectLst/>
+        </p:spPr>
+        <p:style>
+          <a:lnRef idx="1">
+            <a:schemeClr val="accent1"/>
+          </a:lnRef>
+          <a:fillRef idx="3">
+            <a:schemeClr val="accent1"/>
+          </a:fillRef>
+          <a:effectRef idx="2">
+            <a:schemeClr val="accent1"/>
+          </a:effectRef>
+          <a:fontRef idx="minor">
+            <a:schemeClr val="lt1"/>
+          </a:fontRef>
+        </p:style>
+        <p:txBody>
+          <a:bodyPr rtlCol="0" anchor="ctr"/>
+          <a:lstStyle/>
+          <a:p>
+            <a:pPr algn="ctr"/>
+            <a:endParaRPr kumimoji="1" lang="ja-JP" altLang="en-US" dirty="0"/>
+          </a:p>
+        </p:txBody>
+      </p:sp>
+      <p:grpSp>
+        <p:nvGrpSpPr>
+          <p:cNvPr id="64" name="図形グループ 63"/>
+          <p:cNvGrpSpPr/>
+          <p:nvPr/>
+        </p:nvGrpSpPr>
+        <p:grpSpPr>
+          <a:xfrm>
+            <a:off x="460918" y="2083494"/>
+            <a:ext cx="3513181" cy="2084817"/>
+            <a:chOff x="317516" y="2083494"/>
+            <a:chExt cx="3513181" cy="2084817"/>
+          </a:xfrm>
+        </p:grpSpPr>
+        <p:sp>
+          <p:nvSpPr>
+            <p:cNvPr id="24" name="円/楕円 23"/>
+            <p:cNvSpPr>
+              <a:spLocks noChangeAspect="1"/>
+            </p:cNvSpPr>
+            <p:nvPr/>
+          </p:nvSpPr>
+          <p:spPr>
+            <a:xfrm>
+              <a:off x="533358" y="2392180"/>
+              <a:ext cx="1097280" cy="1097280"/>
+            </a:xfrm>
+            <a:prstGeom prst="ellipse">
+              <a:avLst/>
+            </a:prstGeom>
+            <a:noFill/>
+            <a:ln w="31750">
+              <a:solidFill>
+                <a:schemeClr val="tx1"/>
+              </a:solidFill>
+            </a:ln>
+            <a:effectLst/>
+          </p:spPr>
+          <p:style>
+            <a:lnRef idx="1">
+              <a:schemeClr val="accent1"/>
+            </a:lnRef>
+            <a:fillRef idx="3">
+              <a:schemeClr val="accent1"/>
+            </a:fillRef>
+            <a:effectRef idx="2">
+              <a:schemeClr val="accent1"/>
+            </a:effectRef>
+            <a:fontRef idx="minor">
+              <a:schemeClr val="lt1"/>
+            </a:fontRef>
+          </p:style>
+          <p:txBody>
+            <a:bodyPr rtlCol="0" anchor="ctr"/>
+            <a:lstStyle/>
+            <a:p>
+              <a:pPr algn="ctr"/>
+              <a:endParaRPr kumimoji="1" lang="ja-JP" altLang="en-US" dirty="0"/>
+            </a:p>
+          </p:txBody>
+        </p:sp>
+        <p:sp>
+          <p:nvSpPr>
+            <p:cNvPr id="47" name="テキスト ボックス 46"/>
+            <p:cNvSpPr txBox="1"/>
+            <p:nvPr/>
+          </p:nvSpPr>
+          <p:spPr>
+            <a:xfrm>
+              <a:off x="421787" y="3626146"/>
+              <a:ext cx="1338828" cy="369332"/>
+            </a:xfrm>
+            <a:prstGeom prst="rect">
+              <a:avLst/>
+            </a:prstGeom>
+            <a:noFill/>
+          </p:spPr>
+          <p:txBody>
+            <a:bodyPr wrap="none" rtlCol="0">
+              <a:spAutoFit/>
+            </a:bodyPr>
+            <a:lstStyle/>
+            <a:p>
+              <a:r>
+                <a:rPr kumimoji="1" lang="ja-JP" altLang="en-US" dirty="0" smtClean="0"/>
+                <a:t>地球型惑星</a:t>
+              </a:r>
+              <a:endParaRPr kumimoji="1" lang="ja-JP" altLang="en-US" dirty="0"/>
+            </a:p>
+          </p:txBody>
+        </p:sp>
+        <p:sp>
+          <p:nvSpPr>
+            <p:cNvPr id="58" name="円/楕円 57"/>
+            <p:cNvSpPr>
+              <a:spLocks noChangeAspect="1"/>
+            </p:cNvSpPr>
+            <p:nvPr/>
+          </p:nvSpPr>
+          <p:spPr>
+            <a:xfrm>
+              <a:off x="2523307" y="2392180"/>
+              <a:ext cx="1097280" cy="1097280"/>
+            </a:xfrm>
+            <a:prstGeom prst="ellipse">
+              <a:avLst/>
+            </a:prstGeom>
+            <a:noFill/>
+            <a:ln w="31750">
+              <a:solidFill>
+                <a:schemeClr val="tx1"/>
+              </a:solidFill>
+            </a:ln>
+            <a:effectLst/>
+          </p:spPr>
+          <p:style>
+            <a:lnRef idx="1">
+              <a:schemeClr val="accent1"/>
+            </a:lnRef>
+            <a:fillRef idx="3">
+              <a:schemeClr val="accent1"/>
+            </a:fillRef>
+            <a:effectRef idx="2">
+              <a:schemeClr val="accent1"/>
+            </a:effectRef>
+            <a:fontRef idx="minor">
+              <a:schemeClr val="lt1"/>
+            </a:fontRef>
+          </p:style>
+          <p:txBody>
+            <a:bodyPr rtlCol="0" anchor="ctr"/>
+            <a:lstStyle/>
+            <a:p>
+              <a:pPr algn="ctr"/>
+              <a:endParaRPr kumimoji="1" lang="ja-JP" altLang="en-US" dirty="0"/>
+            </a:p>
+          </p:txBody>
+        </p:sp>
+        <p:sp>
+          <p:nvSpPr>
+            <p:cNvPr id="59" name="テキスト ボックス 58"/>
+            <p:cNvSpPr txBox="1"/>
+            <p:nvPr/>
+          </p:nvSpPr>
+          <p:spPr>
+            <a:xfrm>
+              <a:off x="2411736" y="3626146"/>
+              <a:ext cx="1338828" cy="369332"/>
+            </a:xfrm>
+            <a:prstGeom prst="rect">
+              <a:avLst/>
+            </a:prstGeom>
+            <a:noFill/>
+          </p:spPr>
+          <p:txBody>
+            <a:bodyPr wrap="none" rtlCol="0">
+              <a:spAutoFit/>
+            </a:bodyPr>
+            <a:lstStyle/>
+            <a:p>
+              <a:r>
+                <a:rPr kumimoji="1" lang="ja-JP" altLang="en-US" dirty="0" smtClean="0"/>
+                <a:t>地球型惑星</a:t>
+              </a:r>
+              <a:endParaRPr kumimoji="1" lang="ja-JP" altLang="en-US" dirty="0"/>
+            </a:p>
+          </p:txBody>
+        </p:sp>
+        <p:sp>
+          <p:nvSpPr>
+            <p:cNvPr id="60" name="角丸四角形 59"/>
+            <p:cNvSpPr/>
+            <p:nvPr/>
+          </p:nvSpPr>
+          <p:spPr>
+            <a:xfrm>
+              <a:off x="317516" y="2083494"/>
+              <a:ext cx="3513181" cy="2084817"/>
+            </a:xfrm>
+            <a:prstGeom prst="roundRect">
+              <a:avLst/>
+            </a:prstGeom>
+            <a:noFill/>
+            <a:ln>
+              <a:solidFill>
+                <a:schemeClr val="tx1"/>
+              </a:solidFill>
+            </a:ln>
+            <a:effectLst/>
+          </p:spPr>
+          <p:style>
+            <a:lnRef idx="1">
+              <a:schemeClr val="accent1"/>
+            </a:lnRef>
+            <a:fillRef idx="3">
+              <a:schemeClr val="accent1"/>
+            </a:fillRef>
+            <a:effectRef idx="2">
+              <a:schemeClr val="accent1"/>
+            </a:effectRef>
+            <a:fontRef idx="minor">
+              <a:schemeClr val="lt1"/>
+            </a:fontRef>
+          </p:style>
+          <p:txBody>
+            <a:bodyPr rtlCol="0" anchor="ctr"/>
+            <a:lstStyle/>
+            <a:p>
+              <a:pPr algn="ctr"/>
+              <a:endParaRPr kumimoji="1" lang="ja-JP" altLang="en-US" dirty="0"/>
+            </a:p>
+          </p:txBody>
+        </p:sp>
+        <p:sp>
+          <p:nvSpPr>
+            <p:cNvPr id="62" name="左右矢印 61"/>
+            <p:cNvSpPr/>
+            <p:nvPr/>
+          </p:nvSpPr>
+          <p:spPr>
+            <a:xfrm>
+              <a:off x="1676986" y="2708661"/>
+              <a:ext cx="765479" cy="484632"/>
+            </a:xfrm>
+            <a:prstGeom prst="leftRightArrow">
+              <a:avLst/>
+            </a:prstGeom>
+            <a:solidFill>
+              <a:srgbClr val="FF0000"/>
+            </a:solidFill>
+            <a:ln>
+              <a:noFill/>
+            </a:ln>
+            <a:effectLst/>
+          </p:spPr>
+          <p:style>
+            <a:lnRef idx="1">
+              <a:schemeClr val="accent1"/>
+            </a:lnRef>
+            <a:fillRef idx="3">
+              <a:schemeClr val="accent1"/>
+            </a:fillRef>
+            <a:effectRef idx="2">
+              <a:schemeClr val="accent1"/>
+            </a:effectRef>
+            <a:fontRef idx="minor">
+              <a:schemeClr val="lt1"/>
+            </a:fontRef>
+          </p:style>
+          <p:txBody>
+            <a:bodyPr rtlCol="0" anchor="ctr"/>
+            <a:lstStyle/>
+            <a:p>
+              <a:pPr algn="ctr"/>
+              <a:endParaRPr kumimoji="1" lang="ja-JP" altLang="en-US" dirty="0"/>
+            </a:p>
+          </p:txBody>
+        </p:sp>
+      </p:grpSp>
+      <p:grpSp>
+        <p:nvGrpSpPr>
+          <p:cNvPr id="65" name="図形グループ 64"/>
+          <p:cNvGrpSpPr/>
+          <p:nvPr/>
+        </p:nvGrpSpPr>
+        <p:grpSpPr>
+          <a:xfrm>
+            <a:off x="5026374" y="2082270"/>
+            <a:ext cx="3513181" cy="2084817"/>
+            <a:chOff x="4811271" y="2082270"/>
+            <a:chExt cx="3513181" cy="2084817"/>
+          </a:xfrm>
+        </p:grpSpPr>
+        <p:grpSp>
+          <p:nvGrpSpPr>
+            <p:cNvPr id="36" name="図形グループ 35"/>
+            <p:cNvGrpSpPr/>
+            <p:nvPr/>
+          </p:nvGrpSpPr>
+          <p:grpSpPr>
+            <a:xfrm>
+              <a:off x="5244399" y="2474963"/>
+              <a:ext cx="914400" cy="914400"/>
+              <a:chOff x="5484708" y="2791506"/>
+              <a:chExt cx="914400" cy="914400"/>
+            </a:xfrm>
+          </p:grpSpPr>
+          <p:sp>
+            <p:nvSpPr>
+              <p:cNvPr id="25" name="円/楕円 24"/>
+              <p:cNvSpPr>
+                <a:spLocks noChangeAspect="1"/>
+              </p:cNvSpPr>
+              <p:nvPr/>
+            </p:nvSpPr>
+            <p:spPr>
+              <a:xfrm>
+                <a:off x="5484708" y="2791506"/>
+                <a:ext cx="914400" cy="914400"/>
+              </a:xfrm>
+              <a:prstGeom prst="ellipse">
+                <a:avLst/>
+              </a:prstGeom>
+              <a:noFill/>
+              <a:ln w="31750">
+                <a:solidFill>
+                  <a:schemeClr val="tx1"/>
+                </a:solidFill>
+                <a:prstDash val="sysDot"/>
+              </a:ln>
+              <a:effectLst/>
+            </p:spPr>
+            <p:style>
+              <a:lnRef idx="1">
+                <a:schemeClr val="accent1"/>
+              </a:lnRef>
+              <a:fillRef idx="3">
+                <a:schemeClr val="accent1"/>
+              </a:fillRef>
+              <a:effectRef idx="2">
+                <a:schemeClr val="accent1"/>
+              </a:effectRef>
+              <a:fontRef idx="minor">
+                <a:schemeClr val="lt1"/>
+              </a:fontRef>
+            </p:style>
+            <p:txBody>
+              <a:bodyPr rtlCol="0" anchor="ctr"/>
+              <a:lstStyle/>
+              <a:p>
+                <a:pPr algn="ctr"/>
+                <a:endParaRPr kumimoji="1" lang="ja-JP" altLang="en-US" dirty="0"/>
+              </a:p>
+            </p:txBody>
+          </p:sp>
+          <p:sp>
+            <p:nvSpPr>
+              <p:cNvPr id="27" name="円/楕円 26"/>
+              <p:cNvSpPr>
+                <a:spLocks noChangeAspect="1"/>
+              </p:cNvSpPr>
+              <p:nvPr/>
+            </p:nvSpPr>
+            <p:spPr>
+              <a:xfrm>
+                <a:off x="5637668" y="3011016"/>
+                <a:ext cx="180085" cy="180085"/>
+              </a:xfrm>
+              <a:prstGeom prst="ellipse">
+                <a:avLst/>
+              </a:prstGeom>
+              <a:noFill/>
+              <a:ln w="31750">
+                <a:solidFill>
+                  <a:schemeClr val="tx1"/>
+                </a:solidFill>
+              </a:ln>
+              <a:effectLst/>
+            </p:spPr>
+            <p:style>
+              <a:lnRef idx="1">
+                <a:schemeClr val="accent1"/>
+              </a:lnRef>
+              <a:fillRef idx="3">
+                <a:schemeClr val="accent1"/>
+              </a:fillRef>
+              <a:effectRef idx="2">
+                <a:schemeClr val="accent1"/>
+              </a:effectRef>
+              <a:fontRef idx="minor">
+                <a:schemeClr val="lt1"/>
+              </a:fontRef>
+            </p:style>
+            <p:txBody>
+              <a:bodyPr rtlCol="0" anchor="ctr"/>
+              <a:lstStyle/>
+              <a:p>
+                <a:pPr algn="ctr"/>
+                <a:endParaRPr kumimoji="1" lang="ja-JP" altLang="en-US" dirty="0"/>
+              </a:p>
+            </p:txBody>
+          </p:sp>
+          <p:sp>
+            <p:nvSpPr>
+              <p:cNvPr id="29" name="円/楕円 28"/>
+              <p:cNvSpPr>
+                <a:spLocks noChangeAspect="1"/>
+              </p:cNvSpPr>
+              <p:nvPr/>
+            </p:nvSpPr>
+            <p:spPr>
+              <a:xfrm>
+                <a:off x="5547625" y="3253042"/>
+                <a:ext cx="180085" cy="180085"/>
+              </a:xfrm>
+              <a:prstGeom prst="ellipse">
+                <a:avLst/>
+              </a:prstGeom>
+              <a:noFill/>
+              <a:ln w="31750">
+                <a:solidFill>
+                  <a:schemeClr val="tx1"/>
+                </a:solidFill>
+              </a:ln>
+              <a:effectLst/>
+            </p:spPr>
+            <p:style>
+              <a:lnRef idx="1">
+                <a:schemeClr val="accent1"/>
+              </a:lnRef>
+              <a:fillRef idx="3">
+                <a:schemeClr val="accent1"/>
+              </a:fillRef>
+              <a:effectRef idx="2">
+                <a:schemeClr val="accent1"/>
+              </a:effectRef>
+              <a:fontRef idx="minor">
+                <a:schemeClr val="lt1"/>
+              </a:fontRef>
+            </p:style>
+            <p:txBody>
+              <a:bodyPr rtlCol="0" anchor="ctr"/>
+              <a:lstStyle/>
+              <a:p>
+                <a:pPr algn="ctr"/>
+                <a:endParaRPr kumimoji="1" lang="ja-JP" altLang="en-US" dirty="0"/>
+              </a:p>
+            </p:txBody>
+          </p:sp>
+          <p:sp>
+            <p:nvSpPr>
+              <p:cNvPr id="30" name="円/楕円 29"/>
+              <p:cNvSpPr>
+                <a:spLocks noChangeAspect="1"/>
+              </p:cNvSpPr>
+              <p:nvPr/>
+            </p:nvSpPr>
+            <p:spPr>
+              <a:xfrm>
+                <a:off x="6019800" y="3015771"/>
+                <a:ext cx="180085" cy="180085"/>
+              </a:xfrm>
+              <a:prstGeom prst="ellipse">
+                <a:avLst/>
+              </a:prstGeom>
+              <a:noFill/>
+              <a:ln w="31750">
+                <a:solidFill>
+                  <a:schemeClr val="tx1"/>
+                </a:solidFill>
+              </a:ln>
+              <a:effectLst/>
+            </p:spPr>
+            <p:style>
+              <a:lnRef idx="1">
+                <a:schemeClr val="accent1"/>
+              </a:lnRef>
+              <a:fillRef idx="3">
+                <a:schemeClr val="accent1"/>
+              </a:fillRef>
+              <a:effectRef idx="2">
+                <a:schemeClr val="accent1"/>
+              </a:effectRef>
+              <a:fontRef idx="minor">
+                <a:schemeClr val="lt1"/>
+              </a:fontRef>
+            </p:style>
+            <p:txBody>
+              <a:bodyPr rtlCol="0" anchor="ctr"/>
+              <a:lstStyle/>
+              <a:p>
+                <a:pPr algn="ctr"/>
+                <a:endParaRPr kumimoji="1" lang="ja-JP" altLang="en-US" dirty="0"/>
+              </a:p>
+            </p:txBody>
+          </p:sp>
+          <p:sp>
+            <p:nvSpPr>
+              <p:cNvPr id="31" name="円/楕円 30"/>
+              <p:cNvSpPr>
+                <a:spLocks noChangeAspect="1"/>
+              </p:cNvSpPr>
+              <p:nvPr/>
+            </p:nvSpPr>
+            <p:spPr>
+              <a:xfrm>
+                <a:off x="6019800" y="3433543"/>
+                <a:ext cx="180085" cy="180085"/>
+              </a:xfrm>
+              <a:prstGeom prst="ellipse">
+                <a:avLst/>
+              </a:prstGeom>
+              <a:noFill/>
+              <a:ln w="31750">
+                <a:solidFill>
+                  <a:schemeClr val="tx1"/>
+                </a:solidFill>
+              </a:ln>
+              <a:effectLst/>
+            </p:spPr>
+            <p:style>
+              <a:lnRef idx="1">
+                <a:schemeClr val="accent1"/>
+              </a:lnRef>
+              <a:fillRef idx="3">
+                <a:schemeClr val="accent1"/>
+              </a:fillRef>
+              <a:effectRef idx="2">
+                <a:schemeClr val="accent1"/>
+              </a:effectRef>
+              <a:fontRef idx="minor">
+                <a:schemeClr val="lt1"/>
+              </a:fontRef>
+            </p:style>
+            <p:txBody>
+              <a:bodyPr rtlCol="0" anchor="ctr"/>
+              <a:lstStyle/>
+              <a:p>
+                <a:pPr algn="ctr"/>
+                <a:endParaRPr kumimoji="1" lang="ja-JP" altLang="en-US" dirty="0"/>
+              </a:p>
+            </p:txBody>
+          </p:sp>
+          <p:sp>
+            <p:nvSpPr>
+              <p:cNvPr id="32" name="円/楕円 31"/>
+              <p:cNvSpPr>
+                <a:spLocks noChangeAspect="1"/>
+              </p:cNvSpPr>
+              <p:nvPr/>
+            </p:nvSpPr>
+            <p:spPr>
+              <a:xfrm>
+                <a:off x="5787935" y="3433127"/>
+                <a:ext cx="180085" cy="180085"/>
+              </a:xfrm>
+              <a:prstGeom prst="ellipse">
+                <a:avLst/>
+              </a:prstGeom>
+              <a:noFill/>
+              <a:ln w="31750">
+                <a:solidFill>
+                  <a:schemeClr val="tx1"/>
+                </a:solidFill>
+              </a:ln>
+              <a:effectLst/>
+            </p:spPr>
+            <p:style>
+              <a:lnRef idx="1">
+                <a:schemeClr val="accent1"/>
+              </a:lnRef>
+              <a:fillRef idx="3">
+                <a:schemeClr val="accent1"/>
+              </a:fillRef>
+              <a:effectRef idx="2">
+                <a:schemeClr val="accent1"/>
+              </a:effectRef>
+              <a:fontRef idx="minor">
+                <a:schemeClr val="lt1"/>
+              </a:fontRef>
+            </p:style>
+            <p:txBody>
+              <a:bodyPr rtlCol="0" anchor="ctr"/>
+              <a:lstStyle/>
+              <a:p>
+                <a:pPr algn="ctr"/>
+                <a:endParaRPr kumimoji="1" lang="ja-JP" altLang="en-US" dirty="0"/>
+              </a:p>
+            </p:txBody>
+          </p:sp>
+          <p:sp>
+            <p:nvSpPr>
+              <p:cNvPr id="33" name="円/楕円 32"/>
+              <p:cNvSpPr>
+                <a:spLocks noChangeAspect="1"/>
+              </p:cNvSpPr>
+              <p:nvPr/>
+            </p:nvSpPr>
+            <p:spPr>
+              <a:xfrm>
+                <a:off x="6150814" y="3239028"/>
+                <a:ext cx="180085" cy="180085"/>
+              </a:xfrm>
+              <a:prstGeom prst="ellipse">
+                <a:avLst/>
+              </a:prstGeom>
+              <a:noFill/>
+              <a:ln w="31750">
+                <a:solidFill>
+                  <a:schemeClr val="tx1"/>
+                </a:solidFill>
+              </a:ln>
+              <a:effectLst/>
+            </p:spPr>
+            <p:style>
+              <a:lnRef idx="1">
+                <a:schemeClr val="accent1"/>
+              </a:lnRef>
+              <a:fillRef idx="3">
+                <a:schemeClr val="accent1"/>
+              </a:fillRef>
+              <a:effectRef idx="2">
+                <a:schemeClr val="accent1"/>
+              </a:effectRef>
+              <a:fontRef idx="minor">
+                <a:schemeClr val="lt1"/>
+              </a:fontRef>
+            </p:style>
+            <p:txBody>
+              <a:bodyPr rtlCol="0" anchor="ctr"/>
+              <a:lstStyle/>
+              <a:p>
+                <a:pPr algn="ctr"/>
+                <a:endParaRPr kumimoji="1" lang="ja-JP" altLang="en-US" dirty="0"/>
+              </a:p>
+            </p:txBody>
+          </p:sp>
+          <p:sp>
+            <p:nvSpPr>
+              <p:cNvPr id="34" name="円/楕円 33"/>
+              <p:cNvSpPr>
+                <a:spLocks noChangeAspect="1"/>
+              </p:cNvSpPr>
+              <p:nvPr/>
+            </p:nvSpPr>
+            <p:spPr>
+              <a:xfrm>
+                <a:off x="5875845" y="2847511"/>
+                <a:ext cx="180085" cy="180085"/>
+              </a:xfrm>
+              <a:prstGeom prst="ellipse">
+                <a:avLst/>
+              </a:prstGeom>
+              <a:noFill/>
+              <a:ln w="31750">
+                <a:solidFill>
+                  <a:schemeClr val="tx1"/>
+                </a:solidFill>
+              </a:ln>
+              <a:effectLst/>
+            </p:spPr>
+            <p:style>
+              <a:lnRef idx="1">
+                <a:schemeClr val="accent1"/>
+              </a:lnRef>
+              <a:fillRef idx="3">
+                <a:schemeClr val="accent1"/>
+              </a:fillRef>
+              <a:effectRef idx="2">
+                <a:schemeClr val="accent1"/>
+              </a:effectRef>
+              <a:fontRef idx="minor">
+                <a:schemeClr val="lt1"/>
+              </a:fontRef>
+            </p:style>
+            <p:txBody>
+              <a:bodyPr rtlCol="0" anchor="ctr"/>
+              <a:lstStyle/>
+              <a:p>
+                <a:pPr algn="ctr"/>
+                <a:endParaRPr kumimoji="1" lang="ja-JP" altLang="en-US" dirty="0"/>
+              </a:p>
+            </p:txBody>
+          </p:sp>
+          <p:sp>
+            <p:nvSpPr>
+              <p:cNvPr id="35" name="円/楕円 34"/>
+              <p:cNvSpPr>
+                <a:spLocks noChangeAspect="1"/>
+              </p:cNvSpPr>
+              <p:nvPr/>
+            </p:nvSpPr>
+            <p:spPr>
+              <a:xfrm>
+                <a:off x="5831040" y="3163416"/>
+                <a:ext cx="180085" cy="180085"/>
+              </a:xfrm>
+              <a:prstGeom prst="ellipse">
+                <a:avLst/>
+              </a:prstGeom>
+              <a:noFill/>
+              <a:ln w="31750">
+                <a:solidFill>
+                  <a:schemeClr val="tx1"/>
+                </a:solidFill>
+              </a:ln>
+              <a:effectLst/>
+            </p:spPr>
+            <p:style>
+              <a:lnRef idx="1">
+                <a:schemeClr val="accent1"/>
+              </a:lnRef>
+              <a:fillRef idx="3">
+                <a:schemeClr val="accent1"/>
+              </a:fillRef>
+              <a:effectRef idx="2">
+                <a:schemeClr val="accent1"/>
+              </a:effectRef>
+              <a:fontRef idx="minor">
+                <a:schemeClr val="lt1"/>
+              </a:fontRef>
+            </p:style>
+            <p:txBody>
+              <a:bodyPr rtlCol="0" anchor="ctr"/>
+              <a:lstStyle/>
+              <a:p>
+                <a:pPr algn="ctr"/>
+                <a:endParaRPr kumimoji="1" lang="ja-JP" altLang="en-US" dirty="0"/>
+              </a:p>
+            </p:txBody>
+          </p:sp>
+        </p:grpSp>
+        <p:grpSp>
+          <p:nvGrpSpPr>
+            <p:cNvPr id="37" name="図形グループ 36"/>
+            <p:cNvGrpSpPr/>
+            <p:nvPr/>
+          </p:nvGrpSpPr>
+          <p:grpSpPr>
+            <a:xfrm>
+              <a:off x="7084785" y="2470676"/>
+              <a:ext cx="914400" cy="914400"/>
+              <a:chOff x="5484708" y="2791506"/>
+              <a:chExt cx="914400" cy="914400"/>
+            </a:xfrm>
+          </p:grpSpPr>
+          <p:sp>
+            <p:nvSpPr>
+              <p:cNvPr id="38" name="円/楕円 37"/>
+              <p:cNvSpPr>
+                <a:spLocks noChangeAspect="1"/>
+              </p:cNvSpPr>
+              <p:nvPr/>
+            </p:nvSpPr>
+            <p:spPr>
+              <a:xfrm>
+                <a:off x="5484708" y="2791506"/>
+                <a:ext cx="914400" cy="914400"/>
+              </a:xfrm>
+              <a:prstGeom prst="ellipse">
+                <a:avLst/>
+              </a:prstGeom>
+              <a:noFill/>
+              <a:ln w="31750">
+                <a:solidFill>
+                  <a:schemeClr val="tx1"/>
+                </a:solidFill>
+                <a:prstDash val="sysDot"/>
+              </a:ln>
+              <a:effectLst/>
+            </p:spPr>
+            <p:style>
+              <a:lnRef idx="1">
+                <a:schemeClr val="accent1"/>
+              </a:lnRef>
+              <a:fillRef idx="3">
+                <a:schemeClr val="accent1"/>
+              </a:fillRef>
+              <a:effectRef idx="2">
+                <a:schemeClr val="accent1"/>
+              </a:effectRef>
+              <a:fontRef idx="minor">
+                <a:schemeClr val="lt1"/>
+              </a:fontRef>
+            </p:style>
+            <p:txBody>
+              <a:bodyPr rtlCol="0" anchor="ctr"/>
+              <a:lstStyle/>
+              <a:p>
+                <a:pPr algn="ctr"/>
+                <a:endParaRPr kumimoji="1" lang="ja-JP" altLang="en-US" dirty="0"/>
+              </a:p>
+            </p:txBody>
+          </p:sp>
+          <p:sp>
+            <p:nvSpPr>
+              <p:cNvPr id="39" name="円/楕円 38"/>
+              <p:cNvSpPr>
+                <a:spLocks noChangeAspect="1"/>
+              </p:cNvSpPr>
+              <p:nvPr/>
+            </p:nvSpPr>
+            <p:spPr>
+              <a:xfrm>
+                <a:off x="5637668" y="3011016"/>
+                <a:ext cx="180085" cy="180085"/>
+              </a:xfrm>
+              <a:prstGeom prst="ellipse">
+                <a:avLst/>
+              </a:prstGeom>
+              <a:noFill/>
+              <a:ln w="31750">
+                <a:solidFill>
+                  <a:schemeClr val="tx1"/>
+                </a:solidFill>
+              </a:ln>
+              <a:effectLst/>
+            </p:spPr>
+            <p:style>
+              <a:lnRef idx="1">
+                <a:schemeClr val="accent1"/>
+              </a:lnRef>
+              <a:fillRef idx="3">
+                <a:schemeClr val="accent1"/>
+              </a:fillRef>
+              <a:effectRef idx="2">
+                <a:schemeClr val="accent1"/>
+              </a:effectRef>
+              <a:fontRef idx="minor">
+                <a:schemeClr val="lt1"/>
+              </a:fontRef>
+            </p:style>
+            <p:txBody>
+              <a:bodyPr rtlCol="0" anchor="ctr"/>
+              <a:lstStyle/>
+              <a:p>
+                <a:pPr algn="ctr"/>
+                <a:endParaRPr kumimoji="1" lang="ja-JP" altLang="en-US" dirty="0"/>
+              </a:p>
+            </p:txBody>
+          </p:sp>
+          <p:sp>
+            <p:nvSpPr>
+              <p:cNvPr id="40" name="円/楕円 39"/>
+              <p:cNvSpPr>
+                <a:spLocks noChangeAspect="1"/>
+              </p:cNvSpPr>
+              <p:nvPr/>
+            </p:nvSpPr>
+            <p:spPr>
+              <a:xfrm>
+                <a:off x="5547625" y="3253042"/>
+                <a:ext cx="180085" cy="180085"/>
+              </a:xfrm>
+              <a:prstGeom prst="ellipse">
+                <a:avLst/>
+              </a:prstGeom>
+              <a:noFill/>
+              <a:ln w="31750">
+                <a:solidFill>
+                  <a:schemeClr val="tx1"/>
+                </a:solidFill>
+              </a:ln>
+              <a:effectLst/>
+            </p:spPr>
+            <p:style>
+              <a:lnRef idx="1">
+                <a:schemeClr val="accent1"/>
+              </a:lnRef>
+              <a:fillRef idx="3">
+                <a:schemeClr val="accent1"/>
+              </a:fillRef>
+              <a:effectRef idx="2">
+                <a:schemeClr val="accent1"/>
+              </a:effectRef>
+              <a:fontRef idx="minor">
+                <a:schemeClr val="lt1"/>
+              </a:fontRef>
+            </p:style>
+            <p:txBody>
+              <a:bodyPr rtlCol="0" anchor="ctr"/>
+              <a:lstStyle/>
+              <a:p>
+                <a:pPr algn="ctr"/>
+                <a:endParaRPr kumimoji="1" lang="ja-JP" altLang="en-US" dirty="0"/>
+              </a:p>
+            </p:txBody>
+          </p:sp>
+          <p:sp>
+            <p:nvSpPr>
+              <p:cNvPr id="41" name="円/楕円 40"/>
+              <p:cNvSpPr>
+                <a:spLocks noChangeAspect="1"/>
+              </p:cNvSpPr>
+              <p:nvPr/>
+            </p:nvSpPr>
+            <p:spPr>
+              <a:xfrm>
+                <a:off x="6019800" y="3015771"/>
+                <a:ext cx="180085" cy="180085"/>
+              </a:xfrm>
+              <a:prstGeom prst="ellipse">
+                <a:avLst/>
+              </a:prstGeom>
+              <a:noFill/>
+              <a:ln w="31750">
+                <a:solidFill>
+                  <a:schemeClr val="tx1"/>
+                </a:solidFill>
+              </a:ln>
+              <a:effectLst/>
+            </p:spPr>
+            <p:style>
+              <a:lnRef idx="1">
+                <a:schemeClr val="accent1"/>
+              </a:lnRef>
+              <a:fillRef idx="3">
+                <a:schemeClr val="accent1"/>
+              </a:fillRef>
+              <a:effectRef idx="2">
+                <a:schemeClr val="accent1"/>
+              </a:effectRef>
+              <a:fontRef idx="minor">
+                <a:schemeClr val="lt1"/>
+              </a:fontRef>
+            </p:style>
+            <p:txBody>
+              <a:bodyPr rtlCol="0" anchor="ctr"/>
+              <a:lstStyle/>
+              <a:p>
+                <a:pPr algn="ctr"/>
+                <a:endParaRPr kumimoji="1" lang="ja-JP" altLang="en-US" dirty="0"/>
+              </a:p>
+            </p:txBody>
+          </p:sp>
+          <p:sp>
+            <p:nvSpPr>
+              <p:cNvPr id="42" name="円/楕円 41"/>
+              <p:cNvSpPr>
+                <a:spLocks noChangeAspect="1"/>
+              </p:cNvSpPr>
+              <p:nvPr/>
+            </p:nvSpPr>
+            <p:spPr>
+              <a:xfrm>
+                <a:off x="6019800" y="3433543"/>
+                <a:ext cx="180085" cy="180085"/>
+              </a:xfrm>
+              <a:prstGeom prst="ellipse">
+                <a:avLst/>
+              </a:prstGeom>
+              <a:noFill/>
+              <a:ln w="31750">
+                <a:solidFill>
+                  <a:schemeClr val="tx1"/>
+                </a:solidFill>
+              </a:ln>
+              <a:effectLst/>
+            </p:spPr>
+            <p:style>
+              <a:lnRef idx="1">
+                <a:schemeClr val="accent1"/>
+              </a:lnRef>
+              <a:fillRef idx="3">
+                <a:schemeClr val="accent1"/>
+              </a:fillRef>
+              <a:effectRef idx="2">
+                <a:schemeClr val="accent1"/>
+              </a:effectRef>
+              <a:fontRef idx="minor">
+                <a:schemeClr val="lt1"/>
+              </a:fontRef>
+            </p:style>
+            <p:txBody>
+              <a:bodyPr rtlCol="0" anchor="ctr"/>
+              <a:lstStyle/>
+              <a:p>
+                <a:pPr algn="ctr"/>
+                <a:endParaRPr kumimoji="1" lang="ja-JP" altLang="en-US" dirty="0"/>
+              </a:p>
+            </p:txBody>
+          </p:sp>
+          <p:sp>
+            <p:nvSpPr>
+              <p:cNvPr id="43" name="円/楕円 42"/>
+              <p:cNvSpPr>
+                <a:spLocks noChangeAspect="1"/>
+              </p:cNvSpPr>
+              <p:nvPr/>
+            </p:nvSpPr>
+            <p:spPr>
+              <a:xfrm>
+                <a:off x="5787935" y="3433127"/>
+                <a:ext cx="180085" cy="180085"/>
+              </a:xfrm>
+              <a:prstGeom prst="ellipse">
+                <a:avLst/>
+              </a:prstGeom>
+              <a:noFill/>
+              <a:ln w="31750">
+                <a:solidFill>
+                  <a:schemeClr val="tx1"/>
+                </a:solidFill>
+              </a:ln>
+              <a:effectLst/>
+            </p:spPr>
+            <p:style>
+              <a:lnRef idx="1">
+                <a:schemeClr val="accent1"/>
+              </a:lnRef>
+              <a:fillRef idx="3">
+                <a:schemeClr val="accent1"/>
+              </a:fillRef>
+              <a:effectRef idx="2">
+                <a:schemeClr val="accent1"/>
+              </a:effectRef>
+              <a:fontRef idx="minor">
+                <a:schemeClr val="lt1"/>
+              </a:fontRef>
+            </p:style>
+            <p:txBody>
+              <a:bodyPr rtlCol="0" anchor="ctr"/>
+              <a:lstStyle/>
+              <a:p>
+                <a:pPr algn="ctr"/>
+                <a:endParaRPr kumimoji="1" lang="ja-JP" altLang="en-US" dirty="0"/>
+              </a:p>
+            </p:txBody>
+          </p:sp>
+          <p:sp>
+            <p:nvSpPr>
+              <p:cNvPr id="44" name="円/楕円 43"/>
+              <p:cNvSpPr>
+                <a:spLocks noChangeAspect="1"/>
+              </p:cNvSpPr>
+              <p:nvPr/>
+            </p:nvSpPr>
+            <p:spPr>
+              <a:xfrm>
+                <a:off x="6150814" y="3239028"/>
+                <a:ext cx="180085" cy="180085"/>
+              </a:xfrm>
+              <a:prstGeom prst="ellipse">
+                <a:avLst/>
+              </a:prstGeom>
+              <a:noFill/>
+              <a:ln w="31750">
+                <a:solidFill>
+                  <a:schemeClr val="tx1"/>
+                </a:solidFill>
+              </a:ln>
+              <a:effectLst/>
+            </p:spPr>
+            <p:style>
+              <a:lnRef idx="1">
+                <a:schemeClr val="accent1"/>
+              </a:lnRef>
+              <a:fillRef idx="3">
+                <a:schemeClr val="accent1"/>
+              </a:fillRef>
+              <a:effectRef idx="2">
+                <a:schemeClr val="accent1"/>
+              </a:effectRef>
+              <a:fontRef idx="minor">
+                <a:schemeClr val="lt1"/>
+              </a:fontRef>
+            </p:style>
+            <p:txBody>
+              <a:bodyPr rtlCol="0" anchor="ctr"/>
+              <a:lstStyle/>
+              <a:p>
+                <a:pPr algn="ctr"/>
+                <a:endParaRPr kumimoji="1" lang="ja-JP" altLang="en-US" dirty="0"/>
+              </a:p>
+            </p:txBody>
+          </p:sp>
+          <p:sp>
+            <p:nvSpPr>
+              <p:cNvPr id="45" name="円/楕円 44"/>
+              <p:cNvSpPr>
+                <a:spLocks noChangeAspect="1"/>
+              </p:cNvSpPr>
+              <p:nvPr/>
+            </p:nvSpPr>
+            <p:spPr>
+              <a:xfrm>
+                <a:off x="5875845" y="2847511"/>
+                <a:ext cx="180085" cy="180085"/>
+              </a:xfrm>
+              <a:prstGeom prst="ellipse">
+                <a:avLst/>
+              </a:prstGeom>
+              <a:noFill/>
+              <a:ln w="31750">
+                <a:solidFill>
+                  <a:schemeClr val="tx1"/>
+                </a:solidFill>
+              </a:ln>
+              <a:effectLst/>
+            </p:spPr>
+            <p:style>
+              <a:lnRef idx="1">
+                <a:schemeClr val="accent1"/>
+              </a:lnRef>
+              <a:fillRef idx="3">
+                <a:schemeClr val="accent1"/>
+              </a:fillRef>
+              <a:effectRef idx="2">
+                <a:schemeClr val="accent1"/>
+              </a:effectRef>
+              <a:fontRef idx="minor">
+                <a:schemeClr val="lt1"/>
+              </a:fontRef>
+            </p:style>
+            <p:txBody>
+              <a:bodyPr rtlCol="0" anchor="ctr"/>
+              <a:lstStyle/>
+              <a:p>
+                <a:pPr algn="ctr"/>
+                <a:endParaRPr kumimoji="1" lang="ja-JP" altLang="en-US" dirty="0"/>
+              </a:p>
+            </p:txBody>
+          </p:sp>
+          <p:sp>
+            <p:nvSpPr>
+              <p:cNvPr id="46" name="円/楕円 45"/>
+              <p:cNvSpPr>
+                <a:spLocks noChangeAspect="1"/>
+              </p:cNvSpPr>
+              <p:nvPr/>
+            </p:nvSpPr>
+            <p:spPr>
+              <a:xfrm>
+                <a:off x="5831040" y="3163416"/>
+                <a:ext cx="180085" cy="180085"/>
+              </a:xfrm>
+              <a:prstGeom prst="ellipse">
+                <a:avLst/>
+              </a:prstGeom>
+              <a:noFill/>
+              <a:ln w="31750">
+                <a:solidFill>
+                  <a:schemeClr val="tx1"/>
+                </a:solidFill>
+              </a:ln>
+              <a:effectLst/>
+            </p:spPr>
+            <p:style>
+              <a:lnRef idx="1">
+                <a:schemeClr val="accent1"/>
+              </a:lnRef>
+              <a:fillRef idx="3">
+                <a:schemeClr val="accent1"/>
+              </a:fillRef>
+              <a:effectRef idx="2">
+                <a:schemeClr val="accent1"/>
+              </a:effectRef>
+              <a:fontRef idx="minor">
+                <a:schemeClr val="lt1"/>
+              </a:fontRef>
+            </p:style>
+            <p:txBody>
+              <a:bodyPr rtlCol="0" anchor="ctr"/>
+              <a:lstStyle/>
+              <a:p>
+                <a:pPr algn="ctr"/>
+                <a:endParaRPr kumimoji="1" lang="ja-JP" altLang="en-US" dirty="0"/>
+              </a:p>
+            </p:txBody>
+          </p:sp>
+        </p:grpSp>
+        <p:sp>
+          <p:nvSpPr>
+            <p:cNvPr id="48" name="テキスト ボックス 47"/>
+            <p:cNvSpPr txBox="1"/>
+            <p:nvPr/>
+          </p:nvSpPr>
+          <p:spPr>
+            <a:xfrm>
+              <a:off x="6871656" y="3616468"/>
+              <a:ext cx="1338828" cy="369332"/>
+            </a:xfrm>
+            <a:prstGeom prst="rect">
+              <a:avLst/>
+            </a:prstGeom>
+            <a:noFill/>
+          </p:spPr>
+          <p:txBody>
+            <a:bodyPr wrap="none" rtlCol="0">
+              <a:spAutoFit/>
+            </a:bodyPr>
+            <a:lstStyle/>
+            <a:p>
+              <a:r>
+                <a:rPr kumimoji="1" lang="ja-JP" altLang="en-US" dirty="0" smtClean="0"/>
+                <a:t>トレーサー</a:t>
+              </a:r>
+              <a:endParaRPr kumimoji="1" lang="ja-JP" altLang="en-US" dirty="0"/>
+            </a:p>
+          </p:txBody>
+        </p:sp>
+        <p:sp>
+          <p:nvSpPr>
+            <p:cNvPr id="49" name="テキスト ボックス 48"/>
+            <p:cNvSpPr txBox="1"/>
+            <p:nvPr/>
+          </p:nvSpPr>
+          <p:spPr>
+            <a:xfrm>
+              <a:off x="5101402" y="3626146"/>
+              <a:ext cx="1338828" cy="369332"/>
+            </a:xfrm>
+            <a:prstGeom prst="rect">
+              <a:avLst/>
+            </a:prstGeom>
+            <a:noFill/>
+          </p:spPr>
+          <p:txBody>
+            <a:bodyPr wrap="none" rtlCol="0">
+              <a:spAutoFit/>
+            </a:bodyPr>
+            <a:lstStyle/>
+            <a:p>
+              <a:r>
+                <a:rPr kumimoji="1" lang="ja-JP" altLang="en-US" dirty="0" smtClean="0"/>
+                <a:t>トレーサー</a:t>
+              </a:r>
+              <a:endParaRPr kumimoji="1" lang="ja-JP" altLang="en-US" dirty="0"/>
+            </a:p>
+          </p:txBody>
+        </p:sp>
+        <p:sp>
+          <p:nvSpPr>
+            <p:cNvPr id="61" name="角丸四角形 60"/>
+            <p:cNvSpPr/>
+            <p:nvPr/>
+          </p:nvSpPr>
+          <p:spPr>
+            <a:xfrm>
+              <a:off x="4811271" y="2082270"/>
+              <a:ext cx="3513181" cy="2084817"/>
+            </a:xfrm>
+            <a:prstGeom prst="roundRect">
+              <a:avLst/>
+            </a:prstGeom>
+            <a:noFill/>
+            <a:ln>
+              <a:solidFill>
+                <a:schemeClr val="tx1"/>
+              </a:solidFill>
+            </a:ln>
+            <a:effectLst/>
+          </p:spPr>
+          <p:style>
+            <a:lnRef idx="1">
+              <a:schemeClr val="accent1"/>
+            </a:lnRef>
+            <a:fillRef idx="3">
+              <a:schemeClr val="accent1"/>
+            </a:fillRef>
+            <a:effectRef idx="2">
+              <a:schemeClr val="accent1"/>
+            </a:effectRef>
+            <a:fontRef idx="minor">
+              <a:schemeClr val="lt1"/>
+            </a:fontRef>
+          </p:style>
+          <p:txBody>
+            <a:bodyPr rtlCol="0" anchor="ctr"/>
+            <a:lstStyle/>
+            <a:p>
+              <a:pPr algn="ctr"/>
+              <a:endParaRPr kumimoji="1" lang="ja-JP" altLang="en-US" dirty="0"/>
+            </a:p>
+          </p:txBody>
+        </p:sp>
+        <p:sp>
+          <p:nvSpPr>
+            <p:cNvPr id="63" name="左右矢印 62"/>
+            <p:cNvSpPr/>
+            <p:nvPr/>
+          </p:nvSpPr>
+          <p:spPr>
+            <a:xfrm>
+              <a:off x="6244921" y="2706766"/>
+              <a:ext cx="765479" cy="484632"/>
+            </a:xfrm>
+            <a:prstGeom prst="leftRightArrow">
+              <a:avLst/>
+            </a:prstGeom>
+            <a:solidFill>
+              <a:srgbClr val="0000FF"/>
+            </a:solidFill>
+            <a:ln>
+              <a:noFill/>
+            </a:ln>
+            <a:effectLst/>
+          </p:spPr>
+          <p:style>
+            <a:lnRef idx="1">
+              <a:schemeClr val="accent1"/>
+            </a:lnRef>
+            <a:fillRef idx="3">
+              <a:schemeClr val="accent1"/>
+            </a:fillRef>
+            <a:effectRef idx="2">
+              <a:schemeClr val="accent1"/>
+            </a:effectRef>
+            <a:fontRef idx="minor">
+              <a:schemeClr val="lt1"/>
+            </a:fontRef>
+          </p:style>
+          <p:txBody>
+            <a:bodyPr rtlCol="0" anchor="ctr"/>
+            <a:lstStyle/>
+            <a:p>
+              <a:pPr algn="ctr"/>
+              <a:endParaRPr kumimoji="1" lang="ja-JP" altLang="en-US" dirty="0"/>
+            </a:p>
+          </p:txBody>
+        </p:sp>
+      </p:grpSp>
     </p:spTree>
     <p:extLst>
       <p:ext uri="{BB962C8B-B14F-4D97-AF65-F5344CB8AC3E}">
@@ -22303,6 +24875,13 @@
   <p:clrMapOvr>
     <a:masterClrMapping/>
   </p:clrMapOvr>
+  <p:timing>
+    <p:tnLst>
+      <p:par>
+        <p:cTn xmlns:p14="http://schemas.microsoft.com/office/powerpoint/2010/main" id="1" dur="indefinite" restart="never" nodeType="tmRoot"/>
+      </p:par>
+    </p:tnLst>
+  </p:timing>
 </p:sld>
 </file>
 
@@ -22516,25 +25095,6 @@
       </p:sp>
       <p:sp>
         <p:nvSpPr>
-          <p:cNvPr id="3" name="コンテンツ プレースホルダー 2"/>
-          <p:cNvSpPr>
-            <a:spLocks noGrp="1"/>
-          </p:cNvSpPr>
-          <p:nvPr>
-            <p:ph idx="1"/>
-          </p:nvPr>
-        </p:nvSpPr>
-        <p:spPr/>
-        <p:txBody>
-          <a:bodyPr/>
-          <a:lstStyle/>
-          <a:p>
-            <a:endParaRPr kumimoji="1" lang="ja-JP" altLang="en-US"/>
-          </a:p>
-        </p:txBody>
-      </p:sp>
-      <p:sp>
-        <p:nvSpPr>
           <p:cNvPr id="4" name="日付プレースホルダー 3"/>
           <p:cNvSpPr>
             <a:spLocks noGrp="1"/>
@@ -22602,6 +25162,450 @@
           </a:p>
         </p:txBody>
       </p:sp>
+      <p:sp>
+        <p:nvSpPr>
+          <p:cNvPr id="7" name="テキスト ボックス 6"/>
+          <p:cNvSpPr txBox="1"/>
+          <p:nvPr/>
+        </p:nvSpPr>
+        <p:spPr>
+          <a:xfrm>
+            <a:off x="536223" y="3018303"/>
+            <a:ext cx="2954655" cy="369332"/>
+          </a:xfrm>
+          <a:prstGeom prst="rect">
+            <a:avLst/>
+          </a:prstGeom>
+          <a:noFill/>
+        </p:spPr>
+        <p:txBody>
+          <a:bodyPr wrap="none" rtlCol="0">
+            <a:spAutoFit/>
+          </a:bodyPr>
+          <a:lstStyle/>
+          <a:p>
+            <a:r>
+              <a:rPr kumimoji="1" lang="ja-JP" altLang="en-US" dirty="0" smtClean="0"/>
+              <a:t>ターゲット粒子のまわりに</a:t>
+            </a:r>
+            <a:endParaRPr kumimoji="1" lang="ja-JP" altLang="en-US" dirty="0"/>
+          </a:p>
+        </p:txBody>
+      </p:sp>
+      <p:grpSp>
+        <p:nvGrpSpPr>
+          <p:cNvPr id="8" name="図形グループ 7"/>
+          <p:cNvGrpSpPr/>
+          <p:nvPr/>
+        </p:nvGrpSpPr>
+        <p:grpSpPr>
+          <a:xfrm>
+            <a:off x="760290" y="3569858"/>
+            <a:ext cx="5040932" cy="2248483"/>
+            <a:chOff x="760290" y="2752888"/>
+            <a:chExt cx="5040932" cy="2248483"/>
+          </a:xfrm>
+        </p:grpSpPr>
+        <p:grpSp>
+          <p:nvGrpSpPr>
+            <p:cNvPr id="9" name="図形グループ 8"/>
+            <p:cNvGrpSpPr>
+              <a:grpSpLocks noChangeAspect="1"/>
+            </p:cNvGrpSpPr>
+            <p:nvPr/>
+          </p:nvGrpSpPr>
+          <p:grpSpPr>
+            <a:xfrm>
+              <a:off x="1016004" y="2801666"/>
+              <a:ext cx="4785218" cy="2199705"/>
+              <a:chOff x="375921" y="1285853"/>
+              <a:chExt cx="6380293" cy="2932940"/>
+            </a:xfrm>
+          </p:grpSpPr>
+          <p:pic>
+            <p:nvPicPr>
+              <p:cNvPr id="11" name="図 10" descr="Morishima2015_fig2.png"/>
+              <p:cNvPicPr>
+                <a:picLocks noChangeAspect="1"/>
+              </p:cNvPicPr>
+              <p:nvPr/>
+            </p:nvPicPr>
+            <p:blipFill>
+              <a:blip r:embed="rId2">
+                <a:extLst>
+                  <a:ext uri="{28A0092B-C50C-407E-A947-70E740481C1C}">
+                    <a14:useLocalDpi xmlns:a14="http://schemas.microsoft.com/office/drawing/2010/main" val="0"/>
+                  </a:ext>
+                </a:extLst>
+              </a:blip>
+              <a:stretch>
+                <a:fillRect/>
+              </a:stretch>
+            </p:blipFill>
+            <p:spPr>
+              <a:xfrm>
+                <a:off x="375921" y="1285853"/>
+                <a:ext cx="4612640" cy="2677581"/>
+              </a:xfrm>
+              <a:prstGeom prst="rect">
+                <a:avLst/>
+              </a:prstGeom>
+            </p:spPr>
+          </p:pic>
+          <p:sp>
+            <p:nvSpPr>
+              <p:cNvPr id="12" name="線吹き出し 1 (枠付き) 11"/>
+              <p:cNvSpPr/>
+              <p:nvPr/>
+            </p:nvSpPr>
+            <p:spPr>
+              <a:xfrm>
+                <a:off x="1881948" y="3809098"/>
+                <a:ext cx="3106613" cy="409695"/>
+              </a:xfrm>
+              <a:prstGeom prst="borderCallout1">
+                <a:avLst>
+                  <a:gd name="adj1" fmla="val -1250"/>
+                  <a:gd name="adj2" fmla="val 49698"/>
+                  <a:gd name="adj3" fmla="val -266051"/>
+                  <a:gd name="adj4" fmla="val 26354"/>
+                </a:avLst>
+              </a:prstGeom>
+              <a:noFill/>
+              <a:ln w="25400">
+                <a:solidFill>
+                  <a:schemeClr val="accent5">
+                    <a:lumMod val="75000"/>
+                  </a:schemeClr>
+                </a:solidFill>
+              </a:ln>
+              <a:effectLst/>
+            </p:spPr>
+            <p:style>
+              <a:lnRef idx="1">
+                <a:schemeClr val="accent1"/>
+              </a:lnRef>
+              <a:fillRef idx="3">
+                <a:schemeClr val="accent1"/>
+              </a:fillRef>
+              <a:effectRef idx="2">
+                <a:schemeClr val="accent1"/>
+              </a:effectRef>
+              <a:fontRef idx="minor">
+                <a:schemeClr val="lt1"/>
+              </a:fontRef>
+            </p:style>
+            <p:txBody>
+              <a:bodyPr rtlCol="0" anchor="ctr"/>
+              <a:lstStyle/>
+              <a:p>
+                <a:pPr algn="ctr"/>
+                <a:r>
+                  <a:rPr lang="en-US" altLang="ja-JP" b="1" dirty="0">
+                    <a:solidFill>
+                      <a:srgbClr val="000000"/>
+                    </a:solidFill>
+                    <a:latin typeface="Helvetica"/>
+                    <a:cs typeface="Helvetica"/>
+                  </a:rPr>
+                  <a:t>target </a:t>
+                </a:r>
+                <a:r>
+                  <a:rPr lang="en-US" altLang="ja-JP" b="1" dirty="0" smtClean="0">
+                    <a:solidFill>
+                      <a:srgbClr val="000000"/>
+                    </a:solidFill>
+                    <a:latin typeface="Helvetica"/>
+                    <a:cs typeface="Helvetica"/>
+                  </a:rPr>
+                  <a:t>tracer</a:t>
+                </a:r>
+                <a:r>
+                  <a:rPr lang="en-US" altLang="ja-JP" dirty="0" smtClean="0">
+                    <a:solidFill>
+                      <a:srgbClr val="000000"/>
+                    </a:solidFill>
+                    <a:latin typeface="Helvetica"/>
+                    <a:cs typeface="Helvetica"/>
+                  </a:rPr>
+                  <a:t> </a:t>
+                </a:r>
+                <a:r>
+                  <a:rPr lang="en-US" altLang="ja-JP" i="1" dirty="0" smtClean="0">
+                    <a:solidFill>
+                      <a:srgbClr val="000000"/>
+                    </a:solidFill>
+                    <a:latin typeface="Helvetica"/>
+                    <a:cs typeface="Helvetica"/>
+                  </a:rPr>
+                  <a:t>i</a:t>
+                </a:r>
+                <a:endParaRPr lang="ja-JP" altLang="en-US" i="1" dirty="0">
+                  <a:solidFill>
+                    <a:srgbClr val="000000"/>
+                  </a:solidFill>
+                  <a:latin typeface="Helvetica"/>
+                  <a:cs typeface="Helvetica"/>
+                </a:endParaRPr>
+              </a:p>
+            </p:txBody>
+          </p:sp>
+          <p:sp>
+            <p:nvSpPr>
+              <p:cNvPr id="13" name="線吹き出し 1 (枠付き) 12"/>
+              <p:cNvSpPr/>
+              <p:nvPr/>
+            </p:nvSpPr>
+            <p:spPr>
+              <a:xfrm>
+                <a:off x="3850385" y="1285853"/>
+                <a:ext cx="2905829" cy="720927"/>
+              </a:xfrm>
+              <a:prstGeom prst="borderCallout1">
+                <a:avLst>
+                  <a:gd name="adj1" fmla="val 49492"/>
+                  <a:gd name="adj2" fmla="val -974"/>
+                  <a:gd name="adj3" fmla="val 156574"/>
+                  <a:gd name="adj4" fmla="val -19488"/>
+                </a:avLst>
+              </a:prstGeom>
+              <a:noFill/>
+              <a:ln w="25400">
+                <a:solidFill>
+                  <a:schemeClr val="accent6">
+                    <a:lumMod val="75000"/>
+                  </a:schemeClr>
+                </a:solidFill>
+              </a:ln>
+              <a:effectLst/>
+            </p:spPr>
+            <p:style>
+              <a:lnRef idx="1">
+                <a:schemeClr val="accent1"/>
+              </a:lnRef>
+              <a:fillRef idx="3">
+                <a:schemeClr val="accent1"/>
+              </a:fillRef>
+              <a:effectRef idx="2">
+                <a:schemeClr val="accent1"/>
+              </a:effectRef>
+              <a:fontRef idx="minor">
+                <a:schemeClr val="lt1"/>
+              </a:fontRef>
+            </p:style>
+            <p:txBody>
+              <a:bodyPr rtlCol="0" anchor="ctr"/>
+              <a:lstStyle/>
+              <a:p>
+                <a:pPr algn="ctr"/>
+                <a:r>
+                  <a:rPr lang="en-US" altLang="ja-JP" b="1" dirty="0">
+                    <a:solidFill>
+                      <a:srgbClr val="000000"/>
+                    </a:solidFill>
+                    <a:latin typeface="Helvetica"/>
+                    <a:cs typeface="Helvetica"/>
+                  </a:rPr>
+                  <a:t>interloping </a:t>
+                </a:r>
+                <a:r>
+                  <a:rPr lang="en-US" altLang="ja-JP" b="1" dirty="0" smtClean="0">
+                    <a:solidFill>
+                      <a:srgbClr val="000000"/>
+                    </a:solidFill>
+                    <a:latin typeface="Helvetica"/>
+                    <a:cs typeface="Helvetica"/>
+                  </a:rPr>
+                  <a:t>tracer</a:t>
+                </a:r>
+                <a:r>
+                  <a:rPr lang="en-US" altLang="ja-JP" dirty="0" smtClean="0">
+                    <a:solidFill>
+                      <a:srgbClr val="000000"/>
+                    </a:solidFill>
+                    <a:latin typeface="Helvetica"/>
+                    <a:cs typeface="Helvetica"/>
+                  </a:rPr>
+                  <a:t> </a:t>
+                </a:r>
+                <a:r>
+                  <a:rPr lang="en-US" altLang="ja-JP" i="1" dirty="0" smtClean="0">
+                    <a:solidFill>
+                      <a:srgbClr val="000000"/>
+                    </a:solidFill>
+                    <a:latin typeface="Helvetica"/>
+                    <a:cs typeface="Helvetica"/>
+                  </a:rPr>
+                  <a:t>j</a:t>
+                </a:r>
+              </a:p>
+              <a:p>
+                <a:pPr algn="ctr"/>
+                <a:r>
+                  <a:rPr lang="en-US" altLang="ja-JP" dirty="0" smtClean="0">
+                    <a:solidFill>
+                      <a:srgbClr val="000000"/>
+                    </a:solidFill>
+                    <a:latin typeface="Helvetica"/>
+                    <a:cs typeface="Helvetica"/>
+                  </a:rPr>
+                  <a:t>(</a:t>
+                </a:r>
+                <a:r>
+                  <a:rPr lang="en-US" altLang="ja-JP" b="1" dirty="0">
+                    <a:solidFill>
+                      <a:srgbClr val="000000"/>
+                    </a:solidFill>
+                    <a:latin typeface="Helvetica"/>
+                    <a:cs typeface="Helvetica"/>
+                  </a:rPr>
+                  <a:t>interloper</a:t>
+                </a:r>
+                <a:r>
+                  <a:rPr lang="en-US" altLang="ja-JP" dirty="0" smtClean="0">
+                    <a:solidFill>
+                      <a:srgbClr val="000000"/>
+                    </a:solidFill>
+                    <a:latin typeface="Helvetica"/>
+                    <a:cs typeface="Helvetica"/>
+                  </a:rPr>
+                  <a:t>)</a:t>
+                </a:r>
+                <a:endParaRPr lang="ja-JP" altLang="en-US" dirty="0">
+                  <a:solidFill>
+                    <a:srgbClr val="000000"/>
+                  </a:solidFill>
+                  <a:latin typeface="Helvetica"/>
+                  <a:cs typeface="Helvetica"/>
+                </a:endParaRPr>
+              </a:p>
+            </p:txBody>
+          </p:sp>
+        </p:grpSp>
+        <p:sp>
+          <p:nvSpPr>
+            <p:cNvPr id="10" name="テキスト ボックス 9"/>
+            <p:cNvSpPr txBox="1"/>
+            <p:nvPr/>
+          </p:nvSpPr>
+          <p:spPr>
+            <a:xfrm>
+              <a:off x="760290" y="2752888"/>
+              <a:ext cx="817640" cy="369332"/>
+            </a:xfrm>
+            <a:prstGeom prst="rect">
+              <a:avLst/>
+            </a:prstGeom>
+            <a:noFill/>
+          </p:spPr>
+          <p:txBody>
+            <a:bodyPr wrap="none" rtlCol="0">
+              <a:spAutoFit/>
+            </a:bodyPr>
+            <a:lstStyle/>
+            <a:p>
+              <a:r>
+                <a:rPr kumimoji="1" lang="ja-JP" altLang="en-US" dirty="0" smtClean="0">
+                  <a:latin typeface="Helvetica"/>
+                  <a:cs typeface="Helvetica"/>
+                </a:rPr>
+                <a:t>領域</a:t>
+              </a:r>
+              <a:r>
+                <a:rPr kumimoji="1" lang="en-US" altLang="ja-JP" dirty="0" smtClean="0">
+                  <a:latin typeface="Helvetica"/>
+                  <a:cs typeface="Helvetica"/>
+                </a:rPr>
+                <a:t> </a:t>
+              </a:r>
+              <a:r>
+                <a:rPr kumimoji="1" lang="en-US" altLang="ja-JP" i="1" dirty="0" smtClean="0">
+                  <a:latin typeface="Helvetica"/>
+                  <a:cs typeface="Helvetica"/>
+                </a:rPr>
+                <a:t>i </a:t>
+              </a:r>
+              <a:endParaRPr kumimoji="1" lang="ja-JP" altLang="en-US" i="1" dirty="0">
+                <a:latin typeface="Helvetica"/>
+                <a:cs typeface="Helvetica"/>
+              </a:endParaRPr>
+            </a:p>
+          </p:txBody>
+        </p:sp>
+      </p:grpSp>
+      <p:sp>
+        <p:nvSpPr>
+          <p:cNvPr id="15" name="テキスト ボックス 14"/>
+          <p:cNvSpPr txBox="1"/>
+          <p:nvPr/>
+        </p:nvSpPr>
+        <p:spPr>
+          <a:xfrm>
+            <a:off x="536223" y="2062231"/>
+            <a:ext cx="6923851" cy="369332"/>
+          </a:xfrm>
+          <a:prstGeom prst="rect">
+            <a:avLst/>
+          </a:prstGeom>
+          <a:noFill/>
+        </p:spPr>
+        <p:txBody>
+          <a:bodyPr wrap="square" rtlCol="0">
+            <a:spAutoFit/>
+          </a:bodyPr>
+          <a:lstStyle/>
+          <a:p>
+            <a:r>
+              <a:rPr kumimoji="1" lang="ja-JP" altLang="en-US" dirty="0" smtClean="0"/>
+              <a:t>多数の微惑星をトレーサーと呼ばれるスーパー粒子で代表させる</a:t>
+            </a:r>
+            <a:endParaRPr kumimoji="1" lang="ja-JP" altLang="en-US" dirty="0"/>
+          </a:p>
+        </p:txBody>
+      </p:sp>
+      <p:sp>
+        <p:nvSpPr>
+          <p:cNvPr id="16" name="テキスト ボックス 15"/>
+          <p:cNvSpPr txBox="1"/>
+          <p:nvPr/>
+        </p:nvSpPr>
+        <p:spPr>
+          <a:xfrm>
+            <a:off x="6119574" y="2431563"/>
+            <a:ext cx="1891000" cy="369332"/>
+          </a:xfrm>
+          <a:prstGeom prst="rect">
+            <a:avLst/>
+          </a:prstGeom>
+          <a:noFill/>
+        </p:spPr>
+        <p:txBody>
+          <a:bodyPr wrap="none" rtlCol="0">
+            <a:spAutoFit/>
+          </a:bodyPr>
+          <a:lstStyle/>
+          <a:p>
+            <a:r>
+              <a:rPr kumimoji="1" lang="en-US" altLang="ja-JP" dirty="0" err="1" smtClean="0">
+                <a:latin typeface="Helvetica"/>
+                <a:cs typeface="Helvetica"/>
+              </a:rPr>
+              <a:t>Morishima</a:t>
+            </a:r>
+            <a:r>
+              <a:rPr kumimoji="1" lang="en-US" altLang="ja-JP" dirty="0" smtClean="0">
+                <a:latin typeface="Helvetica"/>
+                <a:cs typeface="Helvetica"/>
+              </a:rPr>
+              <a:t>, 2015</a:t>
+            </a:r>
+            <a:endParaRPr kumimoji="1" lang="ja-JP" altLang="en-US" dirty="0">
+              <a:latin typeface="Helvetica"/>
+              <a:cs typeface="Helvetica"/>
+            </a:endParaRPr>
+          </a:p>
+        </p:txBody>
+      </p:sp>
     </p:spTree>
     <p:extLst>
       <p:ext uri="{BB962C8B-B14F-4D97-AF65-F5344CB8AC3E}">
@@ -22612,6 +25616,13 @@
   <p:clrMapOvr>
     <a:masterClrMapping/>
   </p:clrMapOvr>
+  <p:timing>
+    <p:tnLst>
+      <p:par>
+        <p:cTn xmlns:p14="http://schemas.microsoft.com/office/powerpoint/2010/main" id="1" dur="indefinite" restart="never" nodeType="tmRoot"/>
+      </p:par>
+    </p:tnLst>
+  </p:timing>
 </p:sld>
 </file>
 

--- a/isoya20170727_ver1.pptx
+++ b/isoya20170727_ver1.pptx
@@ -14,11 +14,11 @@
     <p:sldId id="256" r:id="rId5"/>
     <p:sldId id="270" r:id="rId6"/>
     <p:sldId id="259" r:id="rId7"/>
-    <p:sldId id="271" r:id="rId8"/>
-    <p:sldId id="260" r:id="rId9"/>
-    <p:sldId id="273" r:id="rId10"/>
-    <p:sldId id="261" r:id="rId11"/>
-    <p:sldId id="272" r:id="rId12"/>
+    <p:sldId id="260" r:id="rId8"/>
+    <p:sldId id="273" r:id="rId9"/>
+    <p:sldId id="261" r:id="rId10"/>
+    <p:sldId id="272" r:id="rId11"/>
+    <p:sldId id="271" r:id="rId12"/>
     <p:sldId id="262" r:id="rId13"/>
     <p:sldId id="263" r:id="rId14"/>
     <p:sldId id="264" r:id="rId15"/>
@@ -211,7 +211,7 @@
           <a:p>
             <a:fld id="{AA986740-1D04-9644-8EB2-ABE63C5260B8}" type="datetimeFigureOut">
               <a:rPr kumimoji="1" lang="ja-JP" altLang="en-US" smtClean="0"/>
-              <a:t>2017/07/06</a:t>
+              <a:t>2017/07/12</a:t>
             </a:fld>
             <a:endParaRPr kumimoji="1" lang="ja-JP" altLang="en-US"/>
           </a:p>
@@ -377,7 +377,7 @@
           <a:p>
             <a:fld id="{F12908B7-7D3A-8A43-9CC4-E8F00ECE6624}" type="datetimeFigureOut">
               <a:rPr kumimoji="1" lang="ja-JP" altLang="en-US" smtClean="0"/>
-              <a:t>2017/07/06</a:t>
+              <a:t>2017/07/12</a:t>
             </a:fld>
             <a:endParaRPr kumimoji="1" lang="ja-JP" altLang="en-US"/>
           </a:p>
@@ -1039,13 +1039,19 @@
           <a:p>
             <a:r>
               <a:rPr kumimoji="1" lang="ja-JP" altLang="en-US"/>
-              <a:t>μmサイズ</a:t>
+              <a:t>最終　惑星むずかしい</a:t>
             </a:r>
           </a:p>
           <a:p>
+            <a:endParaRPr kumimoji="1" lang="ja-JP" altLang="en-US"/>
+          </a:p>
+          <a:p>
+            <a:endParaRPr kumimoji="1" lang="ja-JP" altLang="en-US"/>
+          </a:p>
+          <a:p>
             <a:r>
               <a:rPr kumimoji="1" lang="ja-JP" altLang="en-US"/>
-              <a:t>詳しくかかなくてもいいかも</a:t>
+              <a:t>小さいものも追いたい</a:t>
             </a:r>
           </a:p>
         </p:txBody>
@@ -1076,7 +1082,7 @@
     </p:spTree>
     <p:extLst>
       <p:ext uri="{BB962C8B-B14F-4D97-AF65-F5344CB8AC3E}">
-        <p14:creationId xmlns:p14="http://schemas.microsoft.com/office/powerpoint/2010/main" val="2922915273"/>
+        <p14:creationId xmlns:p14="http://schemas.microsoft.com/office/powerpoint/2010/main" val="2018943536"/>
       </p:ext>
     </p:extLst>
   </p:cSld>
@@ -1141,19 +1147,13 @@
           <a:p>
             <a:r>
               <a:rPr kumimoji="1" lang="ja-JP" altLang="en-US"/>
-              <a:t>最終　惑星むずかしい</a:t>
+              <a:t>μmサイズ</a:t>
             </a:r>
           </a:p>
           <a:p>
-            <a:endParaRPr kumimoji="1" lang="ja-JP" altLang="en-US"/>
-          </a:p>
-          <a:p>
-            <a:endParaRPr kumimoji="1" lang="ja-JP" altLang="en-US"/>
-          </a:p>
-          <a:p>
             <a:r>
               <a:rPr kumimoji="1" lang="ja-JP" altLang="en-US"/>
-              <a:t>小さいものも追いたい</a:t>
+              <a:t>詳しくかかなくてもいいかも</a:t>
             </a:r>
           </a:p>
         </p:txBody>
@@ -1175,7 +1175,7 @@
           <a:p>
             <a:fld id="{DDB99C1B-F731-D44F-AD61-7B35FB4EB514}" type="slidenum">
               <a:rPr kumimoji="1" lang="ja-JP" altLang="en-US" smtClean="0"/>
-              <a:t>5</a:t>
+              <a:t>8</a:t>
             </a:fld>
             <a:endParaRPr kumimoji="1" lang="ja-JP" altLang="en-US"/>
           </a:p>
@@ -1184,7 +1184,7 @@
     </p:spTree>
     <p:extLst>
       <p:ext uri="{BB962C8B-B14F-4D97-AF65-F5344CB8AC3E}">
-        <p14:creationId xmlns:p14="http://schemas.microsoft.com/office/powerpoint/2010/main" val="2018943536"/>
+        <p14:creationId xmlns:p14="http://schemas.microsoft.com/office/powerpoint/2010/main" val="2922915273"/>
       </p:ext>
     </p:extLst>
   </p:cSld>
@@ -4441,17 +4441,7 @@
                 <a:latin typeface="+mj-ea"/>
                 <a:ea typeface="+mj-ea"/>
               </a:rPr>
-              <a:t>理論宇宙物理学</a:t>
-            </a:r>
-            <a:r>
-              <a:rPr kumimoji="1" lang="ja-JP" altLang="en-US" sz="2000" dirty="0" smtClean="0">
-                <a:solidFill>
-                  <a:schemeClr val="tx1"/>
-                </a:solidFill>
-                <a:latin typeface="+mj-ea"/>
-                <a:ea typeface="+mj-ea"/>
-              </a:rPr>
-              <a:t>研究室</a:t>
+              <a:t>理論宇宙物理学研究室</a:t>
             </a:r>
             <a:r>
               <a:rPr kumimoji="1" lang="en-US" altLang="ja-JP" sz="2000" dirty="0">
@@ -7384,15 +7374,7 @@
             </a:r>
             <a:r>
               <a:rPr kumimoji="1" lang="ja-JP" altLang="en-US" sz="2000" dirty="0" smtClean="0"/>
-              <a:t>ステージ</a:t>
-            </a:r>
-            <a:r>
-              <a:rPr kumimoji="1" lang="ja-JP" altLang="en-US" sz="2000" dirty="0" smtClean="0"/>
-              <a:t>：原始</a:t>
-            </a:r>
-            <a:r>
-              <a:rPr kumimoji="1" lang="ja-JP" altLang="en-US" sz="2000" dirty="0" smtClean="0"/>
-              <a:t>惑星が合体成長する段階</a:t>
+              <a:t>ステージ：原始惑星が合体成長する段階</a:t>
             </a:r>
             <a:endParaRPr kumimoji="1" lang="ja-JP" altLang="en-US" sz="2000" dirty="0"/>
           </a:p>
@@ -7783,15 +7765,7 @@
             <a:p>
               <a:r>
                 <a:rPr kumimoji="1" lang="ja-JP" altLang="en-US" dirty="0" smtClean="0"/>
-                <a:t>地球型</a:t>
-              </a:r>
-              <a:r>
-                <a:rPr kumimoji="1" lang="ja-JP" altLang="en-US" dirty="0" smtClean="0"/>
-                <a:t>惑星</a:t>
-              </a:r>
-              <a:r>
-                <a:rPr kumimoji="1" lang="ja-JP" altLang="en-US" dirty="0" smtClean="0"/>
-                <a:t>（</a:t>
+                <a:t>地球型惑星（</a:t>
               </a:r>
               <a:r>
                 <a:rPr kumimoji="1" lang="en-US" altLang="ja-JP" dirty="0" smtClean="0">
@@ -8700,15 +8674,7 @@
             <a:p>
               <a:r>
                 <a:rPr kumimoji="1" lang="ja-JP" altLang="en-US" dirty="0" smtClean="0"/>
-                <a:t>原始</a:t>
-              </a:r>
-              <a:r>
-                <a:rPr kumimoji="1" lang="ja-JP" altLang="en-US" dirty="0" smtClean="0"/>
-                <a:t>惑星</a:t>
-              </a:r>
-              <a:r>
-                <a:rPr kumimoji="1" lang="ja-JP" altLang="en-US" dirty="0" smtClean="0"/>
-                <a:t>（</a:t>
+                <a:t>原始惑星（</a:t>
               </a:r>
               <a:r>
                 <a:rPr kumimoji="1" lang="en-US" altLang="ja-JP" dirty="0" smtClean="0">
@@ -11687,11 +11653,7 @@
             <a:p>
               <a:r>
                 <a:rPr kumimoji="1" lang="ja-JP" altLang="en-US" dirty="0" smtClean="0"/>
-                <a:t>破片</a:t>
-              </a:r>
-              <a:r>
-                <a:rPr kumimoji="1" lang="ja-JP" altLang="en-US" dirty="0" smtClean="0"/>
-                <a:t>（</a:t>
+                <a:t>破片（</a:t>
               </a:r>
               <a:r>
                 <a:rPr kumimoji="1" lang="en-US" altLang="ja-JP" dirty="0" smtClean="0">
@@ -21253,7 +21215,7 @@
           <a:p>
             <a:r>
               <a:rPr kumimoji="1" lang="ja-JP" altLang="en-US" dirty="0" smtClean="0"/>
-              <a:t>デブリ円盤内の衝突破壊</a:t>
+              <a:t>デブリ円盤の進化と惑星探査</a:t>
             </a:r>
             <a:endParaRPr kumimoji="1" lang="ja-JP" altLang="en-US" dirty="0"/>
           </a:p>
@@ -21298,10 +21260,14 @@
           <a:lstStyle/>
           <a:p>
             <a:r>
-              <a:rPr lang="ja-JP" altLang="en-US" smtClean="0"/>
-              <a:t>夏の学校　星形成・惑星系分科会</a:t>
-            </a:r>
-            <a:endParaRPr lang="en-US"/>
+              <a:rPr lang="ja-JP" altLang="en-US" dirty="0"/>
+              <a:t>夏の学校　星形成・惑星系</a:t>
+            </a:r>
+            <a:r>
+              <a:rPr lang="ja-JP" altLang="en-US" dirty="0" smtClean="0"/>
+              <a:t>分科会</a:t>
+            </a:r>
+            <a:endParaRPr lang="en-US" altLang="ja-JP" dirty="0"/>
           </a:p>
         </p:txBody>
       </p:sp>
@@ -21323,1527 +21289,6 @@
             <a:fld id="{2066355A-084C-D24E-9AD2-7E4FC41EA627}" type="slidenum">
               <a:rPr lang="en-US" smtClean="0"/>
               <a:t>4</a:t>
-            </a:fld>
-            <a:endParaRPr lang="en-US"/>
-          </a:p>
-        </p:txBody>
-      </p:sp>
-      <p:sp>
-        <p:nvSpPr>
-          <p:cNvPr id="14" name="テキスト ボックス 13"/>
-          <p:cNvSpPr txBox="1"/>
-          <p:nvPr/>
-        </p:nvSpPr>
-        <p:spPr>
-          <a:xfrm>
-            <a:off x="431357" y="1022063"/>
-            <a:ext cx="8321693" cy="646331"/>
-          </a:xfrm>
-          <a:prstGeom prst="rect">
-            <a:avLst/>
-          </a:prstGeom>
-          <a:noFill/>
-        </p:spPr>
-        <p:txBody>
-          <a:bodyPr wrap="square" rtlCol="0">
-            <a:spAutoFit/>
-          </a:bodyPr>
-          <a:lstStyle/>
-          <a:p>
-            <a:pPr marL="285750" indent="-285750">
-              <a:buFont typeface="Arial"/>
-              <a:buChar char="•"/>
-            </a:pPr>
-            <a:r>
-              <a:rPr kumimoji="1" lang="ja-JP" altLang="en-US" dirty="0" smtClean="0">
-                <a:latin typeface="+mn-ea"/>
-              </a:rPr>
-              <a:t>デブリ円盤を構成する破片は相対速度が大きいため破壊を繰り返し、破片はどんどん小さくなる（</a:t>
-            </a:r>
-            <a:r>
-              <a:rPr kumimoji="1" lang="ja-JP" altLang="en-US" dirty="0">
-                <a:solidFill>
-                  <a:srgbClr val="FF0000"/>
-                </a:solidFill>
-                <a:latin typeface="+mn-ea"/>
-              </a:rPr>
-              <a:t>衝突カスケード</a:t>
-            </a:r>
-            <a:r>
-              <a:rPr kumimoji="1" lang="ja-JP" altLang="en-US" dirty="0" smtClean="0">
-                <a:latin typeface="+mn-ea"/>
-              </a:rPr>
-              <a:t>）</a:t>
-            </a:r>
-            <a:endParaRPr kumimoji="1" lang="en-US" altLang="ja-JP" dirty="0" smtClean="0">
-              <a:latin typeface="+mn-ea"/>
-            </a:endParaRPr>
-          </a:p>
-        </p:txBody>
-      </p:sp>
-      <p:sp>
-        <p:nvSpPr>
-          <p:cNvPr id="15" name="テキスト ボックス 14"/>
-          <p:cNvSpPr txBox="1"/>
-          <p:nvPr/>
-        </p:nvSpPr>
-        <p:spPr>
-          <a:xfrm>
-            <a:off x="431358" y="1809796"/>
-            <a:ext cx="8321692" cy="646331"/>
-          </a:xfrm>
-          <a:prstGeom prst="rect">
-            <a:avLst/>
-          </a:prstGeom>
-          <a:noFill/>
-        </p:spPr>
-        <p:txBody>
-          <a:bodyPr wrap="square" rtlCol="0">
-            <a:spAutoFit/>
-          </a:bodyPr>
-          <a:lstStyle/>
-          <a:p>
-            <a:pPr marL="285750" indent="-285750">
-              <a:buFont typeface="Arial"/>
-              <a:buChar char="•"/>
-            </a:pPr>
-            <a:r>
-              <a:rPr kumimoji="1" lang="ja-JP" altLang="en-US" dirty="0" smtClean="0"/>
-              <a:t>ダストのサイズ（</a:t>
-            </a:r>
-            <a:r>
-              <a:rPr kumimoji="1" lang="en-US" altLang="ja-JP" dirty="0" smtClean="0">
-                <a:latin typeface="Helvetica"/>
-                <a:cs typeface="Helvetica"/>
-              </a:rPr>
-              <a:t>~</a:t>
-            </a:r>
-            <a:r>
-              <a:rPr kumimoji="1" lang="en-US" altLang="ja-JP" dirty="0" err="1" smtClean="0">
-                <a:latin typeface="Helvetica"/>
-                <a:cs typeface="Helvetica"/>
-              </a:rPr>
-              <a:t>μm</a:t>
-            </a:r>
-            <a:r>
-              <a:rPr kumimoji="1" lang="ja-JP" altLang="en-US" dirty="0" smtClean="0"/>
-              <a:t>）まで破片が小さくなると、</a:t>
-            </a:r>
-            <a:r>
-              <a:rPr kumimoji="1" lang="en-US" altLang="ja-JP" dirty="0" smtClean="0">
-                <a:latin typeface="+mn-ea"/>
-              </a:rPr>
-              <a:t>(1)</a:t>
-            </a:r>
-            <a:r>
-              <a:rPr kumimoji="1" lang="ja-JP" altLang="en-US" dirty="0" smtClean="0"/>
-              <a:t>ガスドラッグ、</a:t>
-            </a:r>
-            <a:r>
-              <a:rPr kumimoji="1" lang="en-US" altLang="ja-JP" dirty="0" smtClean="0">
-                <a:latin typeface="Helvetica"/>
-                <a:cs typeface="Helvetica"/>
-              </a:rPr>
-              <a:t>(2)</a:t>
-            </a:r>
-            <a:r>
-              <a:rPr kumimoji="1" lang="ja-JP" altLang="en-US" dirty="0" smtClean="0"/>
-              <a:t>ポインティング</a:t>
-            </a:r>
-            <a:r>
-              <a:rPr kumimoji="1" lang="en-US" altLang="ja-JP" dirty="0" smtClean="0"/>
-              <a:t>−</a:t>
-            </a:r>
-            <a:r>
-              <a:rPr kumimoji="1" lang="ja-JP" altLang="en-US" dirty="0" smtClean="0"/>
-              <a:t>ロバートソン効果、</a:t>
-            </a:r>
-            <a:r>
-              <a:rPr kumimoji="1" lang="en-US" altLang="ja-JP" dirty="0" smtClean="0">
-                <a:latin typeface="Helvetica"/>
-                <a:cs typeface="Helvetica"/>
-              </a:rPr>
-              <a:t>(3)</a:t>
-            </a:r>
-            <a:r>
-              <a:rPr kumimoji="1" lang="ja-JP" altLang="en-US" dirty="0" smtClean="0"/>
-              <a:t>輻射圧によって円盤から取り除かれる</a:t>
-            </a:r>
-            <a:endParaRPr kumimoji="1" lang="ja-JP" altLang="en-US" dirty="0"/>
-          </a:p>
-        </p:txBody>
-      </p:sp>
-      <p:grpSp>
-        <p:nvGrpSpPr>
-          <p:cNvPr id="50" name="図形グループ 49"/>
-          <p:cNvGrpSpPr/>
-          <p:nvPr/>
-        </p:nvGrpSpPr>
-        <p:grpSpPr>
-          <a:xfrm>
-            <a:off x="999268" y="4656740"/>
-            <a:ext cx="2963457" cy="1472511"/>
-            <a:chOff x="6097632" y="3093495"/>
-            <a:chExt cx="2963457" cy="1472511"/>
-          </a:xfrm>
-        </p:grpSpPr>
-        <p:cxnSp>
-          <p:nvCxnSpPr>
-            <p:cNvPr id="29" name="直線矢印コネクタ 28"/>
-            <p:cNvCxnSpPr/>
-            <p:nvPr/>
-          </p:nvCxnSpPr>
-          <p:spPr>
-            <a:xfrm flipV="1">
-              <a:off x="6833731" y="3345324"/>
-              <a:ext cx="0" cy="1000129"/>
-            </a:xfrm>
-            <a:prstGeom prst="straightConnector1">
-              <a:avLst/>
-            </a:prstGeom>
-            <a:ln>
-              <a:solidFill>
-                <a:schemeClr val="tx1"/>
-              </a:solidFill>
-              <a:tailEnd type="arrow"/>
-            </a:ln>
-            <a:effectLst/>
-          </p:spPr>
-          <p:style>
-            <a:lnRef idx="2">
-              <a:schemeClr val="accent1"/>
-            </a:lnRef>
-            <a:fillRef idx="0">
-              <a:schemeClr val="accent1"/>
-            </a:fillRef>
-            <a:effectRef idx="1">
-              <a:schemeClr val="accent1"/>
-            </a:effectRef>
-            <a:fontRef idx="minor">
-              <a:schemeClr val="tx1"/>
-            </a:fontRef>
-          </p:style>
-        </p:cxnSp>
-        <p:cxnSp>
-          <p:nvCxnSpPr>
-            <p:cNvPr id="32" name="直線矢印コネクタ 31"/>
-            <p:cNvCxnSpPr/>
-            <p:nvPr/>
-          </p:nvCxnSpPr>
-          <p:spPr>
-            <a:xfrm>
-              <a:off x="6728781" y="4261484"/>
-              <a:ext cx="1405052" cy="1"/>
-            </a:xfrm>
-            <a:prstGeom prst="straightConnector1">
-              <a:avLst/>
-            </a:prstGeom>
-            <a:ln>
-              <a:solidFill>
-                <a:schemeClr val="tx1"/>
-              </a:solidFill>
-              <a:tailEnd type="arrow"/>
-            </a:ln>
-            <a:effectLst/>
-          </p:spPr>
-          <p:style>
-            <a:lnRef idx="2">
-              <a:schemeClr val="accent1"/>
-            </a:lnRef>
-            <a:fillRef idx="0">
-              <a:schemeClr val="accent1"/>
-            </a:fillRef>
-            <a:effectRef idx="1">
-              <a:schemeClr val="accent1"/>
-            </a:effectRef>
-            <a:fontRef idx="minor">
-              <a:schemeClr val="tx1"/>
-            </a:fontRef>
-          </p:style>
-        </p:cxnSp>
-        <p:sp>
-          <p:nvSpPr>
-            <p:cNvPr id="35" name="テキスト ボックス 34"/>
-            <p:cNvSpPr txBox="1"/>
-            <p:nvPr/>
-          </p:nvSpPr>
-          <p:spPr>
-            <a:xfrm>
-              <a:off x="8106719" y="4060657"/>
-              <a:ext cx="954370" cy="369332"/>
-            </a:xfrm>
-            <a:prstGeom prst="rect">
-              <a:avLst/>
-            </a:prstGeom>
-            <a:noFill/>
-          </p:spPr>
-          <p:txBody>
-            <a:bodyPr wrap="none" rtlCol="0">
-              <a:spAutoFit/>
-            </a:bodyPr>
-            <a:lstStyle/>
-            <a:p>
-              <a:r>
-                <a:rPr kumimoji="1" lang="en-US" altLang="ja-JP" dirty="0" smtClean="0">
-                  <a:latin typeface="Helvetica"/>
-                  <a:cs typeface="Helvetica"/>
-                </a:rPr>
-                <a:t>log</a:t>
-              </a:r>
-              <a:r>
-                <a:rPr kumimoji="1" lang="ja-JP" altLang="en-US" dirty="0" smtClean="0"/>
-                <a:t>質量</a:t>
-              </a:r>
-              <a:endParaRPr kumimoji="1" lang="ja-JP" altLang="en-US" dirty="0"/>
-            </a:p>
-          </p:txBody>
-        </p:sp>
-        <p:sp>
-          <p:nvSpPr>
-            <p:cNvPr id="36" name="テキスト ボックス 35"/>
-            <p:cNvSpPr txBox="1"/>
-            <p:nvPr/>
-          </p:nvSpPr>
-          <p:spPr>
-            <a:xfrm>
-              <a:off x="6097632" y="3596012"/>
-              <a:ext cx="736099" cy="369332"/>
-            </a:xfrm>
-            <a:prstGeom prst="rect">
-              <a:avLst/>
-            </a:prstGeom>
-            <a:noFill/>
-          </p:spPr>
-          <p:txBody>
-            <a:bodyPr wrap="none" rtlCol="0">
-              <a:spAutoFit/>
-            </a:bodyPr>
-            <a:lstStyle/>
-            <a:p>
-              <a:r>
-                <a:rPr kumimoji="1" lang="en-US" altLang="ja-JP" dirty="0" smtClean="0">
-                  <a:latin typeface="Helvetica"/>
-                  <a:cs typeface="Helvetica"/>
-                </a:rPr>
-                <a:t>log</a:t>
-              </a:r>
-              <a:r>
-                <a:rPr kumimoji="1" lang="ja-JP" altLang="en-US" dirty="0" smtClean="0"/>
-                <a:t>数</a:t>
-              </a:r>
-              <a:endParaRPr kumimoji="1" lang="ja-JP" altLang="en-US" dirty="0"/>
-            </a:p>
-          </p:txBody>
-        </p:sp>
-        <p:cxnSp>
-          <p:nvCxnSpPr>
-            <p:cNvPr id="38" name="直線コネクタ 37"/>
-            <p:cNvCxnSpPr/>
-            <p:nvPr/>
-          </p:nvCxnSpPr>
-          <p:spPr>
-            <a:xfrm>
-              <a:off x="7010400" y="3473071"/>
-              <a:ext cx="914400" cy="567286"/>
-            </a:xfrm>
-            <a:prstGeom prst="line">
-              <a:avLst/>
-            </a:prstGeom>
-            <a:ln>
-              <a:solidFill>
-                <a:schemeClr val="tx1"/>
-              </a:solidFill>
-            </a:ln>
-            <a:effectLst/>
-          </p:spPr>
-          <p:style>
-            <a:lnRef idx="2">
-              <a:schemeClr val="accent1"/>
-            </a:lnRef>
-            <a:fillRef idx="0">
-              <a:schemeClr val="accent1"/>
-            </a:fillRef>
-            <a:effectRef idx="1">
-              <a:schemeClr val="accent1"/>
-            </a:effectRef>
-            <a:fontRef idx="minor">
-              <a:schemeClr val="tx1"/>
-            </a:fontRef>
-          </p:style>
-        </p:cxnSp>
-        <p:cxnSp>
-          <p:nvCxnSpPr>
-            <p:cNvPr id="41" name="直線コネクタ 40"/>
-            <p:cNvCxnSpPr/>
-            <p:nvPr/>
-          </p:nvCxnSpPr>
-          <p:spPr>
-            <a:xfrm>
-              <a:off x="7010400" y="3473071"/>
-              <a:ext cx="0" cy="788414"/>
-            </a:xfrm>
-            <a:prstGeom prst="line">
-              <a:avLst/>
-            </a:prstGeom>
-            <a:ln w="12700" cap="flat">
-              <a:solidFill>
-                <a:schemeClr val="tx1"/>
-              </a:solidFill>
-              <a:prstDash val="dash"/>
-            </a:ln>
-            <a:effectLst/>
-          </p:spPr>
-          <p:style>
-            <a:lnRef idx="2">
-              <a:schemeClr val="accent1"/>
-            </a:lnRef>
-            <a:fillRef idx="0">
-              <a:schemeClr val="accent1"/>
-            </a:fillRef>
-            <a:effectRef idx="1">
-              <a:schemeClr val="accent1"/>
-            </a:effectRef>
-            <a:fontRef idx="minor">
-              <a:schemeClr val="tx1"/>
-            </a:fontRef>
-          </p:style>
-        </p:cxnSp>
-        <p:cxnSp>
-          <p:nvCxnSpPr>
-            <p:cNvPr id="44" name="直線コネクタ 43"/>
-            <p:cNvCxnSpPr/>
-            <p:nvPr/>
-          </p:nvCxnSpPr>
-          <p:spPr>
-            <a:xfrm flipH="1">
-              <a:off x="7924800" y="4040357"/>
-              <a:ext cx="1" cy="221127"/>
-            </a:xfrm>
-            <a:prstGeom prst="line">
-              <a:avLst/>
-            </a:prstGeom>
-            <a:ln w="12700" cap="flat">
-              <a:solidFill>
-                <a:schemeClr val="tx1"/>
-              </a:solidFill>
-              <a:prstDash val="dash"/>
-            </a:ln>
-            <a:effectLst/>
-          </p:spPr>
-          <p:style>
-            <a:lnRef idx="2">
-              <a:schemeClr val="accent1"/>
-            </a:lnRef>
-            <a:fillRef idx="0">
-              <a:schemeClr val="accent1"/>
-            </a:fillRef>
-            <a:effectRef idx="1">
-              <a:schemeClr val="accent1"/>
-            </a:effectRef>
-            <a:fontRef idx="minor">
-              <a:schemeClr val="tx1"/>
-            </a:fontRef>
-          </p:style>
-        </p:cxnSp>
-        <p:sp>
-          <p:nvSpPr>
-            <p:cNvPr id="47" name="テキスト ボックス 46"/>
-            <p:cNvSpPr txBox="1"/>
-            <p:nvPr/>
-          </p:nvSpPr>
-          <p:spPr>
-            <a:xfrm>
-              <a:off x="6833731" y="3093495"/>
-              <a:ext cx="1569660" cy="369332"/>
-            </a:xfrm>
-            <a:prstGeom prst="rect">
-              <a:avLst/>
-            </a:prstGeom>
-            <a:noFill/>
-          </p:spPr>
-          <p:txBody>
-            <a:bodyPr wrap="none" rtlCol="0">
-              <a:spAutoFit/>
-            </a:bodyPr>
-            <a:lstStyle/>
-            <a:p>
-              <a:r>
-                <a:rPr kumimoji="1" lang="ja-JP" altLang="en-US" dirty="0" smtClean="0"/>
-                <a:t>破片質量分布</a:t>
-              </a:r>
-              <a:endParaRPr kumimoji="1" lang="ja-JP" altLang="en-US" dirty="0"/>
-            </a:p>
-          </p:txBody>
-        </p:sp>
-        <p:sp>
-          <p:nvSpPr>
-            <p:cNvPr id="48" name="テキスト ボックス 47"/>
-            <p:cNvSpPr txBox="1"/>
-            <p:nvPr/>
-          </p:nvSpPr>
-          <p:spPr>
-            <a:xfrm>
-              <a:off x="6789190" y="4196674"/>
-              <a:ext cx="624916" cy="369332"/>
-            </a:xfrm>
-            <a:prstGeom prst="rect">
-              <a:avLst/>
-            </a:prstGeom>
-            <a:noFill/>
-          </p:spPr>
-          <p:txBody>
-            <a:bodyPr wrap="none" rtlCol="0">
-              <a:spAutoFit/>
-            </a:bodyPr>
-            <a:lstStyle/>
-            <a:p>
-              <a:r>
-                <a:rPr kumimoji="1" lang="en-US" altLang="ja-JP" dirty="0" err="1" smtClean="0">
-                  <a:latin typeface="Helvetica"/>
-                  <a:cs typeface="Helvetica"/>
-                </a:rPr>
-                <a:t>m</a:t>
-              </a:r>
-              <a:r>
-                <a:rPr kumimoji="1" lang="en-US" altLang="ja-JP" baseline="-25000" dirty="0" err="1" smtClean="0">
-                  <a:latin typeface="Helvetica"/>
-                  <a:cs typeface="Helvetica"/>
-                </a:rPr>
-                <a:t>min</a:t>
-              </a:r>
-              <a:endParaRPr kumimoji="1" lang="ja-JP" altLang="en-US" dirty="0">
-                <a:latin typeface="Helvetica"/>
-                <a:cs typeface="Helvetica"/>
-              </a:endParaRPr>
-            </a:p>
-          </p:txBody>
-        </p:sp>
-        <p:sp>
-          <p:nvSpPr>
-            <p:cNvPr id="49" name="テキスト ボックス 48"/>
-            <p:cNvSpPr txBox="1"/>
-            <p:nvPr/>
-          </p:nvSpPr>
-          <p:spPr>
-            <a:xfrm>
-              <a:off x="7588810" y="4196674"/>
-              <a:ext cx="671979" cy="369332"/>
-            </a:xfrm>
-            <a:prstGeom prst="rect">
-              <a:avLst/>
-            </a:prstGeom>
-            <a:noFill/>
-          </p:spPr>
-          <p:txBody>
-            <a:bodyPr wrap="none" rtlCol="0">
-              <a:spAutoFit/>
-            </a:bodyPr>
-            <a:lstStyle/>
-            <a:p>
-              <a:r>
-                <a:rPr kumimoji="1" lang="en-US" altLang="ja-JP" dirty="0" err="1" smtClean="0">
-                  <a:latin typeface="Helvetica"/>
-                  <a:cs typeface="Helvetica"/>
-                </a:rPr>
-                <a:t>m</a:t>
-              </a:r>
-              <a:r>
-                <a:rPr kumimoji="1" lang="en-US" altLang="ja-JP" baseline="-25000" dirty="0" err="1" smtClean="0">
-                  <a:latin typeface="Helvetica"/>
-                  <a:cs typeface="Helvetica"/>
-                </a:rPr>
-                <a:t>max</a:t>
-              </a:r>
-              <a:endParaRPr kumimoji="1" lang="ja-JP" altLang="en-US" dirty="0">
-                <a:latin typeface="Helvetica"/>
-                <a:cs typeface="Helvetica"/>
-              </a:endParaRPr>
-            </a:p>
-          </p:txBody>
-        </p:sp>
-      </p:grpSp>
-      <p:grpSp>
-        <p:nvGrpSpPr>
-          <p:cNvPr id="53" name="図形グループ 52"/>
-          <p:cNvGrpSpPr/>
-          <p:nvPr/>
-        </p:nvGrpSpPr>
-        <p:grpSpPr>
-          <a:xfrm>
-            <a:off x="431358" y="2640793"/>
-            <a:ext cx="8321692" cy="923330"/>
-            <a:chOff x="431358" y="2640793"/>
-            <a:chExt cx="8186306" cy="923330"/>
-          </a:xfrm>
-        </p:grpSpPr>
-        <p:sp>
-          <p:nvSpPr>
-            <p:cNvPr id="51" name="テキスト ボックス 50"/>
-            <p:cNvSpPr txBox="1"/>
-            <p:nvPr/>
-          </p:nvSpPr>
-          <p:spPr>
-            <a:xfrm>
-              <a:off x="431358" y="2640793"/>
-              <a:ext cx="8186306" cy="923330"/>
-            </a:xfrm>
-            <a:prstGeom prst="rect">
-              <a:avLst/>
-            </a:prstGeom>
-            <a:noFill/>
-          </p:spPr>
-          <p:txBody>
-            <a:bodyPr wrap="square" rtlCol="0">
-              <a:spAutoFit/>
-            </a:bodyPr>
-            <a:lstStyle/>
-            <a:p>
-              <a:pPr marL="285750" indent="-285750">
-                <a:buFont typeface="Arial"/>
-                <a:buChar char="•"/>
-              </a:pPr>
-              <a:r>
-                <a:rPr kumimoji="1" lang="ja-JP" altLang="en-US" dirty="0" smtClean="0"/>
-                <a:t>質量フラックス</a:t>
-              </a:r>
-              <a:r>
-                <a:rPr kumimoji="1" lang="ja-JP" altLang="ja-JP" dirty="0"/>
-                <a:t>　</a:t>
-              </a:r>
-              <a:r>
-                <a:rPr kumimoji="1" lang="ja-JP" altLang="en-US" dirty="0" smtClean="0"/>
-                <a:t>　　は、破壊のタイムスケール程度時間が経つと衝突カスケードによって定常となり、その結果、破片の質量分布のべきは変化せず、総質量のみが減少する</a:t>
-              </a:r>
-              <a:endParaRPr kumimoji="1" lang="ja-JP" altLang="en-US" dirty="0"/>
-            </a:p>
-          </p:txBody>
-        </p:sp>
-        <p:pic>
-          <p:nvPicPr>
-            <p:cNvPr id="52" name="図 51" descr="latex-image-1.pdf"/>
-            <p:cNvPicPr>
-              <a:picLocks noChangeAspect="1"/>
-            </p:cNvPicPr>
-            <p:nvPr/>
-          </p:nvPicPr>
-          <p:blipFill>
-            <a:blip r:embed="rId3">
-              <a:extLst>
-                <a:ext uri="{28A0092B-C50C-407E-A947-70E740481C1C}">
-                  <a14:useLocalDpi xmlns:a14="http://schemas.microsoft.com/office/drawing/2010/main" val="0"/>
-                </a:ext>
-              </a:extLst>
-            </a:blip>
-            <a:stretch>
-              <a:fillRect/>
-            </a:stretch>
-          </p:blipFill>
-          <p:spPr>
-            <a:xfrm>
-              <a:off x="2394507" y="2693273"/>
-              <a:ext cx="621506" cy="277057"/>
-            </a:xfrm>
-            <a:prstGeom prst="rect">
-              <a:avLst/>
-            </a:prstGeom>
-          </p:spPr>
-        </p:pic>
-      </p:grpSp>
-      <p:grpSp>
-        <p:nvGrpSpPr>
-          <p:cNvPr id="59" name="図形グループ 58"/>
-          <p:cNvGrpSpPr/>
-          <p:nvPr/>
-        </p:nvGrpSpPr>
-        <p:grpSpPr>
-          <a:xfrm>
-            <a:off x="4951244" y="3745385"/>
-            <a:ext cx="3007576" cy="680646"/>
-            <a:chOff x="5866852" y="3791474"/>
-            <a:chExt cx="3007576" cy="680646"/>
-          </a:xfrm>
-        </p:grpSpPr>
-        <p:pic>
-          <p:nvPicPr>
-            <p:cNvPr id="54" name="図 53" descr="latex-image-1.pdf"/>
-            <p:cNvPicPr>
-              <a:picLocks noChangeAspect="1"/>
-            </p:cNvPicPr>
-            <p:nvPr/>
-          </p:nvPicPr>
-          <p:blipFill>
-            <a:blip r:embed="rId4">
-              <a:extLst>
-                <a:ext uri="{28A0092B-C50C-407E-A947-70E740481C1C}">
-                  <a14:useLocalDpi xmlns:a14="http://schemas.microsoft.com/office/drawing/2010/main" val="0"/>
-                </a:ext>
-              </a:extLst>
-            </a:blip>
-            <a:stretch>
-              <a:fillRect/>
-            </a:stretch>
-          </p:blipFill>
-          <p:spPr>
-            <a:xfrm>
-              <a:off x="6015662" y="3791474"/>
-              <a:ext cx="2737388" cy="314545"/>
-            </a:xfrm>
-            <a:prstGeom prst="rect">
-              <a:avLst/>
-            </a:prstGeom>
-          </p:spPr>
-        </p:pic>
-        <p:sp>
-          <p:nvSpPr>
-            <p:cNvPr id="57" name="テキスト ボックス 56"/>
-            <p:cNvSpPr txBox="1"/>
-            <p:nvPr/>
-          </p:nvSpPr>
-          <p:spPr>
-            <a:xfrm>
-              <a:off x="5866852" y="4102788"/>
-              <a:ext cx="1546578" cy="369332"/>
-            </a:xfrm>
-            <a:prstGeom prst="rect">
-              <a:avLst/>
-            </a:prstGeom>
-            <a:noFill/>
-          </p:spPr>
-          <p:txBody>
-            <a:bodyPr wrap="none" rtlCol="0">
-              <a:spAutoFit/>
-            </a:bodyPr>
-            <a:lstStyle/>
-            <a:p>
-              <a:r>
-                <a:rPr kumimoji="1" lang="ja-JP" altLang="en-US" dirty="0" smtClean="0"/>
-                <a:t>入ってくる量</a:t>
-              </a:r>
-              <a:endParaRPr kumimoji="1" lang="ja-JP" altLang="en-US" dirty="0"/>
-            </a:p>
-          </p:txBody>
-        </p:sp>
-        <p:sp>
-          <p:nvSpPr>
-            <p:cNvPr id="58" name="テキスト ボックス 57"/>
-            <p:cNvSpPr txBox="1"/>
-            <p:nvPr/>
-          </p:nvSpPr>
-          <p:spPr>
-            <a:xfrm>
-              <a:off x="7535600" y="4102788"/>
-              <a:ext cx="1338828" cy="369332"/>
-            </a:xfrm>
-            <a:prstGeom prst="rect">
-              <a:avLst/>
-            </a:prstGeom>
-            <a:noFill/>
-          </p:spPr>
-          <p:txBody>
-            <a:bodyPr wrap="none" rtlCol="0">
-              <a:spAutoFit/>
-            </a:bodyPr>
-            <a:lstStyle/>
-            <a:p>
-              <a:r>
-                <a:rPr kumimoji="1" lang="ja-JP" altLang="en-US" dirty="0" smtClean="0"/>
-                <a:t>出ていく量</a:t>
-              </a:r>
-              <a:endParaRPr kumimoji="1" lang="ja-JP" altLang="en-US" dirty="0"/>
-            </a:p>
-          </p:txBody>
-        </p:sp>
-      </p:grpSp>
-      <p:grpSp>
-        <p:nvGrpSpPr>
-          <p:cNvPr id="72" name="図形グループ 71"/>
-          <p:cNvGrpSpPr/>
-          <p:nvPr/>
-        </p:nvGrpSpPr>
-        <p:grpSpPr>
-          <a:xfrm>
-            <a:off x="1597950" y="3745385"/>
-            <a:ext cx="2056833" cy="610161"/>
-            <a:chOff x="2136168" y="3544062"/>
-            <a:chExt cx="2056833" cy="610161"/>
-          </a:xfrm>
-        </p:grpSpPr>
-        <p:pic>
-          <p:nvPicPr>
-            <p:cNvPr id="55" name="図 54" descr="latex-image-1.pdf"/>
-            <p:cNvPicPr>
-              <a:picLocks noChangeAspect="1"/>
-            </p:cNvPicPr>
-            <p:nvPr/>
-          </p:nvPicPr>
-          <p:blipFill>
-            <a:blip r:embed="rId5">
-              <a:extLst>
-                <a:ext uri="{28A0092B-C50C-407E-A947-70E740481C1C}">
-                  <a14:useLocalDpi xmlns:a14="http://schemas.microsoft.com/office/drawing/2010/main" val="0"/>
-                </a:ext>
-              </a:extLst>
-            </a:blip>
-            <a:stretch>
-              <a:fillRect/>
-            </a:stretch>
-          </p:blipFill>
-          <p:spPr>
-            <a:xfrm>
-              <a:off x="2782499" y="3544062"/>
-              <a:ext cx="1410502" cy="610161"/>
-            </a:xfrm>
-            <a:prstGeom prst="rect">
-              <a:avLst/>
-            </a:prstGeom>
-          </p:spPr>
-        </p:pic>
-        <p:sp>
-          <p:nvSpPr>
-            <p:cNvPr id="71" name="テキスト ボックス 70"/>
-            <p:cNvSpPr txBox="1"/>
-            <p:nvPr/>
-          </p:nvSpPr>
-          <p:spPr>
-            <a:xfrm>
-              <a:off x="2136168" y="3663444"/>
-              <a:ext cx="646331" cy="369332"/>
-            </a:xfrm>
-            <a:prstGeom prst="rect">
-              <a:avLst/>
-            </a:prstGeom>
-            <a:noFill/>
-          </p:spPr>
-          <p:txBody>
-            <a:bodyPr wrap="none" rtlCol="0">
-              <a:spAutoFit/>
-            </a:bodyPr>
-            <a:lstStyle/>
-            <a:p>
-              <a:r>
-                <a:rPr kumimoji="1" lang="ja-JP" altLang="en-US" dirty="0" smtClean="0"/>
-                <a:t>定常</a:t>
-              </a:r>
-              <a:endParaRPr kumimoji="1" lang="ja-JP" altLang="en-US" dirty="0"/>
-            </a:p>
-          </p:txBody>
-        </p:sp>
-      </p:grpSp>
-      <p:grpSp>
-        <p:nvGrpSpPr>
-          <p:cNvPr id="74" name="図形グループ 73"/>
-          <p:cNvGrpSpPr/>
-          <p:nvPr/>
-        </p:nvGrpSpPr>
-        <p:grpSpPr>
-          <a:xfrm>
-            <a:off x="5138558" y="4656740"/>
-            <a:ext cx="2963457" cy="1472511"/>
-            <a:chOff x="4300251" y="4656740"/>
-            <a:chExt cx="2963457" cy="1472511"/>
-          </a:xfrm>
-        </p:grpSpPr>
-        <p:grpSp>
-          <p:nvGrpSpPr>
-            <p:cNvPr id="60" name="図形グループ 59"/>
-            <p:cNvGrpSpPr/>
-            <p:nvPr/>
-          </p:nvGrpSpPr>
-          <p:grpSpPr>
-            <a:xfrm>
-              <a:off x="4300251" y="4656740"/>
-              <a:ext cx="2963457" cy="1472511"/>
-              <a:chOff x="6097632" y="3093495"/>
-              <a:chExt cx="2963457" cy="1472511"/>
-            </a:xfrm>
-          </p:grpSpPr>
-          <p:cxnSp>
-            <p:nvCxnSpPr>
-              <p:cNvPr id="61" name="直線矢印コネクタ 60"/>
-              <p:cNvCxnSpPr/>
-              <p:nvPr/>
-            </p:nvCxnSpPr>
-            <p:spPr>
-              <a:xfrm flipV="1">
-                <a:off x="6833731" y="3345324"/>
-                <a:ext cx="0" cy="1000129"/>
-              </a:xfrm>
-              <a:prstGeom prst="straightConnector1">
-                <a:avLst/>
-              </a:prstGeom>
-              <a:ln>
-                <a:solidFill>
-                  <a:schemeClr val="tx1"/>
-                </a:solidFill>
-                <a:tailEnd type="arrow"/>
-              </a:ln>
-              <a:effectLst/>
-            </p:spPr>
-            <p:style>
-              <a:lnRef idx="2">
-                <a:schemeClr val="accent1"/>
-              </a:lnRef>
-              <a:fillRef idx="0">
-                <a:schemeClr val="accent1"/>
-              </a:fillRef>
-              <a:effectRef idx="1">
-                <a:schemeClr val="accent1"/>
-              </a:effectRef>
-              <a:fontRef idx="minor">
-                <a:schemeClr val="tx1"/>
-              </a:fontRef>
-            </p:style>
-          </p:cxnSp>
-          <p:cxnSp>
-            <p:nvCxnSpPr>
-              <p:cNvPr id="62" name="直線矢印コネクタ 61"/>
-              <p:cNvCxnSpPr/>
-              <p:nvPr/>
-            </p:nvCxnSpPr>
-            <p:spPr>
-              <a:xfrm>
-                <a:off x="6728781" y="4261484"/>
-                <a:ext cx="1405052" cy="1"/>
-              </a:xfrm>
-              <a:prstGeom prst="straightConnector1">
-                <a:avLst/>
-              </a:prstGeom>
-              <a:ln>
-                <a:solidFill>
-                  <a:schemeClr val="tx1"/>
-                </a:solidFill>
-                <a:tailEnd type="arrow"/>
-              </a:ln>
-              <a:effectLst/>
-            </p:spPr>
-            <p:style>
-              <a:lnRef idx="2">
-                <a:schemeClr val="accent1"/>
-              </a:lnRef>
-              <a:fillRef idx="0">
-                <a:schemeClr val="accent1"/>
-              </a:fillRef>
-              <a:effectRef idx="1">
-                <a:schemeClr val="accent1"/>
-              </a:effectRef>
-              <a:fontRef idx="minor">
-                <a:schemeClr val="tx1"/>
-              </a:fontRef>
-            </p:style>
-          </p:cxnSp>
-          <p:sp>
-            <p:nvSpPr>
-              <p:cNvPr id="63" name="テキスト ボックス 62"/>
-              <p:cNvSpPr txBox="1"/>
-              <p:nvPr/>
-            </p:nvSpPr>
-            <p:spPr>
-              <a:xfrm>
-                <a:off x="8106719" y="4060657"/>
-                <a:ext cx="954370" cy="369332"/>
-              </a:xfrm>
-              <a:prstGeom prst="rect">
-                <a:avLst/>
-              </a:prstGeom>
-              <a:noFill/>
-            </p:spPr>
-            <p:txBody>
-              <a:bodyPr wrap="none" rtlCol="0">
-                <a:spAutoFit/>
-              </a:bodyPr>
-              <a:lstStyle/>
-              <a:p>
-                <a:r>
-                  <a:rPr kumimoji="1" lang="en-US" altLang="ja-JP" dirty="0" smtClean="0">
-                    <a:latin typeface="Helvetica"/>
-                    <a:cs typeface="Helvetica"/>
-                  </a:rPr>
-                  <a:t>log</a:t>
-                </a:r>
-                <a:r>
-                  <a:rPr kumimoji="1" lang="ja-JP" altLang="en-US" dirty="0" smtClean="0"/>
-                  <a:t>質量</a:t>
-                </a:r>
-                <a:endParaRPr kumimoji="1" lang="ja-JP" altLang="en-US" dirty="0"/>
-              </a:p>
-            </p:txBody>
-          </p:sp>
-          <p:sp>
-            <p:nvSpPr>
-              <p:cNvPr id="64" name="テキスト ボックス 63"/>
-              <p:cNvSpPr txBox="1"/>
-              <p:nvPr/>
-            </p:nvSpPr>
-            <p:spPr>
-              <a:xfrm>
-                <a:off x="6097632" y="3596012"/>
-                <a:ext cx="736099" cy="369332"/>
-              </a:xfrm>
-              <a:prstGeom prst="rect">
-                <a:avLst/>
-              </a:prstGeom>
-              <a:noFill/>
-            </p:spPr>
-            <p:txBody>
-              <a:bodyPr wrap="none" rtlCol="0">
-                <a:spAutoFit/>
-              </a:bodyPr>
-              <a:lstStyle/>
-              <a:p>
-                <a:r>
-                  <a:rPr kumimoji="1" lang="en-US" altLang="ja-JP" dirty="0" smtClean="0">
-                    <a:latin typeface="Helvetica"/>
-                    <a:cs typeface="Helvetica"/>
-                  </a:rPr>
-                  <a:t>log</a:t>
-                </a:r>
-                <a:r>
-                  <a:rPr kumimoji="1" lang="ja-JP" altLang="en-US" dirty="0" smtClean="0"/>
-                  <a:t>数</a:t>
-                </a:r>
-                <a:endParaRPr kumimoji="1" lang="ja-JP" altLang="en-US" dirty="0"/>
-              </a:p>
-            </p:txBody>
-          </p:sp>
-          <p:cxnSp>
-            <p:nvCxnSpPr>
-              <p:cNvPr id="65" name="直線コネクタ 64"/>
-              <p:cNvCxnSpPr/>
-              <p:nvPr/>
-            </p:nvCxnSpPr>
-            <p:spPr>
-              <a:xfrm>
-                <a:off x="7010400" y="3473071"/>
-                <a:ext cx="914400" cy="567286"/>
-              </a:xfrm>
-              <a:prstGeom prst="line">
-                <a:avLst/>
-              </a:prstGeom>
-              <a:ln w="12700">
-                <a:solidFill>
-                  <a:schemeClr val="tx1"/>
-                </a:solidFill>
-                <a:prstDash val="dash"/>
-              </a:ln>
-              <a:effectLst/>
-            </p:spPr>
-            <p:style>
-              <a:lnRef idx="2">
-                <a:schemeClr val="accent1"/>
-              </a:lnRef>
-              <a:fillRef idx="0">
-                <a:schemeClr val="accent1"/>
-              </a:fillRef>
-              <a:effectRef idx="1">
-                <a:schemeClr val="accent1"/>
-              </a:effectRef>
-              <a:fontRef idx="minor">
-                <a:schemeClr val="tx1"/>
-              </a:fontRef>
-            </p:style>
-          </p:cxnSp>
-          <p:cxnSp>
-            <p:nvCxnSpPr>
-              <p:cNvPr id="66" name="直線コネクタ 65"/>
-              <p:cNvCxnSpPr/>
-              <p:nvPr/>
-            </p:nvCxnSpPr>
-            <p:spPr>
-              <a:xfrm>
-                <a:off x="7010400" y="3473071"/>
-                <a:ext cx="0" cy="788414"/>
-              </a:xfrm>
-              <a:prstGeom prst="line">
-                <a:avLst/>
-              </a:prstGeom>
-              <a:ln w="12700" cap="flat">
-                <a:solidFill>
-                  <a:schemeClr val="tx1"/>
-                </a:solidFill>
-                <a:prstDash val="dash"/>
-              </a:ln>
-              <a:effectLst/>
-            </p:spPr>
-            <p:style>
-              <a:lnRef idx="2">
-                <a:schemeClr val="accent1"/>
-              </a:lnRef>
-              <a:fillRef idx="0">
-                <a:schemeClr val="accent1"/>
-              </a:fillRef>
-              <a:effectRef idx="1">
-                <a:schemeClr val="accent1"/>
-              </a:effectRef>
-              <a:fontRef idx="minor">
-                <a:schemeClr val="tx1"/>
-              </a:fontRef>
-            </p:style>
-          </p:cxnSp>
-          <p:cxnSp>
-            <p:nvCxnSpPr>
-              <p:cNvPr id="67" name="直線コネクタ 66"/>
-              <p:cNvCxnSpPr/>
-              <p:nvPr/>
-            </p:nvCxnSpPr>
-            <p:spPr>
-              <a:xfrm flipH="1">
-                <a:off x="7924800" y="4040357"/>
-                <a:ext cx="1" cy="221127"/>
-              </a:xfrm>
-              <a:prstGeom prst="line">
-                <a:avLst/>
-              </a:prstGeom>
-              <a:ln w="12700" cap="flat">
-                <a:solidFill>
-                  <a:schemeClr val="tx1"/>
-                </a:solidFill>
-                <a:prstDash val="dash"/>
-              </a:ln>
-              <a:effectLst/>
-            </p:spPr>
-            <p:style>
-              <a:lnRef idx="2">
-                <a:schemeClr val="accent1"/>
-              </a:lnRef>
-              <a:fillRef idx="0">
-                <a:schemeClr val="accent1"/>
-              </a:fillRef>
-              <a:effectRef idx="1">
-                <a:schemeClr val="accent1"/>
-              </a:effectRef>
-              <a:fontRef idx="minor">
-                <a:schemeClr val="tx1"/>
-              </a:fontRef>
-            </p:style>
-          </p:cxnSp>
-          <p:sp>
-            <p:nvSpPr>
-              <p:cNvPr id="68" name="テキスト ボックス 67"/>
-              <p:cNvSpPr txBox="1"/>
-              <p:nvPr/>
-            </p:nvSpPr>
-            <p:spPr>
-              <a:xfrm>
-                <a:off x="6833731" y="3093495"/>
-                <a:ext cx="1569660" cy="369332"/>
-              </a:xfrm>
-              <a:prstGeom prst="rect">
-                <a:avLst/>
-              </a:prstGeom>
-              <a:noFill/>
-            </p:spPr>
-            <p:txBody>
-              <a:bodyPr wrap="none" rtlCol="0">
-                <a:spAutoFit/>
-              </a:bodyPr>
-              <a:lstStyle/>
-              <a:p>
-                <a:r>
-                  <a:rPr kumimoji="1" lang="ja-JP" altLang="en-US" dirty="0" smtClean="0"/>
-                  <a:t>破片質量分布</a:t>
-                </a:r>
-                <a:endParaRPr kumimoji="1" lang="ja-JP" altLang="en-US" dirty="0"/>
-              </a:p>
-            </p:txBody>
-          </p:sp>
-          <p:sp>
-            <p:nvSpPr>
-              <p:cNvPr id="69" name="テキスト ボックス 68"/>
-              <p:cNvSpPr txBox="1"/>
-              <p:nvPr/>
-            </p:nvSpPr>
-            <p:spPr>
-              <a:xfrm>
-                <a:off x="6789190" y="4196674"/>
-                <a:ext cx="624916" cy="369332"/>
-              </a:xfrm>
-              <a:prstGeom prst="rect">
-                <a:avLst/>
-              </a:prstGeom>
-              <a:noFill/>
-            </p:spPr>
-            <p:txBody>
-              <a:bodyPr wrap="none" rtlCol="0">
-                <a:spAutoFit/>
-              </a:bodyPr>
-              <a:lstStyle/>
-              <a:p>
-                <a:r>
-                  <a:rPr kumimoji="1" lang="en-US" altLang="ja-JP" dirty="0" err="1" smtClean="0">
-                    <a:latin typeface="Helvetica"/>
-                    <a:cs typeface="Helvetica"/>
-                  </a:rPr>
-                  <a:t>m</a:t>
-                </a:r>
-                <a:r>
-                  <a:rPr kumimoji="1" lang="en-US" altLang="ja-JP" baseline="-25000" dirty="0" err="1" smtClean="0">
-                    <a:latin typeface="Helvetica"/>
-                    <a:cs typeface="Helvetica"/>
-                  </a:rPr>
-                  <a:t>min</a:t>
-                </a:r>
-                <a:endParaRPr kumimoji="1" lang="ja-JP" altLang="en-US" dirty="0">
-                  <a:latin typeface="Helvetica"/>
-                  <a:cs typeface="Helvetica"/>
-                </a:endParaRPr>
-              </a:p>
-            </p:txBody>
-          </p:sp>
-          <p:sp>
-            <p:nvSpPr>
-              <p:cNvPr id="70" name="テキスト ボックス 69"/>
-              <p:cNvSpPr txBox="1"/>
-              <p:nvPr/>
-            </p:nvSpPr>
-            <p:spPr>
-              <a:xfrm>
-                <a:off x="7588810" y="4196674"/>
-                <a:ext cx="671979" cy="369332"/>
-              </a:xfrm>
-              <a:prstGeom prst="rect">
-                <a:avLst/>
-              </a:prstGeom>
-              <a:noFill/>
-            </p:spPr>
-            <p:txBody>
-              <a:bodyPr wrap="none" rtlCol="0">
-                <a:spAutoFit/>
-              </a:bodyPr>
-              <a:lstStyle/>
-              <a:p>
-                <a:r>
-                  <a:rPr kumimoji="1" lang="en-US" altLang="ja-JP" dirty="0" err="1" smtClean="0">
-                    <a:latin typeface="Helvetica"/>
-                    <a:cs typeface="Helvetica"/>
-                  </a:rPr>
-                  <a:t>m</a:t>
-                </a:r>
-                <a:r>
-                  <a:rPr kumimoji="1" lang="en-US" altLang="ja-JP" baseline="-25000" dirty="0" err="1" smtClean="0">
-                    <a:latin typeface="Helvetica"/>
-                    <a:cs typeface="Helvetica"/>
-                  </a:rPr>
-                  <a:t>max</a:t>
-                </a:r>
-                <a:endParaRPr kumimoji="1" lang="ja-JP" altLang="en-US" dirty="0">
-                  <a:latin typeface="Helvetica"/>
-                  <a:cs typeface="Helvetica"/>
-                </a:endParaRPr>
-              </a:p>
-            </p:txBody>
-          </p:sp>
-        </p:grpSp>
-        <p:cxnSp>
-          <p:nvCxnSpPr>
-            <p:cNvPr id="73" name="直線コネクタ 72"/>
-            <p:cNvCxnSpPr/>
-            <p:nvPr/>
-          </p:nvCxnSpPr>
-          <p:spPr>
-            <a:xfrm>
-              <a:off x="5222421" y="5192633"/>
-              <a:ext cx="914400" cy="567286"/>
-            </a:xfrm>
-            <a:prstGeom prst="line">
-              <a:avLst/>
-            </a:prstGeom>
-            <a:ln>
-              <a:solidFill>
-                <a:schemeClr val="tx1"/>
-              </a:solidFill>
-            </a:ln>
-            <a:effectLst/>
-          </p:spPr>
-          <p:style>
-            <a:lnRef idx="2">
-              <a:schemeClr val="accent1"/>
-            </a:lnRef>
-            <a:fillRef idx="0">
-              <a:schemeClr val="accent1"/>
-            </a:fillRef>
-            <a:effectRef idx="1">
-              <a:schemeClr val="accent1"/>
-            </a:effectRef>
-            <a:fontRef idx="minor">
-              <a:schemeClr val="tx1"/>
-            </a:fontRef>
-          </p:style>
-        </p:cxnSp>
-      </p:grpSp>
-      <p:sp>
-        <p:nvSpPr>
-          <p:cNvPr id="75" name="下矢印 74"/>
-          <p:cNvSpPr/>
-          <p:nvPr/>
-        </p:nvSpPr>
-        <p:spPr>
-          <a:xfrm rot="16200000">
-            <a:off x="4288182" y="5140939"/>
-            <a:ext cx="484632" cy="753327"/>
-          </a:xfrm>
-          <a:prstGeom prst="downArrow">
-            <a:avLst/>
-          </a:prstGeom>
-          <a:solidFill>
-            <a:schemeClr val="accent5">
-              <a:lumMod val="60000"/>
-              <a:lumOff val="40000"/>
-            </a:schemeClr>
-          </a:solidFill>
-          <a:ln>
-            <a:noFill/>
-          </a:ln>
-          <a:effectLst/>
-        </p:spPr>
-        <p:style>
-          <a:lnRef idx="1">
-            <a:schemeClr val="accent1"/>
-          </a:lnRef>
-          <a:fillRef idx="3">
-            <a:schemeClr val="accent1"/>
-          </a:fillRef>
-          <a:effectRef idx="2">
-            <a:schemeClr val="accent1"/>
-          </a:effectRef>
-          <a:fontRef idx="minor">
-            <a:schemeClr val="lt1"/>
-          </a:fontRef>
-        </p:style>
-        <p:txBody>
-          <a:bodyPr rtlCol="0" anchor="ctr"/>
-          <a:lstStyle/>
-          <a:p>
-            <a:pPr algn="ctr"/>
-            <a:endParaRPr kumimoji="1" lang="ja-JP" altLang="en-US" dirty="0"/>
-          </a:p>
-        </p:txBody>
-      </p:sp>
-      <p:sp>
-        <p:nvSpPr>
-          <p:cNvPr id="79" name="テキスト ボックス 78"/>
-          <p:cNvSpPr txBox="1"/>
-          <p:nvPr/>
-        </p:nvSpPr>
-        <p:spPr>
-          <a:xfrm>
-            <a:off x="6846599" y="5090620"/>
-            <a:ext cx="2031325" cy="369332"/>
-          </a:xfrm>
-          <a:prstGeom prst="rect">
-            <a:avLst/>
-          </a:prstGeom>
-          <a:noFill/>
-        </p:spPr>
-        <p:txBody>
-          <a:bodyPr wrap="none" rtlCol="0">
-            <a:spAutoFit/>
-          </a:bodyPr>
-          <a:lstStyle/>
-          <a:p>
-            <a:r>
-              <a:rPr kumimoji="1" lang="ja-JP" altLang="en-US" dirty="0" smtClean="0"/>
-              <a:t>べきは変わらない</a:t>
-            </a:r>
-            <a:endParaRPr kumimoji="1" lang="ja-JP" altLang="en-US" dirty="0"/>
-          </a:p>
-        </p:txBody>
-      </p:sp>
-      <p:sp>
-        <p:nvSpPr>
-          <p:cNvPr id="80" name="テキスト ボックス 79"/>
-          <p:cNvSpPr txBox="1"/>
-          <p:nvPr/>
-        </p:nvSpPr>
-        <p:spPr>
-          <a:xfrm>
-            <a:off x="3809781" y="3862627"/>
-            <a:ext cx="1107996" cy="369332"/>
-          </a:xfrm>
-          <a:prstGeom prst="rect">
-            <a:avLst/>
-          </a:prstGeom>
-          <a:noFill/>
-        </p:spPr>
-        <p:txBody>
-          <a:bodyPr wrap="none" rtlCol="0">
-            <a:spAutoFit/>
-          </a:bodyPr>
-          <a:lstStyle/>
-          <a:p>
-            <a:r>
-              <a:rPr kumimoji="1" lang="ja-JP" altLang="en-US" dirty="0" smtClean="0"/>
-              <a:t>すなわち</a:t>
-            </a:r>
-            <a:endParaRPr kumimoji="1" lang="ja-JP" altLang="en-US" dirty="0"/>
-          </a:p>
-        </p:txBody>
-      </p:sp>
-      <p:sp>
-        <p:nvSpPr>
-          <p:cNvPr id="3" name="テキスト ボックス 2"/>
-          <p:cNvSpPr txBox="1"/>
-          <p:nvPr/>
-        </p:nvSpPr>
-        <p:spPr>
-          <a:xfrm>
-            <a:off x="5822275" y="3293921"/>
-            <a:ext cx="2929007" cy="369332"/>
-          </a:xfrm>
-          <a:prstGeom prst="rect">
-            <a:avLst/>
-          </a:prstGeom>
-          <a:noFill/>
-        </p:spPr>
-        <p:txBody>
-          <a:bodyPr wrap="none" rtlCol="0">
-            <a:spAutoFit/>
-          </a:bodyPr>
-          <a:lstStyle/>
-          <a:p>
-            <a:r>
-              <a:rPr kumimoji="1" lang="en-US" altLang="ja-JP" dirty="0" smtClean="0">
-                <a:latin typeface="Helvetica"/>
-                <a:cs typeface="Helvetica"/>
-              </a:rPr>
-              <a:t>Kobayashi &amp; Tanaka, 2015</a:t>
-            </a:r>
-            <a:endParaRPr kumimoji="1" lang="ja-JP" altLang="en-US" dirty="0">
-              <a:latin typeface="Helvetica"/>
-              <a:cs typeface="Helvetica"/>
-            </a:endParaRPr>
-          </a:p>
-        </p:txBody>
-      </p:sp>
-    </p:spTree>
-    <p:extLst>
-      <p:ext uri="{BB962C8B-B14F-4D97-AF65-F5344CB8AC3E}">
-        <p14:creationId xmlns:p14="http://schemas.microsoft.com/office/powerpoint/2010/main" val="669836068"/>
-      </p:ext>
-    </p:extLst>
-  </p:cSld>
-  <p:clrMapOvr>
-    <a:masterClrMapping/>
-  </p:clrMapOvr>
-  <p:timing>
-    <p:tnLst>
-      <p:par>
-        <p:cTn xmlns:p14="http://schemas.microsoft.com/office/powerpoint/2010/main" id="1" dur="indefinite" restart="never" nodeType="tmRoot"/>
-      </p:par>
-    </p:tnLst>
-  </p:timing>
-</p:sld>
-</file>
-
-<file path=ppt/slides/slide5.xml><?xml version="1.0" encoding="utf-8"?>
-<p:sld xmlns:a="http://schemas.openxmlformats.org/drawingml/2006/main" xmlns:r="http://schemas.openxmlformats.org/officeDocument/2006/relationships" xmlns:p="http://schemas.openxmlformats.org/presentationml/2006/main">
-  <p:cSld>
-    <p:spTree>
-      <p:nvGrpSpPr>
-        <p:cNvPr id="1" name=""/>
-        <p:cNvGrpSpPr/>
-        <p:nvPr/>
-      </p:nvGrpSpPr>
-      <p:grpSpPr>
-        <a:xfrm>
-          <a:off x="0" y="0"/>
-          <a:ext cx="0" cy="0"/>
-          <a:chOff x="0" y="0"/>
-          <a:chExt cx="0" cy="0"/>
-        </a:xfrm>
-      </p:grpSpPr>
-      <p:sp>
-        <p:nvSpPr>
-          <p:cNvPr id="2" name="タイトル 1"/>
-          <p:cNvSpPr>
-            <a:spLocks noGrp="1"/>
-          </p:cNvSpPr>
-          <p:nvPr>
-            <p:ph type="title"/>
-          </p:nvPr>
-        </p:nvSpPr>
-        <p:spPr/>
-        <p:txBody>
-          <a:bodyPr>
-            <a:normAutofit fontScale="90000"/>
-          </a:bodyPr>
-          <a:lstStyle/>
-          <a:p>
-            <a:r>
-              <a:rPr kumimoji="1" lang="ja-JP" altLang="en-US" dirty="0" smtClean="0"/>
-              <a:t>デブリ円盤の進化と惑星探査</a:t>
-            </a:r>
-            <a:endParaRPr kumimoji="1" lang="ja-JP" altLang="en-US" dirty="0"/>
-          </a:p>
-        </p:txBody>
-      </p:sp>
-      <p:sp>
-        <p:nvSpPr>
-          <p:cNvPr id="4" name="日付プレースホルダー 3"/>
-          <p:cNvSpPr>
-            <a:spLocks noGrp="1"/>
-          </p:cNvSpPr>
-          <p:nvPr>
-            <p:ph type="dt" sz="half" idx="10"/>
-          </p:nvPr>
-        </p:nvSpPr>
-        <p:spPr/>
-        <p:txBody>
-          <a:bodyPr/>
-          <a:lstStyle/>
-          <a:p>
-            <a:r>
-              <a:rPr lang="en-US" altLang="ja-JP" smtClean="0"/>
-              <a:t>2017/07/27</a:t>
-            </a:r>
-            <a:endParaRPr lang="en-US"/>
-          </a:p>
-        </p:txBody>
-      </p:sp>
-      <p:sp>
-        <p:nvSpPr>
-          <p:cNvPr id="5" name="フッター プレースホルダー 4"/>
-          <p:cNvSpPr>
-            <a:spLocks noGrp="1"/>
-          </p:cNvSpPr>
-          <p:nvPr>
-            <p:ph type="ftr" sz="quarter" idx="11"/>
-          </p:nvPr>
-        </p:nvSpPr>
-        <p:spPr/>
-        <p:txBody>
-          <a:bodyPr/>
-          <a:lstStyle/>
-          <a:p>
-            <a:r>
-              <a:rPr lang="ja-JP" altLang="en-US" dirty="0"/>
-              <a:t>夏の学校　星形成・惑星系</a:t>
-            </a:r>
-            <a:r>
-              <a:rPr lang="ja-JP" altLang="en-US" dirty="0" smtClean="0"/>
-              <a:t>分科会</a:t>
-            </a:r>
-            <a:endParaRPr lang="en-US" altLang="ja-JP" dirty="0"/>
-          </a:p>
-        </p:txBody>
-      </p:sp>
-      <p:sp>
-        <p:nvSpPr>
-          <p:cNvPr id="6" name="スライド番号プレースホルダー 5"/>
-          <p:cNvSpPr>
-            <a:spLocks noGrp="1"/>
-          </p:cNvSpPr>
-          <p:nvPr>
-            <p:ph type="sldNum" sz="quarter" idx="12"/>
-          </p:nvPr>
-        </p:nvSpPr>
-        <p:spPr/>
-        <p:txBody>
-          <a:bodyPr/>
-          <a:lstStyle/>
-          <a:p>
-            <a:fld id="{2066355A-084C-D24E-9AD2-7E4FC41EA627}" type="slidenum">
-              <a:rPr lang="en-US" smtClean="0"/>
-              <a:t>5</a:t>
             </a:fld>
             <a:endParaRPr lang="en-US"/>
           </a:p>
@@ -23194,7 +21639,7 @@
 </p:sld>
 </file>
 
-<file path=ppt/slides/slide6.xml><?xml version="1.0" encoding="utf-8"?>
+<file path=ppt/slides/slide5.xml><?xml version="1.0" encoding="utf-8"?>
 <p:sld xmlns:a="http://schemas.openxmlformats.org/drawingml/2006/main" xmlns:r="http://schemas.openxmlformats.org/officeDocument/2006/relationships" xmlns:p="http://schemas.openxmlformats.org/presentationml/2006/main">
   <p:cSld>
     <p:spTree>
@@ -23299,7 +21744,7 @@
           <a:p>
             <a:fld id="{2066355A-084C-D24E-9AD2-7E4FC41EA627}" type="slidenum">
               <a:rPr lang="en-US" smtClean="0"/>
-              <a:t>6</a:t>
+              <a:t>5</a:t>
             </a:fld>
             <a:endParaRPr lang="en-US"/>
           </a:p>
@@ -23830,7 +22275,7 @@
         </p:nvGrpSpPr>
         <p:grpSpPr>
           <a:xfrm>
-            <a:off x="5026374" y="2082270"/>
+            <a:off x="5026374" y="2069888"/>
             <a:ext cx="3513181" cy="2084817"/>
             <a:chOff x="4811271" y="2082270"/>
             <a:chExt cx="3513181" cy="2084817"/>
@@ -24827,7 +23272,7 @@
           </p:nvSpPr>
           <p:spPr>
             <a:xfrm>
-              <a:off x="6244921" y="2706766"/>
+              <a:off x="5307316" y="2284365"/>
               <a:ext cx="765479" cy="484632"/>
             </a:xfrm>
             <a:prstGeom prst="leftRightArrow">
@@ -24865,10 +23310,221 @@
           </p:txBody>
         </p:sp>
       </p:grpSp>
+      <p:sp>
+        <p:nvSpPr>
+          <p:cNvPr id="50" name="左右矢印 49"/>
+          <p:cNvSpPr/>
+          <p:nvPr/>
+        </p:nvSpPr>
+        <p:spPr>
+          <a:xfrm>
+            <a:off x="6452957" y="2706766"/>
+            <a:ext cx="765479" cy="484632"/>
+          </a:xfrm>
+          <a:prstGeom prst="leftRightArrow">
+            <a:avLst/>
+          </a:prstGeom>
+          <a:solidFill>
+            <a:srgbClr val="FF0000"/>
+          </a:solidFill>
+          <a:ln>
+            <a:noFill/>
+          </a:ln>
+          <a:effectLst/>
+        </p:spPr>
+        <p:style>
+          <a:lnRef idx="1">
+            <a:schemeClr val="accent1"/>
+          </a:lnRef>
+          <a:fillRef idx="3">
+            <a:schemeClr val="accent1"/>
+          </a:fillRef>
+          <a:effectRef idx="2">
+            <a:schemeClr val="accent1"/>
+          </a:effectRef>
+          <a:fontRef idx="minor">
+            <a:schemeClr val="lt1"/>
+          </a:fontRef>
+        </p:style>
+        <p:txBody>
+          <a:bodyPr rtlCol="0" anchor="ctr"/>
+          <a:lstStyle/>
+          <a:p>
+            <a:pPr algn="ctr"/>
+            <a:endParaRPr kumimoji="1" lang="ja-JP" altLang="en-US" dirty="0"/>
+          </a:p>
+        </p:txBody>
+      </p:sp>
     </p:spTree>
     <p:extLst>
       <p:ext uri="{BB962C8B-B14F-4D97-AF65-F5344CB8AC3E}">
         <p14:creationId xmlns:p14="http://schemas.microsoft.com/office/powerpoint/2010/main" val="2322278321"/>
+      </p:ext>
+    </p:extLst>
+  </p:cSld>
+  <p:clrMapOvr>
+    <a:masterClrMapping/>
+  </p:clrMapOvr>
+  <p:timing>
+    <p:tnLst>
+      <p:par>
+        <p:cTn xmlns:p14="http://schemas.microsoft.com/office/powerpoint/2010/main" id="1" dur="indefinite" restart="never" nodeType="tmRoot"/>
+      </p:par>
+    </p:tnLst>
+  </p:timing>
+</p:sld>
+</file>
+
+<file path=ppt/slides/slide6.xml><?xml version="1.0" encoding="utf-8"?>
+<p:sld xmlns:a="http://schemas.openxmlformats.org/drawingml/2006/main" xmlns:r="http://schemas.openxmlformats.org/officeDocument/2006/relationships" xmlns:p="http://schemas.openxmlformats.org/presentationml/2006/main">
+  <p:cSld>
+    <p:spTree>
+      <p:nvGrpSpPr>
+        <p:cNvPr id="1" name=""/>
+        <p:cNvGrpSpPr/>
+        <p:nvPr/>
+      </p:nvGrpSpPr>
+      <p:grpSpPr>
+        <a:xfrm>
+          <a:off x="0" y="0"/>
+          <a:ext cx="0" cy="0"/>
+          <a:chOff x="0" y="0"/>
+          <a:chExt cx="0" cy="0"/>
+        </a:xfrm>
+      </p:grpSpPr>
+      <p:sp>
+        <p:nvSpPr>
+          <p:cNvPr id="2" name="タイトル 1"/>
+          <p:cNvSpPr>
+            <a:spLocks noGrp="1"/>
+          </p:cNvSpPr>
+          <p:nvPr>
+            <p:ph type="title"/>
+          </p:nvPr>
+        </p:nvSpPr>
+        <p:spPr/>
+        <p:txBody>
+          <a:bodyPr>
+            <a:normAutofit fontScale="90000"/>
+          </a:bodyPr>
+          <a:lstStyle/>
+          <a:p>
+            <a:r>
+              <a:rPr kumimoji="1" lang="ja-JP" altLang="en-US" dirty="0" smtClean="0"/>
+              <a:t>手法</a:t>
+            </a:r>
+            <a:r>
+              <a:rPr kumimoji="1" lang="ja-JP" altLang="ja-JP" dirty="0" smtClean="0"/>
+              <a:t>　</a:t>
+            </a:r>
+            <a:r>
+              <a:rPr kumimoji="1" lang="en-US" altLang="ja-JP" dirty="0" smtClean="0"/>
+              <a:t>N</a:t>
+            </a:r>
+            <a:r>
+              <a:rPr kumimoji="1" lang="ja-JP" altLang="en-US" dirty="0" smtClean="0"/>
+              <a:t>体計算</a:t>
+            </a:r>
+            <a:endParaRPr kumimoji="1" lang="ja-JP" altLang="en-US" dirty="0"/>
+          </a:p>
+        </p:txBody>
+      </p:sp>
+      <p:sp>
+        <p:nvSpPr>
+          <p:cNvPr id="3" name="コンテンツ プレースホルダー 2"/>
+          <p:cNvSpPr>
+            <a:spLocks noGrp="1"/>
+          </p:cNvSpPr>
+          <p:nvPr>
+            <p:ph idx="1"/>
+          </p:nvPr>
+        </p:nvSpPr>
+        <p:spPr/>
+        <p:txBody>
+          <a:bodyPr/>
+          <a:lstStyle/>
+          <a:p>
+            <a:endParaRPr kumimoji="1" lang="ja-JP" altLang="en-US"/>
+          </a:p>
+        </p:txBody>
+      </p:sp>
+      <p:sp>
+        <p:nvSpPr>
+          <p:cNvPr id="4" name="日付プレースホルダー 3"/>
+          <p:cNvSpPr>
+            <a:spLocks noGrp="1"/>
+          </p:cNvSpPr>
+          <p:nvPr>
+            <p:ph type="dt" sz="half" idx="10"/>
+          </p:nvPr>
+        </p:nvSpPr>
+        <p:spPr/>
+        <p:txBody>
+          <a:bodyPr/>
+          <a:lstStyle/>
+          <a:p>
+            <a:r>
+              <a:rPr lang="en-US" altLang="ja-JP" smtClean="0"/>
+              <a:t>2017/07/27</a:t>
+            </a:r>
+            <a:endParaRPr lang="en-US"/>
+          </a:p>
+        </p:txBody>
+      </p:sp>
+      <p:sp>
+        <p:nvSpPr>
+          <p:cNvPr id="5" name="フッター プレースホルダー 4"/>
+          <p:cNvSpPr>
+            <a:spLocks noGrp="1"/>
+          </p:cNvSpPr>
+          <p:nvPr>
+            <p:ph type="ftr" sz="quarter" idx="11"/>
+          </p:nvPr>
+        </p:nvSpPr>
+        <p:spPr/>
+        <p:txBody>
+          <a:bodyPr/>
+          <a:lstStyle/>
+          <a:p>
+            <a:r>
+              <a:rPr lang="ja-JP" altLang="en-US" dirty="0"/>
+              <a:t>夏の学校　星形成・惑星系</a:t>
+            </a:r>
+            <a:r>
+              <a:rPr lang="ja-JP" altLang="en-US" dirty="0" smtClean="0"/>
+              <a:t>分科会</a:t>
+            </a:r>
+            <a:endParaRPr lang="en-US" altLang="ja-JP" dirty="0"/>
+          </a:p>
+        </p:txBody>
+      </p:sp>
+      <p:sp>
+        <p:nvSpPr>
+          <p:cNvPr id="6" name="スライド番号プレースホルダー 5"/>
+          <p:cNvSpPr>
+            <a:spLocks noGrp="1"/>
+          </p:cNvSpPr>
+          <p:nvPr>
+            <p:ph type="sldNum" sz="quarter" idx="12"/>
+          </p:nvPr>
+        </p:nvSpPr>
+        <p:spPr/>
+        <p:txBody>
+          <a:bodyPr/>
+          <a:lstStyle/>
+          <a:p>
+            <a:fld id="{2066355A-084C-D24E-9AD2-7E4FC41EA627}" type="slidenum">
+              <a:rPr lang="en-US" smtClean="0"/>
+              <a:t>6</a:t>
+            </a:fld>
+            <a:endParaRPr lang="en-US"/>
+          </a:p>
+        </p:txBody>
+      </p:sp>
+    </p:spTree>
+    <p:extLst>
+      <p:ext uri="{BB962C8B-B14F-4D97-AF65-F5344CB8AC3E}">
+        <p14:creationId xmlns:p14="http://schemas.microsoft.com/office/powerpoint/2010/main" val="3531842658"/>
       </p:ext>
     </p:extLst>
   </p:cSld>
@@ -24921,40 +23577,9 @@
           <a:p>
             <a:r>
               <a:rPr kumimoji="1" lang="ja-JP" altLang="en-US" dirty="0" smtClean="0"/>
-              <a:t>手法</a:t>
-            </a:r>
-            <a:r>
-              <a:rPr kumimoji="1" lang="ja-JP" altLang="ja-JP" dirty="0" smtClean="0"/>
-              <a:t>　</a:t>
-            </a:r>
-            <a:r>
-              <a:rPr kumimoji="1" lang="en-US" altLang="ja-JP" dirty="0" smtClean="0"/>
-              <a:t>N</a:t>
-            </a:r>
-            <a:r>
-              <a:rPr kumimoji="1" lang="ja-JP" altLang="en-US" dirty="0" smtClean="0"/>
-              <a:t>体計算</a:t>
+              <a:t>手法　統計的手法</a:t>
             </a:r>
             <a:endParaRPr kumimoji="1" lang="ja-JP" altLang="en-US" dirty="0"/>
-          </a:p>
-        </p:txBody>
-      </p:sp>
-      <p:sp>
-        <p:nvSpPr>
-          <p:cNvPr id="3" name="コンテンツ プレースホルダー 2"/>
-          <p:cNvSpPr>
-            <a:spLocks noGrp="1"/>
-          </p:cNvSpPr>
-          <p:nvPr>
-            <p:ph idx="1"/>
-          </p:nvPr>
-        </p:nvSpPr>
-        <p:spPr/>
-        <p:txBody>
-          <a:bodyPr/>
-          <a:lstStyle/>
-          <a:p>
-            <a:endParaRPr kumimoji="1" lang="ja-JP" altLang="en-US"/>
           </a:p>
         </p:txBody>
       </p:sp>
@@ -24997,14 +23622,10 @@
           <a:lstStyle/>
           <a:p>
             <a:r>
-              <a:rPr lang="ja-JP" altLang="en-US" dirty="0"/>
-              <a:t>夏の学校　星形成・惑星系</a:t>
-            </a:r>
-            <a:r>
-              <a:rPr lang="ja-JP" altLang="en-US" dirty="0" smtClean="0"/>
-              <a:t>分科会</a:t>
-            </a:r>
-            <a:endParaRPr lang="en-US" altLang="ja-JP" dirty="0"/>
+              <a:rPr lang="ja-JP" altLang="en-US" smtClean="0"/>
+              <a:t>夏の学校　星形成・惑星系分科会</a:t>
+            </a:r>
+            <a:endParaRPr lang="en-US"/>
           </a:p>
         </p:txBody>
       </p:sp>
@@ -25026,137 +23647,6 @@
             <a:fld id="{2066355A-084C-D24E-9AD2-7E4FC41EA627}" type="slidenum">
               <a:rPr lang="en-US" smtClean="0"/>
               <a:t>7</a:t>
-            </a:fld>
-            <a:endParaRPr lang="en-US"/>
-          </a:p>
-        </p:txBody>
-      </p:sp>
-    </p:spTree>
-    <p:extLst>
-      <p:ext uri="{BB962C8B-B14F-4D97-AF65-F5344CB8AC3E}">
-        <p14:creationId xmlns:p14="http://schemas.microsoft.com/office/powerpoint/2010/main" val="3531842658"/>
-      </p:ext>
-    </p:extLst>
-  </p:cSld>
-  <p:clrMapOvr>
-    <a:masterClrMapping/>
-  </p:clrMapOvr>
-  <p:timing>
-    <p:tnLst>
-      <p:par>
-        <p:cTn xmlns:p14="http://schemas.microsoft.com/office/powerpoint/2010/main" id="1" dur="indefinite" restart="never" nodeType="tmRoot"/>
-      </p:par>
-    </p:tnLst>
-  </p:timing>
-</p:sld>
-</file>
-
-<file path=ppt/slides/slide8.xml><?xml version="1.0" encoding="utf-8"?>
-<p:sld xmlns:a="http://schemas.openxmlformats.org/drawingml/2006/main" xmlns:r="http://schemas.openxmlformats.org/officeDocument/2006/relationships" xmlns:p="http://schemas.openxmlformats.org/presentationml/2006/main">
-  <p:cSld>
-    <p:spTree>
-      <p:nvGrpSpPr>
-        <p:cNvPr id="1" name=""/>
-        <p:cNvGrpSpPr/>
-        <p:nvPr/>
-      </p:nvGrpSpPr>
-      <p:grpSpPr>
-        <a:xfrm>
-          <a:off x="0" y="0"/>
-          <a:ext cx="0" cy="0"/>
-          <a:chOff x="0" y="0"/>
-          <a:chExt cx="0" cy="0"/>
-        </a:xfrm>
-      </p:grpSpPr>
-      <p:sp>
-        <p:nvSpPr>
-          <p:cNvPr id="2" name="タイトル 1"/>
-          <p:cNvSpPr>
-            <a:spLocks noGrp="1"/>
-          </p:cNvSpPr>
-          <p:nvPr>
-            <p:ph type="title"/>
-          </p:nvPr>
-        </p:nvSpPr>
-        <p:spPr/>
-        <p:txBody>
-          <a:bodyPr>
-            <a:normAutofit fontScale="90000"/>
-          </a:bodyPr>
-          <a:lstStyle/>
-          <a:p>
-            <a:r>
-              <a:rPr kumimoji="1" lang="ja-JP" altLang="en-US" dirty="0" smtClean="0"/>
-              <a:t>手法　統計的手法</a:t>
-            </a:r>
-            <a:endParaRPr kumimoji="1" lang="ja-JP" altLang="en-US" dirty="0"/>
-          </a:p>
-        </p:txBody>
-      </p:sp>
-      <p:sp>
-        <p:nvSpPr>
-          <p:cNvPr id="4" name="日付プレースホルダー 3"/>
-          <p:cNvSpPr>
-            <a:spLocks noGrp="1"/>
-          </p:cNvSpPr>
-          <p:nvPr>
-            <p:ph type="dt" sz="half" idx="10"/>
-          </p:nvPr>
-        </p:nvSpPr>
-        <p:spPr/>
-        <p:txBody>
-          <a:bodyPr/>
-          <a:lstStyle/>
-          <a:p>
-            <a:r>
-              <a:rPr lang="en-US" altLang="ja-JP" smtClean="0"/>
-              <a:t>2017/07/27</a:t>
-            </a:r>
-            <a:endParaRPr lang="en-US"/>
-          </a:p>
-        </p:txBody>
-      </p:sp>
-      <p:sp>
-        <p:nvSpPr>
-          <p:cNvPr id="5" name="フッター プレースホルダー 4"/>
-          <p:cNvSpPr>
-            <a:spLocks noGrp="1"/>
-          </p:cNvSpPr>
-          <p:nvPr>
-            <p:ph type="ftr" sz="quarter" idx="11"/>
-          </p:nvPr>
-        </p:nvSpPr>
-        <p:spPr/>
-        <p:txBody>
-          <a:bodyPr/>
-          <a:lstStyle/>
-          <a:p>
-            <a:r>
-              <a:rPr lang="ja-JP" altLang="en-US" smtClean="0"/>
-              <a:t>夏の学校　星形成・惑星系分科会</a:t>
-            </a:r>
-            <a:endParaRPr lang="en-US"/>
-          </a:p>
-        </p:txBody>
-      </p:sp>
-      <p:sp>
-        <p:nvSpPr>
-          <p:cNvPr id="6" name="スライド番号プレースホルダー 5"/>
-          <p:cNvSpPr>
-            <a:spLocks noGrp="1"/>
-          </p:cNvSpPr>
-          <p:nvPr>
-            <p:ph type="sldNum" sz="quarter" idx="12"/>
-          </p:nvPr>
-        </p:nvSpPr>
-        <p:spPr/>
-        <p:txBody>
-          <a:bodyPr/>
-          <a:lstStyle/>
-          <a:p>
-            <a:fld id="{2066355A-084C-D24E-9AD2-7E4FC41EA627}" type="slidenum">
-              <a:rPr lang="en-US" smtClean="0"/>
-              <a:t>8</a:t>
             </a:fld>
             <a:endParaRPr lang="en-US"/>
           </a:p>
@@ -25610,6 +24100,1523 @@
     <p:extLst>
       <p:ext uri="{BB962C8B-B14F-4D97-AF65-F5344CB8AC3E}">
         <p14:creationId xmlns:p14="http://schemas.microsoft.com/office/powerpoint/2010/main" val="552855293"/>
+      </p:ext>
+    </p:extLst>
+  </p:cSld>
+  <p:clrMapOvr>
+    <a:masterClrMapping/>
+  </p:clrMapOvr>
+  <p:timing>
+    <p:tnLst>
+      <p:par>
+        <p:cTn xmlns:p14="http://schemas.microsoft.com/office/powerpoint/2010/main" id="1" dur="indefinite" restart="never" nodeType="tmRoot"/>
+      </p:par>
+    </p:tnLst>
+  </p:timing>
+</p:sld>
+</file>
+
+<file path=ppt/slides/slide8.xml><?xml version="1.0" encoding="utf-8"?>
+<p:sld xmlns:a="http://schemas.openxmlformats.org/drawingml/2006/main" xmlns:r="http://schemas.openxmlformats.org/officeDocument/2006/relationships" xmlns:p="http://schemas.openxmlformats.org/presentationml/2006/main">
+  <p:cSld>
+    <p:spTree>
+      <p:nvGrpSpPr>
+        <p:cNvPr id="1" name=""/>
+        <p:cNvGrpSpPr/>
+        <p:nvPr/>
+      </p:nvGrpSpPr>
+      <p:grpSpPr>
+        <a:xfrm>
+          <a:off x="0" y="0"/>
+          <a:ext cx="0" cy="0"/>
+          <a:chOff x="0" y="0"/>
+          <a:chExt cx="0" cy="0"/>
+        </a:xfrm>
+      </p:grpSpPr>
+      <p:sp>
+        <p:nvSpPr>
+          <p:cNvPr id="2" name="タイトル 1"/>
+          <p:cNvSpPr>
+            <a:spLocks noGrp="1"/>
+          </p:cNvSpPr>
+          <p:nvPr>
+            <p:ph type="title"/>
+          </p:nvPr>
+        </p:nvSpPr>
+        <p:spPr/>
+        <p:txBody>
+          <a:bodyPr>
+            <a:normAutofit fontScale="90000"/>
+          </a:bodyPr>
+          <a:lstStyle/>
+          <a:p>
+            <a:r>
+              <a:rPr kumimoji="1" lang="ja-JP" altLang="en-US" dirty="0" smtClean="0"/>
+              <a:t>デブリ円盤内の衝突破壊</a:t>
+            </a:r>
+            <a:endParaRPr kumimoji="1" lang="ja-JP" altLang="en-US" dirty="0"/>
+          </a:p>
+        </p:txBody>
+      </p:sp>
+      <p:sp>
+        <p:nvSpPr>
+          <p:cNvPr id="4" name="日付プレースホルダー 3"/>
+          <p:cNvSpPr>
+            <a:spLocks noGrp="1"/>
+          </p:cNvSpPr>
+          <p:nvPr>
+            <p:ph type="dt" sz="half" idx="10"/>
+          </p:nvPr>
+        </p:nvSpPr>
+        <p:spPr/>
+        <p:txBody>
+          <a:bodyPr/>
+          <a:lstStyle/>
+          <a:p>
+            <a:r>
+              <a:rPr lang="en-US" altLang="ja-JP" smtClean="0"/>
+              <a:t>2017/07/27</a:t>
+            </a:r>
+            <a:endParaRPr lang="en-US"/>
+          </a:p>
+        </p:txBody>
+      </p:sp>
+      <p:sp>
+        <p:nvSpPr>
+          <p:cNvPr id="5" name="フッター プレースホルダー 4"/>
+          <p:cNvSpPr>
+            <a:spLocks noGrp="1"/>
+          </p:cNvSpPr>
+          <p:nvPr>
+            <p:ph type="ftr" sz="quarter" idx="11"/>
+          </p:nvPr>
+        </p:nvSpPr>
+        <p:spPr/>
+        <p:txBody>
+          <a:bodyPr/>
+          <a:lstStyle/>
+          <a:p>
+            <a:r>
+              <a:rPr lang="ja-JP" altLang="en-US" smtClean="0"/>
+              <a:t>夏の学校　星形成・惑星系分科会</a:t>
+            </a:r>
+            <a:endParaRPr lang="en-US"/>
+          </a:p>
+        </p:txBody>
+      </p:sp>
+      <p:sp>
+        <p:nvSpPr>
+          <p:cNvPr id="6" name="スライド番号プレースホルダー 5"/>
+          <p:cNvSpPr>
+            <a:spLocks noGrp="1"/>
+          </p:cNvSpPr>
+          <p:nvPr>
+            <p:ph type="sldNum" sz="quarter" idx="12"/>
+          </p:nvPr>
+        </p:nvSpPr>
+        <p:spPr/>
+        <p:txBody>
+          <a:bodyPr/>
+          <a:lstStyle/>
+          <a:p>
+            <a:fld id="{2066355A-084C-D24E-9AD2-7E4FC41EA627}" type="slidenum">
+              <a:rPr lang="en-US" smtClean="0"/>
+              <a:t>8</a:t>
+            </a:fld>
+            <a:endParaRPr lang="en-US"/>
+          </a:p>
+        </p:txBody>
+      </p:sp>
+      <p:sp>
+        <p:nvSpPr>
+          <p:cNvPr id="14" name="テキスト ボックス 13"/>
+          <p:cNvSpPr txBox="1"/>
+          <p:nvPr/>
+        </p:nvSpPr>
+        <p:spPr>
+          <a:xfrm>
+            <a:off x="431357" y="1022063"/>
+            <a:ext cx="8321693" cy="646331"/>
+          </a:xfrm>
+          <a:prstGeom prst="rect">
+            <a:avLst/>
+          </a:prstGeom>
+          <a:noFill/>
+        </p:spPr>
+        <p:txBody>
+          <a:bodyPr wrap="square" rtlCol="0">
+            <a:spAutoFit/>
+          </a:bodyPr>
+          <a:lstStyle/>
+          <a:p>
+            <a:pPr marL="285750" indent="-285750">
+              <a:buFont typeface="Arial"/>
+              <a:buChar char="•"/>
+            </a:pPr>
+            <a:r>
+              <a:rPr kumimoji="1" lang="ja-JP" altLang="en-US" dirty="0" smtClean="0">
+                <a:latin typeface="+mn-ea"/>
+              </a:rPr>
+              <a:t>デブリ円盤を構成する破片は相対速度が大きいため破壊を繰り返し、破片はどんどん小さくなる（</a:t>
+            </a:r>
+            <a:r>
+              <a:rPr kumimoji="1" lang="ja-JP" altLang="en-US" dirty="0">
+                <a:solidFill>
+                  <a:srgbClr val="FF0000"/>
+                </a:solidFill>
+                <a:latin typeface="+mn-ea"/>
+              </a:rPr>
+              <a:t>衝突カスケード</a:t>
+            </a:r>
+            <a:r>
+              <a:rPr kumimoji="1" lang="ja-JP" altLang="en-US" dirty="0" smtClean="0">
+                <a:latin typeface="+mn-ea"/>
+              </a:rPr>
+              <a:t>）</a:t>
+            </a:r>
+            <a:endParaRPr kumimoji="1" lang="en-US" altLang="ja-JP" dirty="0" smtClean="0">
+              <a:latin typeface="+mn-ea"/>
+            </a:endParaRPr>
+          </a:p>
+        </p:txBody>
+      </p:sp>
+      <p:sp>
+        <p:nvSpPr>
+          <p:cNvPr id="15" name="テキスト ボックス 14"/>
+          <p:cNvSpPr txBox="1"/>
+          <p:nvPr/>
+        </p:nvSpPr>
+        <p:spPr>
+          <a:xfrm>
+            <a:off x="431358" y="1809796"/>
+            <a:ext cx="8321692" cy="646331"/>
+          </a:xfrm>
+          <a:prstGeom prst="rect">
+            <a:avLst/>
+          </a:prstGeom>
+          <a:noFill/>
+        </p:spPr>
+        <p:txBody>
+          <a:bodyPr wrap="square" rtlCol="0">
+            <a:spAutoFit/>
+          </a:bodyPr>
+          <a:lstStyle/>
+          <a:p>
+            <a:pPr marL="285750" indent="-285750">
+              <a:buFont typeface="Arial"/>
+              <a:buChar char="•"/>
+            </a:pPr>
+            <a:r>
+              <a:rPr kumimoji="1" lang="ja-JP" altLang="en-US" dirty="0" smtClean="0"/>
+              <a:t>ダストのサイズ（</a:t>
+            </a:r>
+            <a:r>
+              <a:rPr kumimoji="1" lang="en-US" altLang="ja-JP" dirty="0" smtClean="0">
+                <a:latin typeface="Helvetica"/>
+                <a:cs typeface="Helvetica"/>
+              </a:rPr>
+              <a:t>~</a:t>
+            </a:r>
+            <a:r>
+              <a:rPr kumimoji="1" lang="en-US" altLang="ja-JP" dirty="0" err="1" smtClean="0">
+                <a:latin typeface="Helvetica"/>
+                <a:cs typeface="Helvetica"/>
+              </a:rPr>
+              <a:t>μm</a:t>
+            </a:r>
+            <a:r>
+              <a:rPr kumimoji="1" lang="ja-JP" altLang="en-US" dirty="0" smtClean="0"/>
+              <a:t>）まで破片が小さくなると、</a:t>
+            </a:r>
+            <a:r>
+              <a:rPr kumimoji="1" lang="en-US" altLang="ja-JP" dirty="0" smtClean="0">
+                <a:latin typeface="+mn-ea"/>
+              </a:rPr>
+              <a:t>(1)</a:t>
+            </a:r>
+            <a:r>
+              <a:rPr kumimoji="1" lang="ja-JP" altLang="en-US" dirty="0" smtClean="0"/>
+              <a:t>ガスドラッグ、</a:t>
+            </a:r>
+            <a:r>
+              <a:rPr kumimoji="1" lang="en-US" altLang="ja-JP" dirty="0" smtClean="0">
+                <a:latin typeface="Helvetica"/>
+                <a:cs typeface="Helvetica"/>
+              </a:rPr>
+              <a:t>(2)</a:t>
+            </a:r>
+            <a:r>
+              <a:rPr kumimoji="1" lang="ja-JP" altLang="en-US" dirty="0" smtClean="0"/>
+              <a:t>ポインティング</a:t>
+            </a:r>
+            <a:r>
+              <a:rPr kumimoji="1" lang="en-US" altLang="ja-JP" dirty="0" smtClean="0"/>
+              <a:t>−</a:t>
+            </a:r>
+            <a:r>
+              <a:rPr kumimoji="1" lang="ja-JP" altLang="en-US" dirty="0" smtClean="0"/>
+              <a:t>ロバートソン効果、</a:t>
+            </a:r>
+            <a:r>
+              <a:rPr kumimoji="1" lang="en-US" altLang="ja-JP" dirty="0" smtClean="0">
+                <a:latin typeface="Helvetica"/>
+                <a:cs typeface="Helvetica"/>
+              </a:rPr>
+              <a:t>(3)</a:t>
+            </a:r>
+            <a:r>
+              <a:rPr kumimoji="1" lang="ja-JP" altLang="en-US" dirty="0" smtClean="0"/>
+              <a:t>輻射圧によって円盤から取り除かれる</a:t>
+            </a:r>
+            <a:endParaRPr kumimoji="1" lang="ja-JP" altLang="en-US" dirty="0"/>
+          </a:p>
+        </p:txBody>
+      </p:sp>
+      <p:grpSp>
+        <p:nvGrpSpPr>
+          <p:cNvPr id="50" name="図形グループ 49"/>
+          <p:cNvGrpSpPr/>
+          <p:nvPr/>
+        </p:nvGrpSpPr>
+        <p:grpSpPr>
+          <a:xfrm>
+            <a:off x="999268" y="4656740"/>
+            <a:ext cx="2963457" cy="1472511"/>
+            <a:chOff x="6097632" y="3093495"/>
+            <a:chExt cx="2963457" cy="1472511"/>
+          </a:xfrm>
+        </p:grpSpPr>
+        <p:cxnSp>
+          <p:nvCxnSpPr>
+            <p:cNvPr id="29" name="直線矢印コネクタ 28"/>
+            <p:cNvCxnSpPr/>
+            <p:nvPr/>
+          </p:nvCxnSpPr>
+          <p:spPr>
+            <a:xfrm flipV="1">
+              <a:off x="6833731" y="3345324"/>
+              <a:ext cx="0" cy="1000129"/>
+            </a:xfrm>
+            <a:prstGeom prst="straightConnector1">
+              <a:avLst/>
+            </a:prstGeom>
+            <a:ln>
+              <a:solidFill>
+                <a:schemeClr val="tx1"/>
+              </a:solidFill>
+              <a:tailEnd type="arrow"/>
+            </a:ln>
+            <a:effectLst/>
+          </p:spPr>
+          <p:style>
+            <a:lnRef idx="2">
+              <a:schemeClr val="accent1"/>
+            </a:lnRef>
+            <a:fillRef idx="0">
+              <a:schemeClr val="accent1"/>
+            </a:fillRef>
+            <a:effectRef idx="1">
+              <a:schemeClr val="accent1"/>
+            </a:effectRef>
+            <a:fontRef idx="minor">
+              <a:schemeClr val="tx1"/>
+            </a:fontRef>
+          </p:style>
+        </p:cxnSp>
+        <p:cxnSp>
+          <p:nvCxnSpPr>
+            <p:cNvPr id="32" name="直線矢印コネクタ 31"/>
+            <p:cNvCxnSpPr/>
+            <p:nvPr/>
+          </p:nvCxnSpPr>
+          <p:spPr>
+            <a:xfrm>
+              <a:off x="6728781" y="4261484"/>
+              <a:ext cx="1405052" cy="1"/>
+            </a:xfrm>
+            <a:prstGeom prst="straightConnector1">
+              <a:avLst/>
+            </a:prstGeom>
+            <a:ln>
+              <a:solidFill>
+                <a:schemeClr val="tx1"/>
+              </a:solidFill>
+              <a:tailEnd type="arrow"/>
+            </a:ln>
+            <a:effectLst/>
+          </p:spPr>
+          <p:style>
+            <a:lnRef idx="2">
+              <a:schemeClr val="accent1"/>
+            </a:lnRef>
+            <a:fillRef idx="0">
+              <a:schemeClr val="accent1"/>
+            </a:fillRef>
+            <a:effectRef idx="1">
+              <a:schemeClr val="accent1"/>
+            </a:effectRef>
+            <a:fontRef idx="minor">
+              <a:schemeClr val="tx1"/>
+            </a:fontRef>
+          </p:style>
+        </p:cxnSp>
+        <p:sp>
+          <p:nvSpPr>
+            <p:cNvPr id="35" name="テキスト ボックス 34"/>
+            <p:cNvSpPr txBox="1"/>
+            <p:nvPr/>
+          </p:nvSpPr>
+          <p:spPr>
+            <a:xfrm>
+              <a:off x="8106719" y="4060657"/>
+              <a:ext cx="954370" cy="369332"/>
+            </a:xfrm>
+            <a:prstGeom prst="rect">
+              <a:avLst/>
+            </a:prstGeom>
+            <a:noFill/>
+          </p:spPr>
+          <p:txBody>
+            <a:bodyPr wrap="none" rtlCol="0">
+              <a:spAutoFit/>
+            </a:bodyPr>
+            <a:lstStyle/>
+            <a:p>
+              <a:r>
+                <a:rPr kumimoji="1" lang="en-US" altLang="ja-JP" dirty="0" smtClean="0">
+                  <a:latin typeface="Helvetica"/>
+                  <a:cs typeface="Helvetica"/>
+                </a:rPr>
+                <a:t>log</a:t>
+              </a:r>
+              <a:r>
+                <a:rPr kumimoji="1" lang="ja-JP" altLang="en-US" dirty="0" smtClean="0"/>
+                <a:t>質量</a:t>
+              </a:r>
+              <a:endParaRPr kumimoji="1" lang="ja-JP" altLang="en-US" dirty="0"/>
+            </a:p>
+          </p:txBody>
+        </p:sp>
+        <p:sp>
+          <p:nvSpPr>
+            <p:cNvPr id="36" name="テキスト ボックス 35"/>
+            <p:cNvSpPr txBox="1"/>
+            <p:nvPr/>
+          </p:nvSpPr>
+          <p:spPr>
+            <a:xfrm>
+              <a:off x="6097632" y="3596012"/>
+              <a:ext cx="736099" cy="369332"/>
+            </a:xfrm>
+            <a:prstGeom prst="rect">
+              <a:avLst/>
+            </a:prstGeom>
+            <a:noFill/>
+          </p:spPr>
+          <p:txBody>
+            <a:bodyPr wrap="none" rtlCol="0">
+              <a:spAutoFit/>
+            </a:bodyPr>
+            <a:lstStyle/>
+            <a:p>
+              <a:r>
+                <a:rPr kumimoji="1" lang="en-US" altLang="ja-JP" dirty="0" smtClean="0">
+                  <a:latin typeface="Helvetica"/>
+                  <a:cs typeface="Helvetica"/>
+                </a:rPr>
+                <a:t>log</a:t>
+              </a:r>
+              <a:r>
+                <a:rPr kumimoji="1" lang="ja-JP" altLang="en-US" dirty="0" smtClean="0"/>
+                <a:t>数</a:t>
+              </a:r>
+              <a:endParaRPr kumimoji="1" lang="ja-JP" altLang="en-US" dirty="0"/>
+            </a:p>
+          </p:txBody>
+        </p:sp>
+        <p:cxnSp>
+          <p:nvCxnSpPr>
+            <p:cNvPr id="38" name="直線コネクタ 37"/>
+            <p:cNvCxnSpPr/>
+            <p:nvPr/>
+          </p:nvCxnSpPr>
+          <p:spPr>
+            <a:xfrm>
+              <a:off x="7010400" y="3473071"/>
+              <a:ext cx="914400" cy="567286"/>
+            </a:xfrm>
+            <a:prstGeom prst="line">
+              <a:avLst/>
+            </a:prstGeom>
+            <a:ln>
+              <a:solidFill>
+                <a:schemeClr val="tx1"/>
+              </a:solidFill>
+            </a:ln>
+            <a:effectLst/>
+          </p:spPr>
+          <p:style>
+            <a:lnRef idx="2">
+              <a:schemeClr val="accent1"/>
+            </a:lnRef>
+            <a:fillRef idx="0">
+              <a:schemeClr val="accent1"/>
+            </a:fillRef>
+            <a:effectRef idx="1">
+              <a:schemeClr val="accent1"/>
+            </a:effectRef>
+            <a:fontRef idx="minor">
+              <a:schemeClr val="tx1"/>
+            </a:fontRef>
+          </p:style>
+        </p:cxnSp>
+        <p:cxnSp>
+          <p:nvCxnSpPr>
+            <p:cNvPr id="41" name="直線コネクタ 40"/>
+            <p:cNvCxnSpPr/>
+            <p:nvPr/>
+          </p:nvCxnSpPr>
+          <p:spPr>
+            <a:xfrm>
+              <a:off x="7010400" y="3473071"/>
+              <a:ext cx="0" cy="788414"/>
+            </a:xfrm>
+            <a:prstGeom prst="line">
+              <a:avLst/>
+            </a:prstGeom>
+            <a:ln w="12700" cap="flat">
+              <a:solidFill>
+                <a:schemeClr val="tx1"/>
+              </a:solidFill>
+              <a:prstDash val="dash"/>
+            </a:ln>
+            <a:effectLst/>
+          </p:spPr>
+          <p:style>
+            <a:lnRef idx="2">
+              <a:schemeClr val="accent1"/>
+            </a:lnRef>
+            <a:fillRef idx="0">
+              <a:schemeClr val="accent1"/>
+            </a:fillRef>
+            <a:effectRef idx="1">
+              <a:schemeClr val="accent1"/>
+            </a:effectRef>
+            <a:fontRef idx="minor">
+              <a:schemeClr val="tx1"/>
+            </a:fontRef>
+          </p:style>
+        </p:cxnSp>
+        <p:cxnSp>
+          <p:nvCxnSpPr>
+            <p:cNvPr id="44" name="直線コネクタ 43"/>
+            <p:cNvCxnSpPr/>
+            <p:nvPr/>
+          </p:nvCxnSpPr>
+          <p:spPr>
+            <a:xfrm flipH="1">
+              <a:off x="7924800" y="4040357"/>
+              <a:ext cx="1" cy="221127"/>
+            </a:xfrm>
+            <a:prstGeom prst="line">
+              <a:avLst/>
+            </a:prstGeom>
+            <a:ln w="12700" cap="flat">
+              <a:solidFill>
+                <a:schemeClr val="tx1"/>
+              </a:solidFill>
+              <a:prstDash val="dash"/>
+            </a:ln>
+            <a:effectLst/>
+          </p:spPr>
+          <p:style>
+            <a:lnRef idx="2">
+              <a:schemeClr val="accent1"/>
+            </a:lnRef>
+            <a:fillRef idx="0">
+              <a:schemeClr val="accent1"/>
+            </a:fillRef>
+            <a:effectRef idx="1">
+              <a:schemeClr val="accent1"/>
+            </a:effectRef>
+            <a:fontRef idx="minor">
+              <a:schemeClr val="tx1"/>
+            </a:fontRef>
+          </p:style>
+        </p:cxnSp>
+        <p:sp>
+          <p:nvSpPr>
+            <p:cNvPr id="47" name="テキスト ボックス 46"/>
+            <p:cNvSpPr txBox="1"/>
+            <p:nvPr/>
+          </p:nvSpPr>
+          <p:spPr>
+            <a:xfrm>
+              <a:off x="6833731" y="3093495"/>
+              <a:ext cx="1569660" cy="369332"/>
+            </a:xfrm>
+            <a:prstGeom prst="rect">
+              <a:avLst/>
+            </a:prstGeom>
+            <a:noFill/>
+          </p:spPr>
+          <p:txBody>
+            <a:bodyPr wrap="none" rtlCol="0">
+              <a:spAutoFit/>
+            </a:bodyPr>
+            <a:lstStyle/>
+            <a:p>
+              <a:r>
+                <a:rPr kumimoji="1" lang="ja-JP" altLang="en-US" dirty="0" smtClean="0"/>
+                <a:t>破片質量分布</a:t>
+              </a:r>
+              <a:endParaRPr kumimoji="1" lang="ja-JP" altLang="en-US" dirty="0"/>
+            </a:p>
+          </p:txBody>
+        </p:sp>
+        <p:sp>
+          <p:nvSpPr>
+            <p:cNvPr id="48" name="テキスト ボックス 47"/>
+            <p:cNvSpPr txBox="1"/>
+            <p:nvPr/>
+          </p:nvSpPr>
+          <p:spPr>
+            <a:xfrm>
+              <a:off x="6789190" y="4196674"/>
+              <a:ext cx="624916" cy="369332"/>
+            </a:xfrm>
+            <a:prstGeom prst="rect">
+              <a:avLst/>
+            </a:prstGeom>
+            <a:noFill/>
+          </p:spPr>
+          <p:txBody>
+            <a:bodyPr wrap="none" rtlCol="0">
+              <a:spAutoFit/>
+            </a:bodyPr>
+            <a:lstStyle/>
+            <a:p>
+              <a:r>
+                <a:rPr kumimoji="1" lang="en-US" altLang="ja-JP" dirty="0" err="1" smtClean="0">
+                  <a:latin typeface="Helvetica"/>
+                  <a:cs typeface="Helvetica"/>
+                </a:rPr>
+                <a:t>m</a:t>
+              </a:r>
+              <a:r>
+                <a:rPr kumimoji="1" lang="en-US" altLang="ja-JP" baseline="-25000" dirty="0" err="1" smtClean="0">
+                  <a:latin typeface="Helvetica"/>
+                  <a:cs typeface="Helvetica"/>
+                </a:rPr>
+                <a:t>min</a:t>
+              </a:r>
+              <a:endParaRPr kumimoji="1" lang="ja-JP" altLang="en-US" dirty="0">
+                <a:latin typeface="Helvetica"/>
+                <a:cs typeface="Helvetica"/>
+              </a:endParaRPr>
+            </a:p>
+          </p:txBody>
+        </p:sp>
+        <p:sp>
+          <p:nvSpPr>
+            <p:cNvPr id="49" name="テキスト ボックス 48"/>
+            <p:cNvSpPr txBox="1"/>
+            <p:nvPr/>
+          </p:nvSpPr>
+          <p:spPr>
+            <a:xfrm>
+              <a:off x="7588810" y="4196674"/>
+              <a:ext cx="671979" cy="369332"/>
+            </a:xfrm>
+            <a:prstGeom prst="rect">
+              <a:avLst/>
+            </a:prstGeom>
+            <a:noFill/>
+          </p:spPr>
+          <p:txBody>
+            <a:bodyPr wrap="none" rtlCol="0">
+              <a:spAutoFit/>
+            </a:bodyPr>
+            <a:lstStyle/>
+            <a:p>
+              <a:r>
+                <a:rPr kumimoji="1" lang="en-US" altLang="ja-JP" dirty="0" err="1" smtClean="0">
+                  <a:latin typeface="Helvetica"/>
+                  <a:cs typeface="Helvetica"/>
+                </a:rPr>
+                <a:t>m</a:t>
+              </a:r>
+              <a:r>
+                <a:rPr kumimoji="1" lang="en-US" altLang="ja-JP" baseline="-25000" dirty="0" err="1" smtClean="0">
+                  <a:latin typeface="Helvetica"/>
+                  <a:cs typeface="Helvetica"/>
+                </a:rPr>
+                <a:t>max</a:t>
+              </a:r>
+              <a:endParaRPr kumimoji="1" lang="ja-JP" altLang="en-US" dirty="0">
+                <a:latin typeface="Helvetica"/>
+                <a:cs typeface="Helvetica"/>
+              </a:endParaRPr>
+            </a:p>
+          </p:txBody>
+        </p:sp>
+      </p:grpSp>
+      <p:grpSp>
+        <p:nvGrpSpPr>
+          <p:cNvPr id="53" name="図形グループ 52"/>
+          <p:cNvGrpSpPr/>
+          <p:nvPr/>
+        </p:nvGrpSpPr>
+        <p:grpSpPr>
+          <a:xfrm>
+            <a:off x="431358" y="2640793"/>
+            <a:ext cx="8321692" cy="923330"/>
+            <a:chOff x="431358" y="2640793"/>
+            <a:chExt cx="8186306" cy="923330"/>
+          </a:xfrm>
+        </p:grpSpPr>
+        <p:sp>
+          <p:nvSpPr>
+            <p:cNvPr id="51" name="テキスト ボックス 50"/>
+            <p:cNvSpPr txBox="1"/>
+            <p:nvPr/>
+          </p:nvSpPr>
+          <p:spPr>
+            <a:xfrm>
+              <a:off x="431358" y="2640793"/>
+              <a:ext cx="8186306" cy="923330"/>
+            </a:xfrm>
+            <a:prstGeom prst="rect">
+              <a:avLst/>
+            </a:prstGeom>
+            <a:noFill/>
+          </p:spPr>
+          <p:txBody>
+            <a:bodyPr wrap="square" rtlCol="0">
+              <a:spAutoFit/>
+            </a:bodyPr>
+            <a:lstStyle/>
+            <a:p>
+              <a:pPr marL="285750" indent="-285750">
+                <a:buFont typeface="Arial"/>
+                <a:buChar char="•"/>
+              </a:pPr>
+              <a:r>
+                <a:rPr kumimoji="1" lang="ja-JP" altLang="en-US" dirty="0" smtClean="0"/>
+                <a:t>質量フラックス</a:t>
+              </a:r>
+              <a:r>
+                <a:rPr kumimoji="1" lang="ja-JP" altLang="ja-JP" dirty="0"/>
+                <a:t>　</a:t>
+              </a:r>
+              <a:r>
+                <a:rPr kumimoji="1" lang="ja-JP" altLang="en-US" dirty="0" smtClean="0"/>
+                <a:t>　　は、破壊のタイムスケール程度時間が経つと衝突カスケードによって定常となり、その結果、破片の質量分布のべきは変化せず、総質量のみが減少する</a:t>
+              </a:r>
+              <a:endParaRPr kumimoji="1" lang="ja-JP" altLang="en-US" dirty="0"/>
+            </a:p>
+          </p:txBody>
+        </p:sp>
+        <p:pic>
+          <p:nvPicPr>
+            <p:cNvPr id="52" name="図 51" descr="latex-image-1.pdf"/>
+            <p:cNvPicPr>
+              <a:picLocks noChangeAspect="1"/>
+            </p:cNvPicPr>
+            <p:nvPr/>
+          </p:nvPicPr>
+          <p:blipFill>
+            <a:blip r:embed="rId3">
+              <a:extLst>
+                <a:ext uri="{28A0092B-C50C-407E-A947-70E740481C1C}">
+                  <a14:useLocalDpi xmlns:a14="http://schemas.microsoft.com/office/drawing/2010/main" val="0"/>
+                </a:ext>
+              </a:extLst>
+            </a:blip>
+            <a:stretch>
+              <a:fillRect/>
+            </a:stretch>
+          </p:blipFill>
+          <p:spPr>
+            <a:xfrm>
+              <a:off x="2394507" y="2693273"/>
+              <a:ext cx="621506" cy="277057"/>
+            </a:xfrm>
+            <a:prstGeom prst="rect">
+              <a:avLst/>
+            </a:prstGeom>
+          </p:spPr>
+        </p:pic>
+      </p:grpSp>
+      <p:grpSp>
+        <p:nvGrpSpPr>
+          <p:cNvPr id="59" name="図形グループ 58"/>
+          <p:cNvGrpSpPr/>
+          <p:nvPr/>
+        </p:nvGrpSpPr>
+        <p:grpSpPr>
+          <a:xfrm>
+            <a:off x="4951244" y="3745385"/>
+            <a:ext cx="3007576" cy="680646"/>
+            <a:chOff x="5866852" y="3791474"/>
+            <a:chExt cx="3007576" cy="680646"/>
+          </a:xfrm>
+        </p:grpSpPr>
+        <p:pic>
+          <p:nvPicPr>
+            <p:cNvPr id="54" name="図 53" descr="latex-image-1.pdf"/>
+            <p:cNvPicPr>
+              <a:picLocks noChangeAspect="1"/>
+            </p:cNvPicPr>
+            <p:nvPr/>
+          </p:nvPicPr>
+          <p:blipFill>
+            <a:blip r:embed="rId4">
+              <a:extLst>
+                <a:ext uri="{28A0092B-C50C-407E-A947-70E740481C1C}">
+                  <a14:useLocalDpi xmlns:a14="http://schemas.microsoft.com/office/drawing/2010/main" val="0"/>
+                </a:ext>
+              </a:extLst>
+            </a:blip>
+            <a:stretch>
+              <a:fillRect/>
+            </a:stretch>
+          </p:blipFill>
+          <p:spPr>
+            <a:xfrm>
+              <a:off x="6015662" y="3791474"/>
+              <a:ext cx="2737388" cy="314545"/>
+            </a:xfrm>
+            <a:prstGeom prst="rect">
+              <a:avLst/>
+            </a:prstGeom>
+          </p:spPr>
+        </p:pic>
+        <p:sp>
+          <p:nvSpPr>
+            <p:cNvPr id="57" name="テキスト ボックス 56"/>
+            <p:cNvSpPr txBox="1"/>
+            <p:nvPr/>
+          </p:nvSpPr>
+          <p:spPr>
+            <a:xfrm>
+              <a:off x="5866852" y="4102788"/>
+              <a:ext cx="1546578" cy="369332"/>
+            </a:xfrm>
+            <a:prstGeom prst="rect">
+              <a:avLst/>
+            </a:prstGeom>
+            <a:noFill/>
+          </p:spPr>
+          <p:txBody>
+            <a:bodyPr wrap="none" rtlCol="0">
+              <a:spAutoFit/>
+            </a:bodyPr>
+            <a:lstStyle/>
+            <a:p>
+              <a:r>
+                <a:rPr kumimoji="1" lang="ja-JP" altLang="en-US" dirty="0" smtClean="0"/>
+                <a:t>入ってくる量</a:t>
+              </a:r>
+              <a:endParaRPr kumimoji="1" lang="ja-JP" altLang="en-US" dirty="0"/>
+            </a:p>
+          </p:txBody>
+        </p:sp>
+        <p:sp>
+          <p:nvSpPr>
+            <p:cNvPr id="58" name="テキスト ボックス 57"/>
+            <p:cNvSpPr txBox="1"/>
+            <p:nvPr/>
+          </p:nvSpPr>
+          <p:spPr>
+            <a:xfrm>
+              <a:off x="7535600" y="4102788"/>
+              <a:ext cx="1338828" cy="369332"/>
+            </a:xfrm>
+            <a:prstGeom prst="rect">
+              <a:avLst/>
+            </a:prstGeom>
+            <a:noFill/>
+          </p:spPr>
+          <p:txBody>
+            <a:bodyPr wrap="none" rtlCol="0">
+              <a:spAutoFit/>
+            </a:bodyPr>
+            <a:lstStyle/>
+            <a:p>
+              <a:r>
+                <a:rPr kumimoji="1" lang="ja-JP" altLang="en-US" dirty="0" smtClean="0"/>
+                <a:t>出ていく量</a:t>
+              </a:r>
+              <a:endParaRPr kumimoji="1" lang="ja-JP" altLang="en-US" dirty="0"/>
+            </a:p>
+          </p:txBody>
+        </p:sp>
+      </p:grpSp>
+      <p:grpSp>
+        <p:nvGrpSpPr>
+          <p:cNvPr id="72" name="図形グループ 71"/>
+          <p:cNvGrpSpPr/>
+          <p:nvPr/>
+        </p:nvGrpSpPr>
+        <p:grpSpPr>
+          <a:xfrm>
+            <a:off x="1597950" y="3745385"/>
+            <a:ext cx="2056833" cy="610161"/>
+            <a:chOff x="2136168" y="3544062"/>
+            <a:chExt cx="2056833" cy="610161"/>
+          </a:xfrm>
+        </p:grpSpPr>
+        <p:pic>
+          <p:nvPicPr>
+            <p:cNvPr id="55" name="図 54" descr="latex-image-1.pdf"/>
+            <p:cNvPicPr>
+              <a:picLocks noChangeAspect="1"/>
+            </p:cNvPicPr>
+            <p:nvPr/>
+          </p:nvPicPr>
+          <p:blipFill>
+            <a:blip r:embed="rId5">
+              <a:extLst>
+                <a:ext uri="{28A0092B-C50C-407E-A947-70E740481C1C}">
+                  <a14:useLocalDpi xmlns:a14="http://schemas.microsoft.com/office/drawing/2010/main" val="0"/>
+                </a:ext>
+              </a:extLst>
+            </a:blip>
+            <a:stretch>
+              <a:fillRect/>
+            </a:stretch>
+          </p:blipFill>
+          <p:spPr>
+            <a:xfrm>
+              <a:off x="2782499" y="3544062"/>
+              <a:ext cx="1410502" cy="610161"/>
+            </a:xfrm>
+            <a:prstGeom prst="rect">
+              <a:avLst/>
+            </a:prstGeom>
+          </p:spPr>
+        </p:pic>
+        <p:sp>
+          <p:nvSpPr>
+            <p:cNvPr id="71" name="テキスト ボックス 70"/>
+            <p:cNvSpPr txBox="1"/>
+            <p:nvPr/>
+          </p:nvSpPr>
+          <p:spPr>
+            <a:xfrm>
+              <a:off x="2136168" y="3663444"/>
+              <a:ext cx="646331" cy="369332"/>
+            </a:xfrm>
+            <a:prstGeom prst="rect">
+              <a:avLst/>
+            </a:prstGeom>
+            <a:noFill/>
+          </p:spPr>
+          <p:txBody>
+            <a:bodyPr wrap="none" rtlCol="0">
+              <a:spAutoFit/>
+            </a:bodyPr>
+            <a:lstStyle/>
+            <a:p>
+              <a:r>
+                <a:rPr kumimoji="1" lang="ja-JP" altLang="en-US" dirty="0" smtClean="0"/>
+                <a:t>定常</a:t>
+              </a:r>
+              <a:endParaRPr kumimoji="1" lang="ja-JP" altLang="en-US" dirty="0"/>
+            </a:p>
+          </p:txBody>
+        </p:sp>
+      </p:grpSp>
+      <p:grpSp>
+        <p:nvGrpSpPr>
+          <p:cNvPr id="74" name="図形グループ 73"/>
+          <p:cNvGrpSpPr/>
+          <p:nvPr/>
+        </p:nvGrpSpPr>
+        <p:grpSpPr>
+          <a:xfrm>
+            <a:off x="5138558" y="4656740"/>
+            <a:ext cx="2963457" cy="1472511"/>
+            <a:chOff x="4300251" y="4656740"/>
+            <a:chExt cx="2963457" cy="1472511"/>
+          </a:xfrm>
+        </p:grpSpPr>
+        <p:grpSp>
+          <p:nvGrpSpPr>
+            <p:cNvPr id="60" name="図形グループ 59"/>
+            <p:cNvGrpSpPr/>
+            <p:nvPr/>
+          </p:nvGrpSpPr>
+          <p:grpSpPr>
+            <a:xfrm>
+              <a:off x="4300251" y="4656740"/>
+              <a:ext cx="2963457" cy="1472511"/>
+              <a:chOff x="6097632" y="3093495"/>
+              <a:chExt cx="2963457" cy="1472511"/>
+            </a:xfrm>
+          </p:grpSpPr>
+          <p:cxnSp>
+            <p:nvCxnSpPr>
+              <p:cNvPr id="61" name="直線矢印コネクタ 60"/>
+              <p:cNvCxnSpPr/>
+              <p:nvPr/>
+            </p:nvCxnSpPr>
+            <p:spPr>
+              <a:xfrm flipV="1">
+                <a:off x="6833731" y="3345324"/>
+                <a:ext cx="0" cy="1000129"/>
+              </a:xfrm>
+              <a:prstGeom prst="straightConnector1">
+                <a:avLst/>
+              </a:prstGeom>
+              <a:ln>
+                <a:solidFill>
+                  <a:schemeClr val="tx1"/>
+                </a:solidFill>
+                <a:tailEnd type="arrow"/>
+              </a:ln>
+              <a:effectLst/>
+            </p:spPr>
+            <p:style>
+              <a:lnRef idx="2">
+                <a:schemeClr val="accent1"/>
+              </a:lnRef>
+              <a:fillRef idx="0">
+                <a:schemeClr val="accent1"/>
+              </a:fillRef>
+              <a:effectRef idx="1">
+                <a:schemeClr val="accent1"/>
+              </a:effectRef>
+              <a:fontRef idx="minor">
+                <a:schemeClr val="tx1"/>
+              </a:fontRef>
+            </p:style>
+          </p:cxnSp>
+          <p:cxnSp>
+            <p:nvCxnSpPr>
+              <p:cNvPr id="62" name="直線矢印コネクタ 61"/>
+              <p:cNvCxnSpPr/>
+              <p:nvPr/>
+            </p:nvCxnSpPr>
+            <p:spPr>
+              <a:xfrm>
+                <a:off x="6728781" y="4261484"/>
+                <a:ext cx="1405052" cy="1"/>
+              </a:xfrm>
+              <a:prstGeom prst="straightConnector1">
+                <a:avLst/>
+              </a:prstGeom>
+              <a:ln>
+                <a:solidFill>
+                  <a:schemeClr val="tx1"/>
+                </a:solidFill>
+                <a:tailEnd type="arrow"/>
+              </a:ln>
+              <a:effectLst/>
+            </p:spPr>
+            <p:style>
+              <a:lnRef idx="2">
+                <a:schemeClr val="accent1"/>
+              </a:lnRef>
+              <a:fillRef idx="0">
+                <a:schemeClr val="accent1"/>
+              </a:fillRef>
+              <a:effectRef idx="1">
+                <a:schemeClr val="accent1"/>
+              </a:effectRef>
+              <a:fontRef idx="minor">
+                <a:schemeClr val="tx1"/>
+              </a:fontRef>
+            </p:style>
+          </p:cxnSp>
+          <p:sp>
+            <p:nvSpPr>
+              <p:cNvPr id="63" name="テキスト ボックス 62"/>
+              <p:cNvSpPr txBox="1"/>
+              <p:nvPr/>
+            </p:nvSpPr>
+            <p:spPr>
+              <a:xfrm>
+                <a:off x="8106719" y="4060657"/>
+                <a:ext cx="954370" cy="369332"/>
+              </a:xfrm>
+              <a:prstGeom prst="rect">
+                <a:avLst/>
+              </a:prstGeom>
+              <a:noFill/>
+            </p:spPr>
+            <p:txBody>
+              <a:bodyPr wrap="none" rtlCol="0">
+                <a:spAutoFit/>
+              </a:bodyPr>
+              <a:lstStyle/>
+              <a:p>
+                <a:r>
+                  <a:rPr kumimoji="1" lang="en-US" altLang="ja-JP" dirty="0" smtClean="0">
+                    <a:latin typeface="Helvetica"/>
+                    <a:cs typeface="Helvetica"/>
+                  </a:rPr>
+                  <a:t>log</a:t>
+                </a:r>
+                <a:r>
+                  <a:rPr kumimoji="1" lang="ja-JP" altLang="en-US" dirty="0" smtClean="0"/>
+                  <a:t>質量</a:t>
+                </a:r>
+                <a:endParaRPr kumimoji="1" lang="ja-JP" altLang="en-US" dirty="0"/>
+              </a:p>
+            </p:txBody>
+          </p:sp>
+          <p:sp>
+            <p:nvSpPr>
+              <p:cNvPr id="64" name="テキスト ボックス 63"/>
+              <p:cNvSpPr txBox="1"/>
+              <p:nvPr/>
+            </p:nvSpPr>
+            <p:spPr>
+              <a:xfrm>
+                <a:off x="6097632" y="3596012"/>
+                <a:ext cx="736099" cy="369332"/>
+              </a:xfrm>
+              <a:prstGeom prst="rect">
+                <a:avLst/>
+              </a:prstGeom>
+              <a:noFill/>
+            </p:spPr>
+            <p:txBody>
+              <a:bodyPr wrap="none" rtlCol="0">
+                <a:spAutoFit/>
+              </a:bodyPr>
+              <a:lstStyle/>
+              <a:p>
+                <a:r>
+                  <a:rPr kumimoji="1" lang="en-US" altLang="ja-JP" dirty="0" smtClean="0">
+                    <a:latin typeface="Helvetica"/>
+                    <a:cs typeface="Helvetica"/>
+                  </a:rPr>
+                  <a:t>log</a:t>
+                </a:r>
+                <a:r>
+                  <a:rPr kumimoji="1" lang="ja-JP" altLang="en-US" dirty="0" smtClean="0"/>
+                  <a:t>数</a:t>
+                </a:r>
+                <a:endParaRPr kumimoji="1" lang="ja-JP" altLang="en-US" dirty="0"/>
+              </a:p>
+            </p:txBody>
+          </p:sp>
+          <p:cxnSp>
+            <p:nvCxnSpPr>
+              <p:cNvPr id="65" name="直線コネクタ 64"/>
+              <p:cNvCxnSpPr/>
+              <p:nvPr/>
+            </p:nvCxnSpPr>
+            <p:spPr>
+              <a:xfrm>
+                <a:off x="7010400" y="3473071"/>
+                <a:ext cx="914400" cy="567286"/>
+              </a:xfrm>
+              <a:prstGeom prst="line">
+                <a:avLst/>
+              </a:prstGeom>
+              <a:ln w="12700">
+                <a:solidFill>
+                  <a:schemeClr val="tx1"/>
+                </a:solidFill>
+                <a:prstDash val="dash"/>
+              </a:ln>
+              <a:effectLst/>
+            </p:spPr>
+            <p:style>
+              <a:lnRef idx="2">
+                <a:schemeClr val="accent1"/>
+              </a:lnRef>
+              <a:fillRef idx="0">
+                <a:schemeClr val="accent1"/>
+              </a:fillRef>
+              <a:effectRef idx="1">
+                <a:schemeClr val="accent1"/>
+              </a:effectRef>
+              <a:fontRef idx="minor">
+                <a:schemeClr val="tx1"/>
+              </a:fontRef>
+            </p:style>
+          </p:cxnSp>
+          <p:cxnSp>
+            <p:nvCxnSpPr>
+              <p:cNvPr id="66" name="直線コネクタ 65"/>
+              <p:cNvCxnSpPr/>
+              <p:nvPr/>
+            </p:nvCxnSpPr>
+            <p:spPr>
+              <a:xfrm>
+                <a:off x="7010400" y="3473071"/>
+                <a:ext cx="0" cy="788414"/>
+              </a:xfrm>
+              <a:prstGeom prst="line">
+                <a:avLst/>
+              </a:prstGeom>
+              <a:ln w="12700" cap="flat">
+                <a:solidFill>
+                  <a:schemeClr val="tx1"/>
+                </a:solidFill>
+                <a:prstDash val="dash"/>
+              </a:ln>
+              <a:effectLst/>
+            </p:spPr>
+            <p:style>
+              <a:lnRef idx="2">
+                <a:schemeClr val="accent1"/>
+              </a:lnRef>
+              <a:fillRef idx="0">
+                <a:schemeClr val="accent1"/>
+              </a:fillRef>
+              <a:effectRef idx="1">
+                <a:schemeClr val="accent1"/>
+              </a:effectRef>
+              <a:fontRef idx="minor">
+                <a:schemeClr val="tx1"/>
+              </a:fontRef>
+            </p:style>
+          </p:cxnSp>
+          <p:cxnSp>
+            <p:nvCxnSpPr>
+              <p:cNvPr id="67" name="直線コネクタ 66"/>
+              <p:cNvCxnSpPr/>
+              <p:nvPr/>
+            </p:nvCxnSpPr>
+            <p:spPr>
+              <a:xfrm flipH="1">
+                <a:off x="7924800" y="4040357"/>
+                <a:ext cx="1" cy="221127"/>
+              </a:xfrm>
+              <a:prstGeom prst="line">
+                <a:avLst/>
+              </a:prstGeom>
+              <a:ln w="12700" cap="flat">
+                <a:solidFill>
+                  <a:schemeClr val="tx1"/>
+                </a:solidFill>
+                <a:prstDash val="dash"/>
+              </a:ln>
+              <a:effectLst/>
+            </p:spPr>
+            <p:style>
+              <a:lnRef idx="2">
+                <a:schemeClr val="accent1"/>
+              </a:lnRef>
+              <a:fillRef idx="0">
+                <a:schemeClr val="accent1"/>
+              </a:fillRef>
+              <a:effectRef idx="1">
+                <a:schemeClr val="accent1"/>
+              </a:effectRef>
+              <a:fontRef idx="minor">
+                <a:schemeClr val="tx1"/>
+              </a:fontRef>
+            </p:style>
+          </p:cxnSp>
+          <p:sp>
+            <p:nvSpPr>
+              <p:cNvPr id="68" name="テキスト ボックス 67"/>
+              <p:cNvSpPr txBox="1"/>
+              <p:nvPr/>
+            </p:nvSpPr>
+            <p:spPr>
+              <a:xfrm>
+                <a:off x="6833731" y="3093495"/>
+                <a:ext cx="1569660" cy="369332"/>
+              </a:xfrm>
+              <a:prstGeom prst="rect">
+                <a:avLst/>
+              </a:prstGeom>
+              <a:noFill/>
+            </p:spPr>
+            <p:txBody>
+              <a:bodyPr wrap="none" rtlCol="0">
+                <a:spAutoFit/>
+              </a:bodyPr>
+              <a:lstStyle/>
+              <a:p>
+                <a:r>
+                  <a:rPr kumimoji="1" lang="ja-JP" altLang="en-US" dirty="0" smtClean="0"/>
+                  <a:t>破片質量分布</a:t>
+                </a:r>
+                <a:endParaRPr kumimoji="1" lang="ja-JP" altLang="en-US" dirty="0"/>
+              </a:p>
+            </p:txBody>
+          </p:sp>
+          <p:sp>
+            <p:nvSpPr>
+              <p:cNvPr id="69" name="テキスト ボックス 68"/>
+              <p:cNvSpPr txBox="1"/>
+              <p:nvPr/>
+            </p:nvSpPr>
+            <p:spPr>
+              <a:xfrm>
+                <a:off x="6789190" y="4196674"/>
+                <a:ext cx="624916" cy="369332"/>
+              </a:xfrm>
+              <a:prstGeom prst="rect">
+                <a:avLst/>
+              </a:prstGeom>
+              <a:noFill/>
+            </p:spPr>
+            <p:txBody>
+              <a:bodyPr wrap="none" rtlCol="0">
+                <a:spAutoFit/>
+              </a:bodyPr>
+              <a:lstStyle/>
+              <a:p>
+                <a:r>
+                  <a:rPr kumimoji="1" lang="en-US" altLang="ja-JP" dirty="0" err="1" smtClean="0">
+                    <a:latin typeface="Helvetica"/>
+                    <a:cs typeface="Helvetica"/>
+                  </a:rPr>
+                  <a:t>m</a:t>
+                </a:r>
+                <a:r>
+                  <a:rPr kumimoji="1" lang="en-US" altLang="ja-JP" baseline="-25000" dirty="0" err="1" smtClean="0">
+                    <a:latin typeface="Helvetica"/>
+                    <a:cs typeface="Helvetica"/>
+                  </a:rPr>
+                  <a:t>min</a:t>
+                </a:r>
+                <a:endParaRPr kumimoji="1" lang="ja-JP" altLang="en-US" dirty="0">
+                  <a:latin typeface="Helvetica"/>
+                  <a:cs typeface="Helvetica"/>
+                </a:endParaRPr>
+              </a:p>
+            </p:txBody>
+          </p:sp>
+          <p:sp>
+            <p:nvSpPr>
+              <p:cNvPr id="70" name="テキスト ボックス 69"/>
+              <p:cNvSpPr txBox="1"/>
+              <p:nvPr/>
+            </p:nvSpPr>
+            <p:spPr>
+              <a:xfrm>
+                <a:off x="7588810" y="4196674"/>
+                <a:ext cx="671979" cy="369332"/>
+              </a:xfrm>
+              <a:prstGeom prst="rect">
+                <a:avLst/>
+              </a:prstGeom>
+              <a:noFill/>
+            </p:spPr>
+            <p:txBody>
+              <a:bodyPr wrap="none" rtlCol="0">
+                <a:spAutoFit/>
+              </a:bodyPr>
+              <a:lstStyle/>
+              <a:p>
+                <a:r>
+                  <a:rPr kumimoji="1" lang="en-US" altLang="ja-JP" dirty="0" err="1" smtClean="0">
+                    <a:latin typeface="Helvetica"/>
+                    <a:cs typeface="Helvetica"/>
+                  </a:rPr>
+                  <a:t>m</a:t>
+                </a:r>
+                <a:r>
+                  <a:rPr kumimoji="1" lang="en-US" altLang="ja-JP" baseline="-25000" dirty="0" err="1" smtClean="0">
+                    <a:latin typeface="Helvetica"/>
+                    <a:cs typeface="Helvetica"/>
+                  </a:rPr>
+                  <a:t>max</a:t>
+                </a:r>
+                <a:endParaRPr kumimoji="1" lang="ja-JP" altLang="en-US" dirty="0">
+                  <a:latin typeface="Helvetica"/>
+                  <a:cs typeface="Helvetica"/>
+                </a:endParaRPr>
+              </a:p>
+            </p:txBody>
+          </p:sp>
+        </p:grpSp>
+        <p:cxnSp>
+          <p:nvCxnSpPr>
+            <p:cNvPr id="73" name="直線コネクタ 72"/>
+            <p:cNvCxnSpPr/>
+            <p:nvPr/>
+          </p:nvCxnSpPr>
+          <p:spPr>
+            <a:xfrm>
+              <a:off x="5222421" y="5192633"/>
+              <a:ext cx="914400" cy="567286"/>
+            </a:xfrm>
+            <a:prstGeom prst="line">
+              <a:avLst/>
+            </a:prstGeom>
+            <a:ln>
+              <a:solidFill>
+                <a:schemeClr val="tx1"/>
+              </a:solidFill>
+            </a:ln>
+            <a:effectLst/>
+          </p:spPr>
+          <p:style>
+            <a:lnRef idx="2">
+              <a:schemeClr val="accent1"/>
+            </a:lnRef>
+            <a:fillRef idx="0">
+              <a:schemeClr val="accent1"/>
+            </a:fillRef>
+            <a:effectRef idx="1">
+              <a:schemeClr val="accent1"/>
+            </a:effectRef>
+            <a:fontRef idx="minor">
+              <a:schemeClr val="tx1"/>
+            </a:fontRef>
+          </p:style>
+        </p:cxnSp>
+      </p:grpSp>
+      <p:sp>
+        <p:nvSpPr>
+          <p:cNvPr id="75" name="下矢印 74"/>
+          <p:cNvSpPr/>
+          <p:nvPr/>
+        </p:nvSpPr>
+        <p:spPr>
+          <a:xfrm rot="16200000">
+            <a:off x="4288182" y="5140939"/>
+            <a:ext cx="484632" cy="753327"/>
+          </a:xfrm>
+          <a:prstGeom prst="downArrow">
+            <a:avLst/>
+          </a:prstGeom>
+          <a:solidFill>
+            <a:schemeClr val="accent5">
+              <a:lumMod val="60000"/>
+              <a:lumOff val="40000"/>
+            </a:schemeClr>
+          </a:solidFill>
+          <a:ln>
+            <a:noFill/>
+          </a:ln>
+          <a:effectLst/>
+        </p:spPr>
+        <p:style>
+          <a:lnRef idx="1">
+            <a:schemeClr val="accent1"/>
+          </a:lnRef>
+          <a:fillRef idx="3">
+            <a:schemeClr val="accent1"/>
+          </a:fillRef>
+          <a:effectRef idx="2">
+            <a:schemeClr val="accent1"/>
+          </a:effectRef>
+          <a:fontRef idx="minor">
+            <a:schemeClr val="lt1"/>
+          </a:fontRef>
+        </p:style>
+        <p:txBody>
+          <a:bodyPr rtlCol="0" anchor="ctr"/>
+          <a:lstStyle/>
+          <a:p>
+            <a:pPr algn="ctr"/>
+            <a:endParaRPr kumimoji="1" lang="ja-JP" altLang="en-US" dirty="0"/>
+          </a:p>
+        </p:txBody>
+      </p:sp>
+      <p:sp>
+        <p:nvSpPr>
+          <p:cNvPr id="79" name="テキスト ボックス 78"/>
+          <p:cNvSpPr txBox="1"/>
+          <p:nvPr/>
+        </p:nvSpPr>
+        <p:spPr>
+          <a:xfrm>
+            <a:off x="6846599" y="5090620"/>
+            <a:ext cx="2031325" cy="369332"/>
+          </a:xfrm>
+          <a:prstGeom prst="rect">
+            <a:avLst/>
+          </a:prstGeom>
+          <a:noFill/>
+        </p:spPr>
+        <p:txBody>
+          <a:bodyPr wrap="none" rtlCol="0">
+            <a:spAutoFit/>
+          </a:bodyPr>
+          <a:lstStyle/>
+          <a:p>
+            <a:r>
+              <a:rPr kumimoji="1" lang="ja-JP" altLang="en-US" dirty="0" smtClean="0"/>
+              <a:t>べきは変わらない</a:t>
+            </a:r>
+            <a:endParaRPr kumimoji="1" lang="ja-JP" altLang="en-US" dirty="0"/>
+          </a:p>
+        </p:txBody>
+      </p:sp>
+      <p:sp>
+        <p:nvSpPr>
+          <p:cNvPr id="80" name="テキスト ボックス 79"/>
+          <p:cNvSpPr txBox="1"/>
+          <p:nvPr/>
+        </p:nvSpPr>
+        <p:spPr>
+          <a:xfrm>
+            <a:off x="3809781" y="3862627"/>
+            <a:ext cx="1107996" cy="369332"/>
+          </a:xfrm>
+          <a:prstGeom prst="rect">
+            <a:avLst/>
+          </a:prstGeom>
+          <a:noFill/>
+        </p:spPr>
+        <p:txBody>
+          <a:bodyPr wrap="none" rtlCol="0">
+            <a:spAutoFit/>
+          </a:bodyPr>
+          <a:lstStyle/>
+          <a:p>
+            <a:r>
+              <a:rPr kumimoji="1" lang="ja-JP" altLang="en-US" dirty="0" smtClean="0"/>
+              <a:t>すなわち</a:t>
+            </a:r>
+            <a:endParaRPr kumimoji="1" lang="ja-JP" altLang="en-US" dirty="0"/>
+          </a:p>
+        </p:txBody>
+      </p:sp>
+      <p:sp>
+        <p:nvSpPr>
+          <p:cNvPr id="3" name="テキスト ボックス 2"/>
+          <p:cNvSpPr txBox="1"/>
+          <p:nvPr/>
+        </p:nvSpPr>
+        <p:spPr>
+          <a:xfrm>
+            <a:off x="5822275" y="3293921"/>
+            <a:ext cx="2929007" cy="369332"/>
+          </a:xfrm>
+          <a:prstGeom prst="rect">
+            <a:avLst/>
+          </a:prstGeom>
+          <a:noFill/>
+        </p:spPr>
+        <p:txBody>
+          <a:bodyPr wrap="none" rtlCol="0">
+            <a:spAutoFit/>
+          </a:bodyPr>
+          <a:lstStyle/>
+          <a:p>
+            <a:r>
+              <a:rPr kumimoji="1" lang="en-US" altLang="ja-JP" dirty="0" smtClean="0">
+                <a:latin typeface="Helvetica"/>
+                <a:cs typeface="Helvetica"/>
+              </a:rPr>
+              <a:t>Kobayashi &amp; Tanaka, 2015</a:t>
+            </a:r>
+            <a:endParaRPr kumimoji="1" lang="ja-JP" altLang="en-US" dirty="0">
+              <a:latin typeface="Helvetica"/>
+              <a:cs typeface="Helvetica"/>
+            </a:endParaRPr>
+          </a:p>
+        </p:txBody>
+      </p:sp>
+    </p:spTree>
+    <p:extLst>
+      <p:ext uri="{BB962C8B-B14F-4D97-AF65-F5344CB8AC3E}">
+        <p14:creationId xmlns:p14="http://schemas.microsoft.com/office/powerpoint/2010/main" val="669836068"/>
       </p:ext>
     </p:extLst>
   </p:cSld>
